--- a/PPT/chapter12.pptx
+++ b/PPT/chapter12.pptx
@@ -5,10 +5,10 @@
     <p:sldMasterId id="2147483648" r:id="rId1"/>
   </p:sldMasterIdLst>
   <p:notesMasterIdLst>
-    <p:notesMasterId r:id="rId45"/>
+    <p:notesMasterId r:id="rId51"/>
   </p:notesMasterIdLst>
   <p:handoutMasterIdLst>
-    <p:handoutMasterId r:id="rId46"/>
+    <p:handoutMasterId r:id="rId52"/>
   </p:handoutMasterIdLst>
   <p:sldIdLst>
     <p:sldId id="260" r:id="rId2"/>
@@ -48,12 +48,18 @@
     <p:sldId id="559" r:id="rId36"/>
     <p:sldId id="560" r:id="rId37"/>
     <p:sldId id="561" r:id="rId38"/>
-    <p:sldId id="562" r:id="rId39"/>
-    <p:sldId id="565" r:id="rId40"/>
-    <p:sldId id="563" r:id="rId41"/>
-    <p:sldId id="564" r:id="rId42"/>
-    <p:sldId id="283" r:id="rId43"/>
-    <p:sldId id="280" r:id="rId44"/>
+    <p:sldId id="566" r:id="rId39"/>
+    <p:sldId id="562" r:id="rId40"/>
+    <p:sldId id="567" r:id="rId41"/>
+    <p:sldId id="565" r:id="rId42"/>
+    <p:sldId id="568" r:id="rId43"/>
+    <p:sldId id="569" r:id="rId44"/>
+    <p:sldId id="563" r:id="rId45"/>
+    <p:sldId id="564" r:id="rId46"/>
+    <p:sldId id="571" r:id="rId47"/>
+    <p:sldId id="570" r:id="rId48"/>
+    <p:sldId id="283" r:id="rId49"/>
+    <p:sldId id="280" r:id="rId50"/>
   </p:sldIdLst>
   <p:sldSz cx="12192000" cy="6858000"/>
   <p:notesSz cx="6858000" cy="9144000"/>
@@ -3124,7 +3130,7 @@
           <a:p>
             <a:fld id="{AC7E1972-C479-4420-A687-8FB83BA90DEB}" type="datetimeFigureOut">
               <a:rPr lang="zh-CN" altLang="en-US" smtClean="0"/>
-              <a:t>2025/3/2 Sun</a:t>
+              <a:t>2025/6/5 Thu</a:t>
             </a:fld>
             <a:endParaRPr lang="zh-CN" altLang="en-US"/>
           </a:p>
@@ -3301,7 +3307,7 @@
           <a:p>
             <a:fld id="{89B7AB8D-BCC0-43C6-B24C-055A25DB558F}" type="datetimeFigureOut">
               <a:rPr lang="zh-CN" altLang="en-US" smtClean="0"/>
-              <a:t>2025/3/2 Sun</a:t>
+              <a:t>2025/6/5 Thu</a:t>
             </a:fld>
             <a:endParaRPr lang="zh-CN" altLang="en-US"/>
           </a:p>
@@ -3641,6 +3647,115 @@
         <p:cNvPr id="1" name="">
           <a:extLst>
             <a:ext uri="{FF2B5EF4-FFF2-40B4-BE49-F238E27FC236}">
+              <a16:creationId xmlns:a16="http://schemas.microsoft.com/office/drawing/2014/main" id="{37D997F1-A7AE-09C8-4E00-2FBE987EFF0B}"/>
+            </a:ext>
+          </a:extLst>
+        </p:cNvPr>
+        <p:cNvGrpSpPr/>
+        <p:nvPr/>
+      </p:nvGrpSpPr>
+      <p:grpSpPr>
+        <a:xfrm>
+          <a:off x="0" y="0"/>
+          <a:ext cx="0" cy="0"/>
+          <a:chOff x="0" y="0"/>
+          <a:chExt cx="0" cy="0"/>
+        </a:xfrm>
+      </p:grpSpPr>
+      <p:sp>
+        <p:nvSpPr>
+          <p:cNvPr id="2" name="幻灯片图像占位符 1">
+            <a:extLst>
+              <a:ext uri="{FF2B5EF4-FFF2-40B4-BE49-F238E27FC236}">
+                <a16:creationId xmlns:a16="http://schemas.microsoft.com/office/drawing/2014/main" id="{61B5A5DF-8823-0BE0-3303-2F260E140F4F}"/>
+              </a:ext>
+            </a:extLst>
+          </p:cNvPr>
+          <p:cNvSpPr>
+            <a:spLocks noGrp="1" noRot="1" noChangeAspect="1"/>
+          </p:cNvSpPr>
+          <p:nvPr>
+            <p:ph type="sldImg"/>
+          </p:nvPr>
+        </p:nvSpPr>
+        <p:spPr/>
+      </p:sp>
+      <p:sp>
+        <p:nvSpPr>
+          <p:cNvPr id="3" name="备注占位符 2">
+            <a:extLst>
+              <a:ext uri="{FF2B5EF4-FFF2-40B4-BE49-F238E27FC236}">
+                <a16:creationId xmlns:a16="http://schemas.microsoft.com/office/drawing/2014/main" id="{151BEB9A-9461-9D48-8B0A-2FC0C1270A38}"/>
+              </a:ext>
+            </a:extLst>
+          </p:cNvPr>
+          <p:cNvSpPr>
+            <a:spLocks noGrp="1"/>
+          </p:cNvSpPr>
+          <p:nvPr>
+            <p:ph type="body" idx="1"/>
+          </p:nvPr>
+        </p:nvSpPr>
+        <p:spPr/>
+        <p:txBody>
+          <a:bodyPr/>
+          <a:lstStyle/>
+          <a:p>
+            <a:pPr algn="l"/>
+            <a:endParaRPr lang="zh-CN" altLang="en-US" dirty="0"/>
+          </a:p>
+        </p:txBody>
+      </p:sp>
+      <p:sp>
+        <p:nvSpPr>
+          <p:cNvPr id="4" name="灯片编号占位符 3">
+            <a:extLst>
+              <a:ext uri="{FF2B5EF4-FFF2-40B4-BE49-F238E27FC236}">
+                <a16:creationId xmlns:a16="http://schemas.microsoft.com/office/drawing/2014/main" id="{D9AC5C96-9C17-D4AD-7D84-06F00A3F4A03}"/>
+              </a:ext>
+            </a:extLst>
+          </p:cNvPr>
+          <p:cNvSpPr>
+            <a:spLocks noGrp="1"/>
+          </p:cNvSpPr>
+          <p:nvPr>
+            <p:ph type="sldNum" sz="quarter" idx="5"/>
+          </p:nvPr>
+        </p:nvSpPr>
+        <p:spPr/>
+        <p:txBody>
+          <a:bodyPr/>
+          <a:lstStyle/>
+          <a:p>
+            <a:fld id="{9901CBA2-7C9E-4AD6-B258-A0DB055BB3AF}" type="slidenum">
+              <a:rPr lang="zh-CN" altLang="en-US" smtClean="0"/>
+              <a:t>12</a:t>
+            </a:fld>
+            <a:endParaRPr lang="zh-CN" altLang="en-US"/>
+          </a:p>
+        </p:txBody>
+      </p:sp>
+    </p:spTree>
+    <p:extLst>
+      <p:ext uri="{BB962C8B-B14F-4D97-AF65-F5344CB8AC3E}">
+        <p14:creationId xmlns:p14="http://schemas.microsoft.com/office/powerpoint/2010/main" val="3994348264"/>
+      </p:ext>
+    </p:extLst>
+  </p:cSld>
+  <p:clrMapOvr>
+    <a:masterClrMapping/>
+  </p:clrMapOvr>
+</p:notes>
+</file>
+
+<file path=ppt/notesSlides/notesSlide11.xml><?xml version="1.0" encoding="utf-8"?>
+<p:notes xmlns:a="http://schemas.openxmlformats.org/drawingml/2006/main" xmlns:r="http://schemas.openxmlformats.org/officeDocument/2006/relationships" xmlns:p="http://schemas.openxmlformats.org/presentationml/2006/main">
+  <p:cSld>
+    <p:spTree>
+      <p:nvGrpSpPr>
+        <p:cNvPr id="1" name="">
+          <a:extLst>
+            <a:ext uri="{FF2B5EF4-FFF2-40B4-BE49-F238E27FC236}">
               <a16:creationId xmlns:a16="http://schemas.microsoft.com/office/drawing/2014/main" id="{EEE36A2B-4810-6123-4BA0-3F9C5A97210D}"/>
             </a:ext>
           </a:extLst>
@@ -3742,7 +3857,7 @@
 </p:notes>
 </file>
 
-<file path=ppt/notesSlides/notesSlide11.xml><?xml version="1.0" encoding="utf-8"?>
+<file path=ppt/notesSlides/notesSlide12.xml><?xml version="1.0" encoding="utf-8"?>
 <p:notes xmlns:a="http://schemas.openxmlformats.org/drawingml/2006/main" xmlns:r="http://schemas.openxmlformats.org/officeDocument/2006/relationships" xmlns:p="http://schemas.openxmlformats.org/presentationml/2006/main">
   <p:cSld>
     <p:spTree>
@@ -3851,7 +3966,7 @@
 </p:notes>
 </file>
 
-<file path=ppt/notesSlides/notesSlide12.xml><?xml version="1.0" encoding="utf-8"?>
+<file path=ppt/notesSlides/notesSlide13.xml><?xml version="1.0" encoding="utf-8"?>
 <p:notes xmlns:a="http://schemas.openxmlformats.org/drawingml/2006/main" xmlns:r="http://schemas.openxmlformats.org/officeDocument/2006/relationships" xmlns:p="http://schemas.openxmlformats.org/presentationml/2006/main">
   <p:cSld>
     <p:spTree>
@@ -3965,7 +4080,7 @@
 </p:notes>
 </file>
 
-<file path=ppt/notesSlides/notesSlide13.xml><?xml version="1.0" encoding="utf-8"?>
+<file path=ppt/notesSlides/notesSlide14.xml><?xml version="1.0" encoding="utf-8"?>
 <p:notes xmlns:a="http://schemas.openxmlformats.org/drawingml/2006/main" xmlns:r="http://schemas.openxmlformats.org/officeDocument/2006/relationships" xmlns:p="http://schemas.openxmlformats.org/presentationml/2006/main">
   <p:cSld>
     <p:spTree>
@@ -4079,7 +4194,7 @@
 </p:notes>
 </file>
 
-<file path=ppt/notesSlides/notesSlide14.xml><?xml version="1.0" encoding="utf-8"?>
+<file path=ppt/notesSlides/notesSlide15.xml><?xml version="1.0" encoding="utf-8"?>
 <p:notes xmlns:a="http://schemas.openxmlformats.org/drawingml/2006/main" xmlns:r="http://schemas.openxmlformats.org/officeDocument/2006/relationships" xmlns:p="http://schemas.openxmlformats.org/presentationml/2006/main">
   <p:cSld>
     <p:spTree>
@@ -4345,7 +4460,7 @@
 </p:notes>
 </file>
 
-<file path=ppt/notesSlides/notesSlide15.xml><?xml version="1.0" encoding="utf-8"?>
+<file path=ppt/notesSlides/notesSlide16.xml><?xml version="1.0" encoding="utf-8"?>
 <p:notes xmlns:a="http://schemas.openxmlformats.org/drawingml/2006/main" xmlns:r="http://schemas.openxmlformats.org/officeDocument/2006/relationships" xmlns:p="http://schemas.openxmlformats.org/presentationml/2006/main">
   <p:cSld>
     <p:spTree>
@@ -4459,7 +4574,7 @@
 </p:notes>
 </file>
 
-<file path=ppt/notesSlides/notesSlide16.xml><?xml version="1.0" encoding="utf-8"?>
+<file path=ppt/notesSlides/notesSlide17.xml><?xml version="1.0" encoding="utf-8"?>
 <p:notes xmlns:a="http://schemas.openxmlformats.org/drawingml/2006/main" xmlns:r="http://schemas.openxmlformats.org/officeDocument/2006/relationships" xmlns:p="http://schemas.openxmlformats.org/presentationml/2006/main">
   <p:cSld>
     <p:spTree>
@@ -4573,7 +4688,7 @@
 </p:notes>
 </file>
 
-<file path=ppt/notesSlides/notesSlide17.xml><?xml version="1.0" encoding="utf-8"?>
+<file path=ppt/notesSlides/notesSlide18.xml><?xml version="1.0" encoding="utf-8"?>
 <p:notes xmlns:a="http://schemas.openxmlformats.org/drawingml/2006/main" xmlns:r="http://schemas.openxmlformats.org/officeDocument/2006/relationships" xmlns:p="http://schemas.openxmlformats.org/presentationml/2006/main">
   <p:cSld>
     <p:spTree>
@@ -4715,7 +4830,7 @@
 </p:notes>
 </file>
 
-<file path=ppt/notesSlides/notesSlide18.xml><?xml version="1.0" encoding="utf-8"?>
+<file path=ppt/notesSlides/notesSlide19.xml><?xml version="1.0" encoding="utf-8"?>
 <p:notes xmlns:a="http://schemas.openxmlformats.org/drawingml/2006/main" xmlns:r="http://schemas.openxmlformats.org/officeDocument/2006/relationships" xmlns:p="http://schemas.openxmlformats.org/presentationml/2006/main">
   <p:cSld>
     <p:spTree>
@@ -4829,7 +4944,95 @@
 </p:notes>
 </file>
 
-<file path=ppt/notesSlides/notesSlide19.xml><?xml version="1.0" encoding="utf-8"?>
+<file path=ppt/notesSlides/notesSlide2.xml><?xml version="1.0" encoding="utf-8"?>
+<p:notes xmlns:a="http://schemas.openxmlformats.org/drawingml/2006/main" xmlns:r="http://schemas.openxmlformats.org/officeDocument/2006/relationships" xmlns:p="http://schemas.openxmlformats.org/presentationml/2006/main">
+  <p:cSld>
+    <p:spTree>
+      <p:nvGrpSpPr>
+        <p:cNvPr id="1" name=""/>
+        <p:cNvGrpSpPr/>
+        <p:nvPr/>
+      </p:nvGrpSpPr>
+      <p:grpSpPr>
+        <a:xfrm>
+          <a:off x="0" y="0"/>
+          <a:ext cx="0" cy="0"/>
+          <a:chOff x="0" y="0"/>
+          <a:chExt cx="0" cy="0"/>
+        </a:xfrm>
+      </p:grpSpPr>
+      <p:sp>
+        <p:nvSpPr>
+          <p:cNvPr id="2" name="幻灯片图像占位符 1"/>
+          <p:cNvSpPr>
+            <a:spLocks noGrp="1" noRot="1" noChangeAspect="1"/>
+          </p:cNvSpPr>
+          <p:nvPr>
+            <p:ph type="sldImg"/>
+          </p:nvPr>
+        </p:nvSpPr>
+        <p:spPr/>
+      </p:sp>
+      <p:sp>
+        <p:nvSpPr>
+          <p:cNvPr id="3" name="备注占位符 2"/>
+          <p:cNvSpPr>
+            <a:spLocks noGrp="1"/>
+          </p:cNvSpPr>
+          <p:nvPr>
+            <p:ph type="body" idx="1"/>
+          </p:nvPr>
+        </p:nvSpPr>
+        <p:spPr/>
+        <p:txBody>
+          <a:bodyPr/>
+          <a:lstStyle/>
+          <a:p>
+            <a:r>
+              <a:rPr lang="zh-CN" altLang="en-US"/>
+              <a:t>看时间整理吧，有同学如果有时间也可以帮忙整理一下，万分感谢！</a:t>
+            </a:r>
+            <a:endParaRPr lang="zh-CN" altLang="en-US" dirty="0"/>
+          </a:p>
+        </p:txBody>
+      </p:sp>
+      <p:sp>
+        <p:nvSpPr>
+          <p:cNvPr id="4" name="灯片编号占位符 3"/>
+          <p:cNvSpPr>
+            <a:spLocks noGrp="1"/>
+          </p:cNvSpPr>
+          <p:nvPr>
+            <p:ph type="sldNum" sz="quarter" idx="5"/>
+          </p:nvPr>
+        </p:nvSpPr>
+        <p:spPr/>
+        <p:txBody>
+          <a:bodyPr/>
+          <a:lstStyle/>
+          <a:p>
+            <a:fld id="{9901CBA2-7C9E-4AD6-B258-A0DB055BB3AF}" type="slidenum">
+              <a:rPr lang="zh-CN" altLang="en-US" smtClean="0"/>
+              <a:t>4</a:t>
+            </a:fld>
+            <a:endParaRPr lang="zh-CN" altLang="en-US"/>
+          </a:p>
+        </p:txBody>
+      </p:sp>
+    </p:spTree>
+    <p:extLst>
+      <p:ext uri="{BB962C8B-B14F-4D97-AF65-F5344CB8AC3E}">
+        <p14:creationId xmlns:p14="http://schemas.microsoft.com/office/powerpoint/2010/main" val="409866517"/>
+      </p:ext>
+    </p:extLst>
+  </p:cSld>
+  <p:clrMapOvr>
+    <a:masterClrMapping/>
+  </p:clrMapOvr>
+</p:notes>
+</file>
+
+<file path=ppt/notesSlides/notesSlide20.xml><?xml version="1.0" encoding="utf-8"?>
 <p:notes xmlns:a="http://schemas.openxmlformats.org/drawingml/2006/main" xmlns:r="http://schemas.openxmlformats.org/officeDocument/2006/relationships" xmlns:p="http://schemas.openxmlformats.org/presentationml/2006/main">
   <p:cSld>
     <p:spTree>
@@ -4943,110 +5146,7 @@
 </p:notes>
 </file>
 
-<file path=ppt/notesSlides/notesSlide2.xml><?xml version="1.0" encoding="utf-8"?>
-<p:notes xmlns:a="http://schemas.openxmlformats.org/drawingml/2006/main" xmlns:r="http://schemas.openxmlformats.org/officeDocument/2006/relationships" xmlns:p="http://schemas.openxmlformats.org/presentationml/2006/main">
-  <p:cSld>
-    <p:spTree>
-      <p:nvGrpSpPr>
-        <p:cNvPr id="1" name=""/>
-        <p:cNvGrpSpPr/>
-        <p:nvPr/>
-      </p:nvGrpSpPr>
-      <p:grpSpPr>
-        <a:xfrm>
-          <a:off x="0" y="0"/>
-          <a:ext cx="0" cy="0"/>
-          <a:chOff x="0" y="0"/>
-          <a:chExt cx="0" cy="0"/>
-        </a:xfrm>
-      </p:grpSpPr>
-      <p:sp>
-        <p:nvSpPr>
-          <p:cNvPr id="2" name="幻灯片图像占位符 1"/>
-          <p:cNvSpPr>
-            <a:spLocks noGrp="1" noRot="1" noChangeAspect="1"/>
-          </p:cNvSpPr>
-          <p:nvPr>
-            <p:ph type="sldImg"/>
-          </p:nvPr>
-        </p:nvSpPr>
-        <p:spPr/>
-      </p:sp>
-      <p:sp>
-        <p:nvSpPr>
-          <p:cNvPr id="3" name="备注占位符 2"/>
-          <p:cNvSpPr>
-            <a:spLocks noGrp="1"/>
-          </p:cNvSpPr>
-          <p:nvPr>
-            <p:ph type="body" idx="1"/>
-          </p:nvPr>
-        </p:nvSpPr>
-        <p:spPr/>
-        <p:txBody>
-          <a:bodyPr/>
-          <a:lstStyle/>
-          <a:p>
-            <a:r>
-              <a:rPr lang="zh-CN" altLang="en-US" dirty="0"/>
-              <a:t>开发游戏是趣学语言的一种理想方式。看别人玩你编写的游戏能</a:t>
-            </a:r>
-            <a:r>
-              <a:rPr lang="zh-CN" altLang="en-US"/>
-              <a:t>获得满足感</a:t>
-            </a:r>
-            <a:r>
-              <a:rPr lang="en-US" altLang="zh-CN"/>
-              <a:t>,</a:t>
-            </a:r>
-            <a:r>
-              <a:rPr lang="zh-CN" altLang="en-US"/>
-              <a:t>编写</a:t>
-            </a:r>
-            <a:r>
-              <a:rPr lang="zh-CN" altLang="en-US" dirty="0"/>
-              <a:t>简单的游 戏也有助于你明白专业人员是如何开发游戏的。</a:t>
-            </a:r>
-          </a:p>
-        </p:txBody>
-      </p:sp>
-      <p:sp>
-        <p:nvSpPr>
-          <p:cNvPr id="4" name="灯片编号占位符 3"/>
-          <p:cNvSpPr>
-            <a:spLocks noGrp="1"/>
-          </p:cNvSpPr>
-          <p:nvPr>
-            <p:ph type="sldNum" sz="quarter" idx="5"/>
-          </p:nvPr>
-        </p:nvSpPr>
-        <p:spPr/>
-        <p:txBody>
-          <a:bodyPr/>
-          <a:lstStyle/>
-          <a:p>
-            <a:fld id="{9901CBA2-7C9E-4AD6-B258-A0DB055BB3AF}" type="slidenum">
-              <a:rPr lang="zh-CN" altLang="en-US" smtClean="0"/>
-              <a:t>5</a:t>
-            </a:fld>
-            <a:endParaRPr lang="zh-CN" altLang="en-US"/>
-          </a:p>
-        </p:txBody>
-      </p:sp>
-    </p:spTree>
-    <p:extLst>
-      <p:ext uri="{BB962C8B-B14F-4D97-AF65-F5344CB8AC3E}">
-        <p14:creationId xmlns:p14="http://schemas.microsoft.com/office/powerpoint/2010/main" val="3511068861"/>
-      </p:ext>
-    </p:extLst>
-  </p:cSld>
-  <p:clrMapOvr>
-    <a:masterClrMapping/>
-  </p:clrMapOvr>
-</p:notes>
-</file>
-
-<file path=ppt/notesSlides/notesSlide20.xml><?xml version="1.0" encoding="utf-8"?>
+<file path=ppt/notesSlides/notesSlide21.xml><?xml version="1.0" encoding="utf-8"?>
 <p:notes xmlns:a="http://schemas.openxmlformats.org/drawingml/2006/main" xmlns:r="http://schemas.openxmlformats.org/officeDocument/2006/relationships" xmlns:p="http://schemas.openxmlformats.org/presentationml/2006/main">
   <p:cSld>
     <p:spTree>
@@ -5300,7 +5400,7 @@
 </p:notes>
 </file>
 
-<file path=ppt/notesSlides/notesSlide21.xml><?xml version="1.0" encoding="utf-8"?>
+<file path=ppt/notesSlides/notesSlide22.xml><?xml version="1.0" encoding="utf-8"?>
 <p:notes xmlns:a="http://schemas.openxmlformats.org/drawingml/2006/main" xmlns:r="http://schemas.openxmlformats.org/officeDocument/2006/relationships" xmlns:p="http://schemas.openxmlformats.org/presentationml/2006/main">
   <p:cSld>
     <p:spTree>
@@ -5414,7 +5514,7 @@
 </p:notes>
 </file>
 
-<file path=ppt/notesSlides/notesSlide22.xml><?xml version="1.0" encoding="utf-8"?>
+<file path=ppt/notesSlides/notesSlide23.xml><?xml version="1.0" encoding="utf-8"?>
 <p:notes xmlns:a="http://schemas.openxmlformats.org/drawingml/2006/main" xmlns:r="http://schemas.openxmlformats.org/officeDocument/2006/relationships" xmlns:p="http://schemas.openxmlformats.org/presentationml/2006/main">
   <p:cSld>
     <p:spTree>
@@ -5528,7 +5628,7 @@
 </p:notes>
 </file>
 
-<file path=ppt/notesSlides/notesSlide23.xml><?xml version="1.0" encoding="utf-8"?>
+<file path=ppt/notesSlides/notesSlide24.xml><?xml version="1.0" encoding="utf-8"?>
 <p:notes xmlns:a="http://schemas.openxmlformats.org/drawingml/2006/main" xmlns:r="http://schemas.openxmlformats.org/officeDocument/2006/relationships" xmlns:p="http://schemas.openxmlformats.org/presentationml/2006/main">
   <p:cSld>
     <p:spTree>
@@ -5642,7 +5742,7 @@
 </p:notes>
 </file>
 
-<file path=ppt/notesSlides/notesSlide24.xml><?xml version="1.0" encoding="utf-8"?>
+<file path=ppt/notesSlides/notesSlide25.xml><?xml version="1.0" encoding="utf-8"?>
 <p:notes xmlns:a="http://schemas.openxmlformats.org/drawingml/2006/main" xmlns:r="http://schemas.openxmlformats.org/officeDocument/2006/relationships" xmlns:p="http://schemas.openxmlformats.org/presentationml/2006/main">
   <p:cSld>
     <p:spTree>
@@ -5751,7 +5851,7 @@
 </p:notes>
 </file>
 
-<file path=ppt/notesSlides/notesSlide25.xml><?xml version="1.0" encoding="utf-8"?>
+<file path=ppt/notesSlides/notesSlide26.xml><?xml version="1.0" encoding="utf-8"?>
 <p:notes xmlns:a="http://schemas.openxmlformats.org/drawingml/2006/main" xmlns:r="http://schemas.openxmlformats.org/officeDocument/2006/relationships" xmlns:p="http://schemas.openxmlformats.org/presentationml/2006/main">
   <p:cSld>
     <p:spTree>
@@ -5865,7 +5965,7 @@
 </p:notes>
 </file>
 
-<file path=ppt/notesSlides/notesSlide26.xml><?xml version="1.0" encoding="utf-8"?>
+<file path=ppt/notesSlides/notesSlide27.xml><?xml version="1.0" encoding="utf-8"?>
 <p:notes xmlns:a="http://schemas.openxmlformats.org/drawingml/2006/main" xmlns:r="http://schemas.openxmlformats.org/officeDocument/2006/relationships" xmlns:p="http://schemas.openxmlformats.org/presentationml/2006/main">
   <p:cSld>
     <p:spTree>
@@ -6063,7 +6163,7 @@
 </p:notes>
 </file>
 
-<file path=ppt/notesSlides/notesSlide27.xml><?xml version="1.0" encoding="utf-8"?>
+<file path=ppt/notesSlides/notesSlide28.xml><?xml version="1.0" encoding="utf-8"?>
 <p:notes xmlns:a="http://schemas.openxmlformats.org/drawingml/2006/main" xmlns:r="http://schemas.openxmlformats.org/officeDocument/2006/relationships" xmlns:p="http://schemas.openxmlformats.org/presentationml/2006/main">
   <p:cSld>
     <p:spTree>
@@ -6289,7 +6389,7 @@
 </p:notes>
 </file>
 
-<file path=ppt/notesSlides/notesSlide28.xml><?xml version="1.0" encoding="utf-8"?>
+<file path=ppt/notesSlides/notesSlide29.xml><?xml version="1.0" encoding="utf-8"?>
 <p:notes xmlns:a="http://schemas.openxmlformats.org/drawingml/2006/main" xmlns:r="http://schemas.openxmlformats.org/officeDocument/2006/relationships" xmlns:p="http://schemas.openxmlformats.org/presentationml/2006/main">
   <p:cSld>
     <p:spTree>
@@ -6403,7 +6503,110 @@
 </p:notes>
 </file>
 
-<file path=ppt/notesSlides/notesSlide29.xml><?xml version="1.0" encoding="utf-8"?>
+<file path=ppt/notesSlides/notesSlide3.xml><?xml version="1.0" encoding="utf-8"?>
+<p:notes xmlns:a="http://schemas.openxmlformats.org/drawingml/2006/main" xmlns:r="http://schemas.openxmlformats.org/officeDocument/2006/relationships" xmlns:p="http://schemas.openxmlformats.org/presentationml/2006/main">
+  <p:cSld>
+    <p:spTree>
+      <p:nvGrpSpPr>
+        <p:cNvPr id="1" name=""/>
+        <p:cNvGrpSpPr/>
+        <p:nvPr/>
+      </p:nvGrpSpPr>
+      <p:grpSpPr>
+        <a:xfrm>
+          <a:off x="0" y="0"/>
+          <a:ext cx="0" cy="0"/>
+          <a:chOff x="0" y="0"/>
+          <a:chExt cx="0" cy="0"/>
+        </a:xfrm>
+      </p:grpSpPr>
+      <p:sp>
+        <p:nvSpPr>
+          <p:cNvPr id="2" name="幻灯片图像占位符 1"/>
+          <p:cNvSpPr>
+            <a:spLocks noGrp="1" noRot="1" noChangeAspect="1"/>
+          </p:cNvSpPr>
+          <p:nvPr>
+            <p:ph type="sldImg"/>
+          </p:nvPr>
+        </p:nvSpPr>
+        <p:spPr/>
+      </p:sp>
+      <p:sp>
+        <p:nvSpPr>
+          <p:cNvPr id="3" name="备注占位符 2"/>
+          <p:cNvSpPr>
+            <a:spLocks noGrp="1"/>
+          </p:cNvSpPr>
+          <p:nvPr>
+            <p:ph type="body" idx="1"/>
+          </p:nvPr>
+        </p:nvSpPr>
+        <p:spPr/>
+        <p:txBody>
+          <a:bodyPr/>
+          <a:lstStyle/>
+          <a:p>
+            <a:r>
+              <a:rPr lang="zh-CN" altLang="en-US" dirty="0"/>
+              <a:t>开发游戏是趣学语言的一种理想方式。看别人玩你编写的游戏能</a:t>
+            </a:r>
+            <a:r>
+              <a:rPr lang="zh-CN" altLang="en-US"/>
+              <a:t>获得满足感</a:t>
+            </a:r>
+            <a:r>
+              <a:rPr lang="en-US" altLang="zh-CN"/>
+              <a:t>,</a:t>
+            </a:r>
+            <a:r>
+              <a:rPr lang="zh-CN" altLang="en-US"/>
+              <a:t>编写</a:t>
+            </a:r>
+            <a:r>
+              <a:rPr lang="zh-CN" altLang="en-US" dirty="0"/>
+              <a:t>简单的游 戏也有助于你明白专业人员是如何开发游戏的。</a:t>
+            </a:r>
+          </a:p>
+        </p:txBody>
+      </p:sp>
+      <p:sp>
+        <p:nvSpPr>
+          <p:cNvPr id="4" name="灯片编号占位符 3"/>
+          <p:cNvSpPr>
+            <a:spLocks noGrp="1"/>
+          </p:cNvSpPr>
+          <p:nvPr>
+            <p:ph type="sldNum" sz="quarter" idx="5"/>
+          </p:nvPr>
+        </p:nvSpPr>
+        <p:spPr/>
+        <p:txBody>
+          <a:bodyPr/>
+          <a:lstStyle/>
+          <a:p>
+            <a:fld id="{9901CBA2-7C9E-4AD6-B258-A0DB055BB3AF}" type="slidenum">
+              <a:rPr lang="zh-CN" altLang="en-US" smtClean="0"/>
+              <a:t>5</a:t>
+            </a:fld>
+            <a:endParaRPr lang="zh-CN" altLang="en-US"/>
+          </a:p>
+        </p:txBody>
+      </p:sp>
+    </p:spTree>
+    <p:extLst>
+      <p:ext uri="{BB962C8B-B14F-4D97-AF65-F5344CB8AC3E}">
+        <p14:creationId xmlns:p14="http://schemas.microsoft.com/office/powerpoint/2010/main" val="3511068861"/>
+      </p:ext>
+    </p:extLst>
+  </p:cSld>
+  <p:clrMapOvr>
+    <a:masterClrMapping/>
+  </p:clrMapOvr>
+</p:notes>
+</file>
+
+<file path=ppt/notesSlides/notesSlide30.xml><?xml version="1.0" encoding="utf-8"?>
 <p:notes xmlns:a="http://schemas.openxmlformats.org/drawingml/2006/main" xmlns:r="http://schemas.openxmlformats.org/officeDocument/2006/relationships" xmlns:p="http://schemas.openxmlformats.org/presentationml/2006/main">
   <p:cSld>
     <p:spTree>
@@ -6523,116 +6726,7 @@
 </p:notes>
 </file>
 
-<file path=ppt/notesSlides/notesSlide3.xml><?xml version="1.0" encoding="utf-8"?>
-<p:notes xmlns:a="http://schemas.openxmlformats.org/drawingml/2006/main" xmlns:r="http://schemas.openxmlformats.org/officeDocument/2006/relationships" xmlns:p="http://schemas.openxmlformats.org/presentationml/2006/main">
-  <p:cSld>
-    <p:spTree>
-      <p:nvGrpSpPr>
-        <p:cNvPr id="1" name="">
-          <a:extLst>
-            <a:ext uri="{FF2B5EF4-FFF2-40B4-BE49-F238E27FC236}">
-              <a16:creationId xmlns:a16="http://schemas.microsoft.com/office/drawing/2014/main" id="{396E52BF-65DE-4A8D-43E3-60F262F3D995}"/>
-            </a:ext>
-          </a:extLst>
-        </p:cNvPr>
-        <p:cNvGrpSpPr/>
-        <p:nvPr/>
-      </p:nvGrpSpPr>
-      <p:grpSpPr>
-        <a:xfrm>
-          <a:off x="0" y="0"/>
-          <a:ext cx="0" cy="0"/>
-          <a:chOff x="0" y="0"/>
-          <a:chExt cx="0" cy="0"/>
-        </a:xfrm>
-      </p:grpSpPr>
-      <p:sp>
-        <p:nvSpPr>
-          <p:cNvPr id="2" name="幻灯片图像占位符 1">
-            <a:extLst>
-              <a:ext uri="{FF2B5EF4-FFF2-40B4-BE49-F238E27FC236}">
-                <a16:creationId xmlns:a16="http://schemas.microsoft.com/office/drawing/2014/main" id="{DBF2D4D1-EF47-041D-02A2-9F43E8B7BF86}"/>
-              </a:ext>
-            </a:extLst>
-          </p:cNvPr>
-          <p:cNvSpPr>
-            <a:spLocks noGrp="1" noRot="1" noChangeAspect="1"/>
-          </p:cNvSpPr>
-          <p:nvPr>
-            <p:ph type="sldImg"/>
-          </p:nvPr>
-        </p:nvSpPr>
-        <p:spPr/>
-      </p:sp>
-      <p:sp>
-        <p:nvSpPr>
-          <p:cNvPr id="3" name="备注占位符 2">
-            <a:extLst>
-              <a:ext uri="{FF2B5EF4-FFF2-40B4-BE49-F238E27FC236}">
-                <a16:creationId xmlns:a16="http://schemas.microsoft.com/office/drawing/2014/main" id="{F0E25D96-A006-1941-38DF-F60FF748A3C6}"/>
-              </a:ext>
-            </a:extLst>
-          </p:cNvPr>
-          <p:cNvSpPr>
-            <a:spLocks noGrp="1"/>
-          </p:cNvSpPr>
-          <p:nvPr>
-            <p:ph type="body" idx="1"/>
-          </p:nvPr>
-        </p:nvSpPr>
-        <p:spPr/>
-        <p:txBody>
-          <a:bodyPr/>
-          <a:lstStyle/>
-          <a:p>
-            <a:pPr algn="l"/>
-            <a:endParaRPr lang="zh-CN" altLang="en-US" dirty="0"/>
-          </a:p>
-        </p:txBody>
-      </p:sp>
-      <p:sp>
-        <p:nvSpPr>
-          <p:cNvPr id="4" name="灯片编号占位符 3">
-            <a:extLst>
-              <a:ext uri="{FF2B5EF4-FFF2-40B4-BE49-F238E27FC236}">
-                <a16:creationId xmlns:a16="http://schemas.microsoft.com/office/drawing/2014/main" id="{E2C64302-D5D8-0F92-638A-374F403126F0}"/>
-              </a:ext>
-            </a:extLst>
-          </p:cNvPr>
-          <p:cNvSpPr>
-            <a:spLocks noGrp="1"/>
-          </p:cNvSpPr>
-          <p:nvPr>
-            <p:ph type="sldNum" sz="quarter" idx="5"/>
-          </p:nvPr>
-        </p:nvSpPr>
-        <p:spPr/>
-        <p:txBody>
-          <a:bodyPr/>
-          <a:lstStyle/>
-          <a:p>
-            <a:fld id="{9901CBA2-7C9E-4AD6-B258-A0DB055BB3AF}" type="slidenum">
-              <a:rPr lang="zh-CN" altLang="en-US" smtClean="0"/>
-              <a:t>6</a:t>
-            </a:fld>
-            <a:endParaRPr lang="zh-CN" altLang="en-US"/>
-          </a:p>
-        </p:txBody>
-      </p:sp>
-    </p:spTree>
-    <p:extLst>
-      <p:ext uri="{BB962C8B-B14F-4D97-AF65-F5344CB8AC3E}">
-        <p14:creationId xmlns:p14="http://schemas.microsoft.com/office/powerpoint/2010/main" val="3194338905"/>
-      </p:ext>
-    </p:extLst>
-  </p:cSld>
-  <p:clrMapOvr>
-    <a:masterClrMapping/>
-  </p:clrMapOvr>
-</p:notes>
-</file>
-
-<file path=ppt/notesSlides/notesSlide30.xml><?xml version="1.0" encoding="utf-8"?>
+<file path=ppt/notesSlides/notesSlide31.xml><?xml version="1.0" encoding="utf-8"?>
 <p:notes xmlns:a="http://schemas.openxmlformats.org/drawingml/2006/main" xmlns:r="http://schemas.openxmlformats.org/officeDocument/2006/relationships" xmlns:p="http://schemas.openxmlformats.org/presentationml/2006/main">
   <p:cSld>
     <p:spTree>
@@ -6746,7 +6840,7 @@
 </p:notes>
 </file>
 
-<file path=ppt/notesSlides/notesSlide31.xml><?xml version="1.0" encoding="utf-8"?>
+<file path=ppt/notesSlides/notesSlide32.xml><?xml version="1.0" encoding="utf-8"?>
 <p:notes xmlns:a="http://schemas.openxmlformats.org/drawingml/2006/main" xmlns:r="http://schemas.openxmlformats.org/officeDocument/2006/relationships" xmlns:p="http://schemas.openxmlformats.org/presentationml/2006/main">
   <p:cSld>
     <p:spTree>
@@ -6860,7 +6954,7 @@
 </p:notes>
 </file>
 
-<file path=ppt/notesSlides/notesSlide32.xml><?xml version="1.0" encoding="utf-8"?>
+<file path=ppt/notesSlides/notesSlide33.xml><?xml version="1.0" encoding="utf-8"?>
 <p:notes xmlns:a="http://schemas.openxmlformats.org/drawingml/2006/main" xmlns:r="http://schemas.openxmlformats.org/officeDocument/2006/relationships" xmlns:p="http://schemas.openxmlformats.org/presentationml/2006/main">
   <p:cSld>
     <p:spTree>
@@ -6974,7 +7068,7 @@
 </p:notes>
 </file>
 
-<file path=ppt/notesSlides/notesSlide33.xml><?xml version="1.0" encoding="utf-8"?>
+<file path=ppt/notesSlides/notesSlide34.xml><?xml version="1.0" encoding="utf-8"?>
 <p:notes xmlns:a="http://schemas.openxmlformats.org/drawingml/2006/main" xmlns:r="http://schemas.openxmlformats.org/officeDocument/2006/relationships" xmlns:p="http://schemas.openxmlformats.org/presentationml/2006/main">
   <p:cSld>
     <p:spTree>
@@ -7083,7 +7177,7 @@
 </p:notes>
 </file>
 
-<file path=ppt/notesSlides/notesSlide34.xml><?xml version="1.0" encoding="utf-8"?>
+<file path=ppt/notesSlides/notesSlide35.xml><?xml version="1.0" encoding="utf-8"?>
 <p:notes xmlns:a="http://schemas.openxmlformats.org/drawingml/2006/main" xmlns:r="http://schemas.openxmlformats.org/officeDocument/2006/relationships" xmlns:p="http://schemas.openxmlformats.org/presentationml/2006/main">
   <p:cSld>
     <p:spTree>
@@ -7203,7 +7297,125 @@
 </p:notes>
 </file>
 
-<file path=ppt/notesSlides/notesSlide35.xml><?xml version="1.0" encoding="utf-8"?>
+<file path=ppt/notesSlides/notesSlide36.xml><?xml version="1.0" encoding="utf-8"?>
+<p:notes xmlns:a="http://schemas.openxmlformats.org/drawingml/2006/main" xmlns:r="http://schemas.openxmlformats.org/officeDocument/2006/relationships" xmlns:p="http://schemas.openxmlformats.org/presentationml/2006/main">
+  <p:cSld>
+    <p:spTree>
+      <p:nvGrpSpPr>
+        <p:cNvPr id="1" name="">
+          <a:extLst>
+            <a:ext uri="{FF2B5EF4-FFF2-40B4-BE49-F238E27FC236}">
+              <a16:creationId xmlns:a16="http://schemas.microsoft.com/office/drawing/2014/main" id="{501314C6-843D-61CE-2D3B-B5B4D5E4DE5A}"/>
+            </a:ext>
+          </a:extLst>
+        </p:cNvPr>
+        <p:cNvGrpSpPr/>
+        <p:nvPr/>
+      </p:nvGrpSpPr>
+      <p:grpSpPr>
+        <a:xfrm>
+          <a:off x="0" y="0"/>
+          <a:ext cx="0" cy="0"/>
+          <a:chOff x="0" y="0"/>
+          <a:chExt cx="0" cy="0"/>
+        </a:xfrm>
+      </p:grpSpPr>
+      <p:sp>
+        <p:nvSpPr>
+          <p:cNvPr id="2" name="幻灯片图像占位符 1">
+            <a:extLst>
+              <a:ext uri="{FF2B5EF4-FFF2-40B4-BE49-F238E27FC236}">
+                <a16:creationId xmlns:a16="http://schemas.microsoft.com/office/drawing/2014/main" id="{E8F7D593-F620-DC61-7627-C2EED10B4A70}"/>
+              </a:ext>
+            </a:extLst>
+          </p:cNvPr>
+          <p:cNvSpPr>
+            <a:spLocks noGrp="1" noRot="1" noChangeAspect="1"/>
+          </p:cNvSpPr>
+          <p:nvPr>
+            <p:ph type="sldImg"/>
+          </p:nvPr>
+        </p:nvSpPr>
+        <p:spPr/>
+      </p:sp>
+      <p:sp>
+        <p:nvSpPr>
+          <p:cNvPr id="3" name="备注占位符 2">
+            <a:extLst>
+              <a:ext uri="{FF2B5EF4-FFF2-40B4-BE49-F238E27FC236}">
+                <a16:creationId xmlns:a16="http://schemas.microsoft.com/office/drawing/2014/main" id="{351FA920-6047-E153-F12B-F705A2EEB035}"/>
+              </a:ext>
+            </a:extLst>
+          </p:cNvPr>
+          <p:cNvSpPr>
+            <a:spLocks noGrp="1"/>
+          </p:cNvSpPr>
+          <p:nvPr>
+            <p:ph type="body" idx="1"/>
+          </p:nvPr>
+        </p:nvSpPr>
+        <p:spPr/>
+        <p:txBody>
+          <a:bodyPr/>
+          <a:lstStyle/>
+          <a:p>
+            <a:r>
+              <a:rPr lang="zh-CN" altLang="en-US" dirty="0"/>
+              <a:t>由于个人有更重要的待办事项，该为爱发电的讲义无法再像之前一样精细制作啦，还请大家谅解！有意细化的大佬可随时提贡献，感谢支持！</a:t>
+            </a:r>
+          </a:p>
+          <a:p>
+            <a:endParaRPr lang="zh-CN" altLang="en-US" dirty="0"/>
+          </a:p>
+          <a:p>
+            <a:pPr algn="l"/>
+            <a:endParaRPr lang="zh-CN" altLang="en-US" dirty="0"/>
+          </a:p>
+        </p:txBody>
+      </p:sp>
+      <p:sp>
+        <p:nvSpPr>
+          <p:cNvPr id="4" name="灯片编号占位符 3">
+            <a:extLst>
+              <a:ext uri="{FF2B5EF4-FFF2-40B4-BE49-F238E27FC236}">
+                <a16:creationId xmlns:a16="http://schemas.microsoft.com/office/drawing/2014/main" id="{6D2BC6A9-ABFC-59E3-C785-CA923ADF1E3B}"/>
+              </a:ext>
+            </a:extLst>
+          </p:cNvPr>
+          <p:cNvSpPr>
+            <a:spLocks noGrp="1"/>
+          </p:cNvSpPr>
+          <p:nvPr>
+            <p:ph type="sldNum" sz="quarter" idx="5"/>
+          </p:nvPr>
+        </p:nvSpPr>
+        <p:spPr/>
+        <p:txBody>
+          <a:bodyPr/>
+          <a:lstStyle/>
+          <a:p>
+            <a:fld id="{9901CBA2-7C9E-4AD6-B258-A0DB055BB3AF}" type="slidenum">
+              <a:rPr lang="zh-CN" altLang="en-US" smtClean="0"/>
+              <a:t>38</a:t>
+            </a:fld>
+            <a:endParaRPr lang="zh-CN" altLang="en-US"/>
+          </a:p>
+        </p:txBody>
+      </p:sp>
+    </p:spTree>
+    <p:extLst>
+      <p:ext uri="{BB962C8B-B14F-4D97-AF65-F5344CB8AC3E}">
+        <p14:creationId xmlns:p14="http://schemas.microsoft.com/office/powerpoint/2010/main" val="654507727"/>
+      </p:ext>
+    </p:extLst>
+  </p:cSld>
+  <p:clrMapOvr>
+    <a:masterClrMapping/>
+  </p:clrMapOvr>
+</p:notes>
+</file>
+
+<file path=ppt/notesSlides/notesSlide37.xml><?xml version="1.0" encoding="utf-8"?>
 <p:notes xmlns:a="http://schemas.openxmlformats.org/drawingml/2006/main" xmlns:r="http://schemas.openxmlformats.org/officeDocument/2006/relationships" xmlns:p="http://schemas.openxmlformats.org/presentationml/2006/main">
   <p:cSld>
     <p:spTree>
@@ -7266,18 +7478,7 @@
           <a:lstStyle/>
           <a:p>
             <a:pPr algn="l"/>
-            <a:r>
-              <a:rPr lang="zh-CN" altLang="en-US" dirty="0"/>
-              <a:t>文件可参见 </a:t>
-            </a:r>
-            <a:r>
-              <a:rPr lang="en-US" altLang="zh-CN" dirty="0"/>
-              <a:t>Code/chapter12/ship.bmp</a:t>
-            </a:r>
-            <a:r>
-              <a:rPr lang="zh-CN" altLang="en-US" dirty="0"/>
-              <a:t>，子文件夹中亦会包含，以确保每一个子文件中包含的是一个完整的项目。</a:t>
-            </a:r>
+            <a:endParaRPr lang="zh-CN" altLang="en-US" dirty="0"/>
           </a:p>
         </p:txBody>
       </p:sp>
@@ -7304,7 +7505,7 @@
           <a:p>
             <a:fld id="{9901CBA2-7C9E-4AD6-B258-A0DB055BB3AF}" type="slidenum">
               <a:rPr lang="zh-CN" altLang="en-US" smtClean="0"/>
-              <a:t>38</a:t>
+              <a:t>39</a:t>
             </a:fld>
             <a:endParaRPr lang="zh-CN" altLang="en-US"/>
           </a:p>
@@ -7323,7 +7524,125 @@
 </p:notes>
 </file>
 
-<file path=ppt/notesSlides/notesSlide36.xml><?xml version="1.0" encoding="utf-8"?>
+<file path=ppt/notesSlides/notesSlide38.xml><?xml version="1.0" encoding="utf-8"?>
+<p:notes xmlns:a="http://schemas.openxmlformats.org/drawingml/2006/main" xmlns:r="http://schemas.openxmlformats.org/officeDocument/2006/relationships" xmlns:p="http://schemas.openxmlformats.org/presentationml/2006/main">
+  <p:cSld>
+    <p:spTree>
+      <p:nvGrpSpPr>
+        <p:cNvPr id="1" name="">
+          <a:extLst>
+            <a:ext uri="{FF2B5EF4-FFF2-40B4-BE49-F238E27FC236}">
+              <a16:creationId xmlns:a16="http://schemas.microsoft.com/office/drawing/2014/main" id="{059D184B-3DB3-D620-60A9-6E79F4DD686D}"/>
+            </a:ext>
+          </a:extLst>
+        </p:cNvPr>
+        <p:cNvGrpSpPr/>
+        <p:nvPr/>
+      </p:nvGrpSpPr>
+      <p:grpSpPr>
+        <a:xfrm>
+          <a:off x="0" y="0"/>
+          <a:ext cx="0" cy="0"/>
+          <a:chOff x="0" y="0"/>
+          <a:chExt cx="0" cy="0"/>
+        </a:xfrm>
+      </p:grpSpPr>
+      <p:sp>
+        <p:nvSpPr>
+          <p:cNvPr id="2" name="幻灯片图像占位符 1">
+            <a:extLst>
+              <a:ext uri="{FF2B5EF4-FFF2-40B4-BE49-F238E27FC236}">
+                <a16:creationId xmlns:a16="http://schemas.microsoft.com/office/drawing/2014/main" id="{9717550A-AF76-9F75-3FF1-1E866F5C58E3}"/>
+              </a:ext>
+            </a:extLst>
+          </p:cNvPr>
+          <p:cNvSpPr>
+            <a:spLocks noGrp="1" noRot="1" noChangeAspect="1"/>
+          </p:cNvSpPr>
+          <p:nvPr>
+            <p:ph type="sldImg"/>
+          </p:nvPr>
+        </p:nvSpPr>
+        <p:spPr/>
+      </p:sp>
+      <p:sp>
+        <p:nvSpPr>
+          <p:cNvPr id="3" name="备注占位符 2">
+            <a:extLst>
+              <a:ext uri="{FF2B5EF4-FFF2-40B4-BE49-F238E27FC236}">
+                <a16:creationId xmlns:a16="http://schemas.microsoft.com/office/drawing/2014/main" id="{51A15377-BFB6-2EF9-8339-53194A1109CE}"/>
+              </a:ext>
+            </a:extLst>
+          </p:cNvPr>
+          <p:cNvSpPr>
+            <a:spLocks noGrp="1"/>
+          </p:cNvSpPr>
+          <p:nvPr>
+            <p:ph type="body" idx="1"/>
+          </p:nvPr>
+        </p:nvSpPr>
+        <p:spPr/>
+        <p:txBody>
+          <a:bodyPr/>
+          <a:lstStyle/>
+          <a:p>
+            <a:r>
+              <a:rPr lang="zh-CN" altLang="en-US" dirty="0"/>
+              <a:t>由于个人有更重要的待办事项，该为爱发电的讲义无法再像之前一样精细制作啦，还请大家谅解！有意细化的大佬可随时提贡献，感谢支持！</a:t>
+            </a:r>
+          </a:p>
+          <a:p>
+            <a:endParaRPr lang="zh-CN" altLang="en-US" dirty="0"/>
+          </a:p>
+          <a:p>
+            <a:pPr algn="l"/>
+            <a:endParaRPr lang="zh-CN" altLang="en-US" dirty="0"/>
+          </a:p>
+        </p:txBody>
+      </p:sp>
+      <p:sp>
+        <p:nvSpPr>
+          <p:cNvPr id="4" name="灯片编号占位符 3">
+            <a:extLst>
+              <a:ext uri="{FF2B5EF4-FFF2-40B4-BE49-F238E27FC236}">
+                <a16:creationId xmlns:a16="http://schemas.microsoft.com/office/drawing/2014/main" id="{BE913D4A-A1EC-BEA4-E0BC-61E3AAB85918}"/>
+              </a:ext>
+            </a:extLst>
+          </p:cNvPr>
+          <p:cNvSpPr>
+            <a:spLocks noGrp="1"/>
+          </p:cNvSpPr>
+          <p:nvPr>
+            <p:ph type="sldNum" sz="quarter" idx="5"/>
+          </p:nvPr>
+        </p:nvSpPr>
+        <p:spPr/>
+        <p:txBody>
+          <a:bodyPr/>
+          <a:lstStyle/>
+          <a:p>
+            <a:fld id="{9901CBA2-7C9E-4AD6-B258-A0DB055BB3AF}" type="slidenum">
+              <a:rPr lang="zh-CN" altLang="en-US" smtClean="0"/>
+              <a:t>40</a:t>
+            </a:fld>
+            <a:endParaRPr lang="zh-CN" altLang="en-US"/>
+          </a:p>
+        </p:txBody>
+      </p:sp>
+    </p:spTree>
+    <p:extLst>
+      <p:ext uri="{BB962C8B-B14F-4D97-AF65-F5344CB8AC3E}">
+        <p14:creationId xmlns:p14="http://schemas.microsoft.com/office/powerpoint/2010/main" val="3519003301"/>
+      </p:ext>
+    </p:extLst>
+  </p:cSld>
+  <p:clrMapOvr>
+    <a:masterClrMapping/>
+  </p:clrMapOvr>
+</p:notes>
+</file>
+
+<file path=ppt/notesSlides/notesSlide39.xml><?xml version="1.0" encoding="utf-8"?>
 <p:notes xmlns:a="http://schemas.openxmlformats.org/drawingml/2006/main" xmlns:r="http://schemas.openxmlformats.org/officeDocument/2006/relationships" xmlns:p="http://schemas.openxmlformats.org/presentationml/2006/main">
   <p:cSld>
     <p:spTree>
@@ -7386,18 +7705,7 @@
           <a:lstStyle/>
           <a:p>
             <a:pPr algn="l"/>
-            <a:r>
-              <a:rPr lang="zh-CN" altLang="en-US" dirty="0"/>
-              <a:t>文件可参见 </a:t>
-            </a:r>
-            <a:r>
-              <a:rPr lang="en-US" altLang="zh-CN" dirty="0"/>
-              <a:t>Code/chapter12/ship.bmp</a:t>
-            </a:r>
-            <a:r>
-              <a:rPr lang="zh-CN" altLang="en-US" dirty="0"/>
-              <a:t>，子文件夹中亦会包含，以确保每一个子文件中包含的是一个完整的项目。</a:t>
-            </a:r>
+            <a:endParaRPr lang="zh-CN" altLang="en-US" dirty="0"/>
           </a:p>
         </p:txBody>
       </p:sp>
@@ -7424,7 +7732,7 @@
           <a:p>
             <a:fld id="{9901CBA2-7C9E-4AD6-B258-A0DB055BB3AF}" type="slidenum">
               <a:rPr lang="zh-CN" altLang="en-US" smtClean="0"/>
-              <a:t>39</a:t>
+              <a:t>41</a:t>
             </a:fld>
             <a:endParaRPr lang="zh-CN" altLang="en-US"/>
           </a:p>
@@ -7443,7 +7751,352 @@
 </p:notes>
 </file>
 
-<file path=ppt/notesSlides/notesSlide37.xml><?xml version="1.0" encoding="utf-8"?>
+<file path=ppt/notesSlides/notesSlide4.xml><?xml version="1.0" encoding="utf-8"?>
+<p:notes xmlns:a="http://schemas.openxmlformats.org/drawingml/2006/main" xmlns:r="http://schemas.openxmlformats.org/officeDocument/2006/relationships" xmlns:p="http://schemas.openxmlformats.org/presentationml/2006/main">
+  <p:cSld>
+    <p:spTree>
+      <p:nvGrpSpPr>
+        <p:cNvPr id="1" name="">
+          <a:extLst>
+            <a:ext uri="{FF2B5EF4-FFF2-40B4-BE49-F238E27FC236}">
+              <a16:creationId xmlns:a16="http://schemas.microsoft.com/office/drawing/2014/main" id="{396E52BF-65DE-4A8D-43E3-60F262F3D995}"/>
+            </a:ext>
+          </a:extLst>
+        </p:cNvPr>
+        <p:cNvGrpSpPr/>
+        <p:nvPr/>
+      </p:nvGrpSpPr>
+      <p:grpSpPr>
+        <a:xfrm>
+          <a:off x="0" y="0"/>
+          <a:ext cx="0" cy="0"/>
+          <a:chOff x="0" y="0"/>
+          <a:chExt cx="0" cy="0"/>
+        </a:xfrm>
+      </p:grpSpPr>
+      <p:sp>
+        <p:nvSpPr>
+          <p:cNvPr id="2" name="幻灯片图像占位符 1">
+            <a:extLst>
+              <a:ext uri="{FF2B5EF4-FFF2-40B4-BE49-F238E27FC236}">
+                <a16:creationId xmlns:a16="http://schemas.microsoft.com/office/drawing/2014/main" id="{DBF2D4D1-EF47-041D-02A2-9F43E8B7BF86}"/>
+              </a:ext>
+            </a:extLst>
+          </p:cNvPr>
+          <p:cNvSpPr>
+            <a:spLocks noGrp="1" noRot="1" noChangeAspect="1"/>
+          </p:cNvSpPr>
+          <p:nvPr>
+            <p:ph type="sldImg"/>
+          </p:nvPr>
+        </p:nvSpPr>
+        <p:spPr/>
+      </p:sp>
+      <p:sp>
+        <p:nvSpPr>
+          <p:cNvPr id="3" name="备注占位符 2">
+            <a:extLst>
+              <a:ext uri="{FF2B5EF4-FFF2-40B4-BE49-F238E27FC236}">
+                <a16:creationId xmlns:a16="http://schemas.microsoft.com/office/drawing/2014/main" id="{F0E25D96-A006-1941-38DF-F60FF748A3C6}"/>
+              </a:ext>
+            </a:extLst>
+          </p:cNvPr>
+          <p:cNvSpPr>
+            <a:spLocks noGrp="1"/>
+          </p:cNvSpPr>
+          <p:nvPr>
+            <p:ph type="body" idx="1"/>
+          </p:nvPr>
+        </p:nvSpPr>
+        <p:spPr/>
+        <p:txBody>
+          <a:bodyPr/>
+          <a:lstStyle/>
+          <a:p>
+            <a:pPr algn="l"/>
+            <a:endParaRPr lang="zh-CN" altLang="en-US" dirty="0"/>
+          </a:p>
+        </p:txBody>
+      </p:sp>
+      <p:sp>
+        <p:nvSpPr>
+          <p:cNvPr id="4" name="灯片编号占位符 3">
+            <a:extLst>
+              <a:ext uri="{FF2B5EF4-FFF2-40B4-BE49-F238E27FC236}">
+                <a16:creationId xmlns:a16="http://schemas.microsoft.com/office/drawing/2014/main" id="{E2C64302-D5D8-0F92-638A-374F403126F0}"/>
+              </a:ext>
+            </a:extLst>
+          </p:cNvPr>
+          <p:cNvSpPr>
+            <a:spLocks noGrp="1"/>
+          </p:cNvSpPr>
+          <p:nvPr>
+            <p:ph type="sldNum" sz="quarter" idx="5"/>
+          </p:nvPr>
+        </p:nvSpPr>
+        <p:spPr/>
+        <p:txBody>
+          <a:bodyPr/>
+          <a:lstStyle/>
+          <a:p>
+            <a:fld id="{9901CBA2-7C9E-4AD6-B258-A0DB055BB3AF}" type="slidenum">
+              <a:rPr lang="zh-CN" altLang="en-US" smtClean="0"/>
+              <a:t>6</a:t>
+            </a:fld>
+            <a:endParaRPr lang="zh-CN" altLang="en-US"/>
+          </a:p>
+        </p:txBody>
+      </p:sp>
+    </p:spTree>
+    <p:extLst>
+      <p:ext uri="{BB962C8B-B14F-4D97-AF65-F5344CB8AC3E}">
+        <p14:creationId xmlns:p14="http://schemas.microsoft.com/office/powerpoint/2010/main" val="3194338905"/>
+      </p:ext>
+    </p:extLst>
+  </p:cSld>
+  <p:clrMapOvr>
+    <a:masterClrMapping/>
+  </p:clrMapOvr>
+</p:notes>
+</file>
+
+<file path=ppt/notesSlides/notesSlide40.xml><?xml version="1.0" encoding="utf-8"?>
+<p:notes xmlns:a="http://schemas.openxmlformats.org/drawingml/2006/main" xmlns:r="http://schemas.openxmlformats.org/officeDocument/2006/relationships" xmlns:p="http://schemas.openxmlformats.org/presentationml/2006/main">
+  <p:cSld>
+    <p:spTree>
+      <p:nvGrpSpPr>
+        <p:cNvPr id="1" name="">
+          <a:extLst>
+            <a:ext uri="{FF2B5EF4-FFF2-40B4-BE49-F238E27FC236}">
+              <a16:creationId xmlns:a16="http://schemas.microsoft.com/office/drawing/2014/main" id="{A6D09F7F-B9F3-B4E3-02E9-9C865AB36725}"/>
+            </a:ext>
+          </a:extLst>
+        </p:cNvPr>
+        <p:cNvGrpSpPr/>
+        <p:nvPr/>
+      </p:nvGrpSpPr>
+      <p:grpSpPr>
+        <a:xfrm>
+          <a:off x="0" y="0"/>
+          <a:ext cx="0" cy="0"/>
+          <a:chOff x="0" y="0"/>
+          <a:chExt cx="0" cy="0"/>
+        </a:xfrm>
+      </p:grpSpPr>
+      <p:sp>
+        <p:nvSpPr>
+          <p:cNvPr id="2" name="幻灯片图像占位符 1">
+            <a:extLst>
+              <a:ext uri="{FF2B5EF4-FFF2-40B4-BE49-F238E27FC236}">
+                <a16:creationId xmlns:a16="http://schemas.microsoft.com/office/drawing/2014/main" id="{543601B5-FE50-890B-75BB-C2D0C7C4D48B}"/>
+              </a:ext>
+            </a:extLst>
+          </p:cNvPr>
+          <p:cNvSpPr>
+            <a:spLocks noGrp="1" noRot="1" noChangeAspect="1"/>
+          </p:cNvSpPr>
+          <p:nvPr>
+            <p:ph type="sldImg"/>
+          </p:nvPr>
+        </p:nvSpPr>
+        <p:spPr/>
+      </p:sp>
+      <p:sp>
+        <p:nvSpPr>
+          <p:cNvPr id="3" name="备注占位符 2">
+            <a:extLst>
+              <a:ext uri="{FF2B5EF4-FFF2-40B4-BE49-F238E27FC236}">
+                <a16:creationId xmlns:a16="http://schemas.microsoft.com/office/drawing/2014/main" id="{8D71D84E-4772-7F89-C0C1-38C10F5EDC68}"/>
+              </a:ext>
+            </a:extLst>
+          </p:cNvPr>
+          <p:cNvSpPr>
+            <a:spLocks noGrp="1"/>
+          </p:cNvSpPr>
+          <p:nvPr>
+            <p:ph type="body" idx="1"/>
+          </p:nvPr>
+        </p:nvSpPr>
+        <p:spPr/>
+        <p:txBody>
+          <a:bodyPr/>
+          <a:lstStyle/>
+          <a:p>
+            <a:r>
+              <a:rPr lang="zh-CN" altLang="en-US" dirty="0"/>
+              <a:t>由于个人有更重要的待办事项，该为爱发电的讲义无法再像之前一样精细制作啦，还请大家谅解！有意细化的大佬可随时提贡献，感谢支持！</a:t>
+            </a:r>
+          </a:p>
+          <a:p>
+            <a:endParaRPr lang="zh-CN" altLang="en-US" dirty="0"/>
+          </a:p>
+        </p:txBody>
+      </p:sp>
+      <p:sp>
+        <p:nvSpPr>
+          <p:cNvPr id="4" name="灯片编号占位符 3">
+            <a:extLst>
+              <a:ext uri="{FF2B5EF4-FFF2-40B4-BE49-F238E27FC236}">
+                <a16:creationId xmlns:a16="http://schemas.microsoft.com/office/drawing/2014/main" id="{F9B54688-9210-BBE8-CEA0-63DD12F1691D}"/>
+              </a:ext>
+            </a:extLst>
+          </p:cNvPr>
+          <p:cNvSpPr>
+            <a:spLocks noGrp="1"/>
+          </p:cNvSpPr>
+          <p:nvPr>
+            <p:ph type="sldNum" sz="quarter" idx="5"/>
+          </p:nvPr>
+        </p:nvSpPr>
+        <p:spPr/>
+        <p:txBody>
+          <a:bodyPr/>
+          <a:lstStyle/>
+          <a:p>
+            <a:fld id="{9901CBA2-7C9E-4AD6-B258-A0DB055BB3AF}" type="slidenum">
+              <a:rPr lang="zh-CN" altLang="en-US" smtClean="0"/>
+              <a:t>42</a:t>
+            </a:fld>
+            <a:endParaRPr lang="zh-CN" altLang="en-US"/>
+          </a:p>
+        </p:txBody>
+      </p:sp>
+    </p:spTree>
+    <p:extLst>
+      <p:ext uri="{BB962C8B-B14F-4D97-AF65-F5344CB8AC3E}">
+        <p14:creationId xmlns:p14="http://schemas.microsoft.com/office/powerpoint/2010/main" val="421564940"/>
+      </p:ext>
+    </p:extLst>
+  </p:cSld>
+  <p:clrMapOvr>
+    <a:masterClrMapping/>
+  </p:clrMapOvr>
+</p:notes>
+</file>
+
+<file path=ppt/notesSlides/notesSlide41.xml><?xml version="1.0" encoding="utf-8"?>
+<p:notes xmlns:a="http://schemas.openxmlformats.org/drawingml/2006/main" xmlns:r="http://schemas.openxmlformats.org/officeDocument/2006/relationships" xmlns:p="http://schemas.openxmlformats.org/presentationml/2006/main">
+  <p:cSld>
+    <p:spTree>
+      <p:nvGrpSpPr>
+        <p:cNvPr id="1" name="">
+          <a:extLst>
+            <a:ext uri="{FF2B5EF4-FFF2-40B4-BE49-F238E27FC236}">
+              <a16:creationId xmlns:a16="http://schemas.microsoft.com/office/drawing/2014/main" id="{06031661-62C1-54D1-B303-050E21B2A8BC}"/>
+            </a:ext>
+          </a:extLst>
+        </p:cNvPr>
+        <p:cNvGrpSpPr/>
+        <p:nvPr/>
+      </p:nvGrpSpPr>
+      <p:grpSpPr>
+        <a:xfrm>
+          <a:off x="0" y="0"/>
+          <a:ext cx="0" cy="0"/>
+          <a:chOff x="0" y="0"/>
+          <a:chExt cx="0" cy="0"/>
+        </a:xfrm>
+      </p:grpSpPr>
+      <p:sp>
+        <p:nvSpPr>
+          <p:cNvPr id="2" name="幻灯片图像占位符 1">
+            <a:extLst>
+              <a:ext uri="{FF2B5EF4-FFF2-40B4-BE49-F238E27FC236}">
+                <a16:creationId xmlns:a16="http://schemas.microsoft.com/office/drawing/2014/main" id="{5796928F-ACFA-6B46-7B34-06E3016AD380}"/>
+              </a:ext>
+            </a:extLst>
+          </p:cNvPr>
+          <p:cNvSpPr>
+            <a:spLocks noGrp="1" noRot="1" noChangeAspect="1"/>
+          </p:cNvSpPr>
+          <p:nvPr>
+            <p:ph type="sldImg"/>
+          </p:nvPr>
+        </p:nvSpPr>
+        <p:spPr/>
+      </p:sp>
+      <p:sp>
+        <p:nvSpPr>
+          <p:cNvPr id="3" name="备注占位符 2">
+            <a:extLst>
+              <a:ext uri="{FF2B5EF4-FFF2-40B4-BE49-F238E27FC236}">
+                <a16:creationId xmlns:a16="http://schemas.microsoft.com/office/drawing/2014/main" id="{95CB444C-C00B-BABE-AF02-BDEC9D82421C}"/>
+              </a:ext>
+            </a:extLst>
+          </p:cNvPr>
+          <p:cNvSpPr>
+            <a:spLocks noGrp="1"/>
+          </p:cNvSpPr>
+          <p:nvPr>
+            <p:ph type="body" idx="1"/>
+          </p:nvPr>
+        </p:nvSpPr>
+        <p:spPr/>
+        <p:txBody>
+          <a:bodyPr/>
+          <a:lstStyle/>
+          <a:p>
+            <a:r>
+              <a:rPr lang="zh-CN" altLang="en-US" dirty="0"/>
+              <a:t>由于个人有更重要的待办事项，该为爱发电的讲义无法再像之前一样精细制作啦，还请大家谅解！有意细化的大佬可随时提贡献，感谢支持！</a:t>
+            </a:r>
+          </a:p>
+          <a:p>
+            <a:endParaRPr lang="zh-CN" altLang="en-US" dirty="0"/>
+          </a:p>
+          <a:p>
+            <a:pPr algn="l"/>
+            <a:endParaRPr lang="zh-CN" altLang="en-US" dirty="0"/>
+          </a:p>
+          <a:p>
+            <a:pPr algn="l"/>
+            <a:endParaRPr lang="zh-CN" altLang="en-US" dirty="0"/>
+          </a:p>
+        </p:txBody>
+      </p:sp>
+      <p:sp>
+        <p:nvSpPr>
+          <p:cNvPr id="4" name="灯片编号占位符 3">
+            <a:extLst>
+              <a:ext uri="{FF2B5EF4-FFF2-40B4-BE49-F238E27FC236}">
+                <a16:creationId xmlns:a16="http://schemas.microsoft.com/office/drawing/2014/main" id="{B20CEF50-2E3A-0458-F2DD-8F0C45058CDA}"/>
+              </a:ext>
+            </a:extLst>
+          </p:cNvPr>
+          <p:cNvSpPr>
+            <a:spLocks noGrp="1"/>
+          </p:cNvSpPr>
+          <p:nvPr>
+            <p:ph type="sldNum" sz="quarter" idx="5"/>
+          </p:nvPr>
+        </p:nvSpPr>
+        <p:spPr/>
+        <p:txBody>
+          <a:bodyPr/>
+          <a:lstStyle/>
+          <a:p>
+            <a:fld id="{9901CBA2-7C9E-4AD6-B258-A0DB055BB3AF}" type="slidenum">
+              <a:rPr lang="zh-CN" altLang="en-US" smtClean="0"/>
+              <a:t>43</a:t>
+            </a:fld>
+            <a:endParaRPr lang="zh-CN" altLang="en-US"/>
+          </a:p>
+        </p:txBody>
+      </p:sp>
+    </p:spTree>
+    <p:extLst>
+      <p:ext uri="{BB962C8B-B14F-4D97-AF65-F5344CB8AC3E}">
+        <p14:creationId xmlns:p14="http://schemas.microsoft.com/office/powerpoint/2010/main" val="3803690414"/>
+      </p:ext>
+    </p:extLst>
+  </p:cSld>
+  <p:clrMapOvr>
+    <a:masterClrMapping/>
+  </p:clrMapOvr>
+</p:notes>
+</file>
+
+<file path=ppt/notesSlides/notesSlide42.xml><?xml version="1.0" encoding="utf-8"?>
 <p:notes xmlns:a="http://schemas.openxmlformats.org/drawingml/2006/main" xmlns:r="http://schemas.openxmlformats.org/officeDocument/2006/relationships" xmlns:p="http://schemas.openxmlformats.org/presentationml/2006/main">
   <p:cSld>
     <p:spTree>
@@ -7506,18 +8159,7 @@
           <a:lstStyle/>
           <a:p>
             <a:pPr algn="l"/>
-            <a:r>
-              <a:rPr lang="zh-CN" altLang="en-US" dirty="0"/>
-              <a:t>文件可参见 </a:t>
-            </a:r>
-            <a:r>
-              <a:rPr lang="en-US" altLang="zh-CN" dirty="0"/>
-              <a:t>Code/chapter12/ship.bmp</a:t>
-            </a:r>
-            <a:r>
-              <a:rPr lang="zh-CN" altLang="en-US" dirty="0"/>
-              <a:t>，子文件夹中亦会包含，以确保每一个子文件中包含的是一个完整的项目。</a:t>
-            </a:r>
+            <a:endParaRPr lang="zh-CN" altLang="en-US" dirty="0"/>
           </a:p>
         </p:txBody>
       </p:sp>
@@ -7544,7 +8186,7 @@
           <a:p>
             <a:fld id="{9901CBA2-7C9E-4AD6-B258-A0DB055BB3AF}" type="slidenum">
               <a:rPr lang="zh-CN" altLang="en-US" smtClean="0"/>
-              <a:t>40</a:t>
+              <a:t>44</a:t>
             </a:fld>
             <a:endParaRPr lang="zh-CN" altLang="en-US"/>
           </a:p>
@@ -7563,7 +8205,7 @@
 </p:notes>
 </file>
 
-<file path=ppt/notesSlides/notesSlide38.xml><?xml version="1.0" encoding="utf-8"?>
+<file path=ppt/notesSlides/notesSlide43.xml><?xml version="1.0" encoding="utf-8"?>
 <p:notes xmlns:a="http://schemas.openxmlformats.org/drawingml/2006/main" xmlns:r="http://schemas.openxmlformats.org/officeDocument/2006/relationships" xmlns:p="http://schemas.openxmlformats.org/presentationml/2006/main">
   <p:cSld>
     <p:spTree>
@@ -7626,18 +8268,7 @@
           <a:lstStyle/>
           <a:p>
             <a:pPr algn="l"/>
-            <a:r>
-              <a:rPr lang="zh-CN" altLang="en-US" dirty="0"/>
-              <a:t>文件可参见 </a:t>
-            </a:r>
-            <a:r>
-              <a:rPr lang="en-US" altLang="zh-CN" dirty="0"/>
-              <a:t>Code/chapter12/ship.bmp</a:t>
-            </a:r>
-            <a:r>
-              <a:rPr lang="zh-CN" altLang="en-US" dirty="0"/>
-              <a:t>，子文件夹中亦会包含，以确保每一个子文件中包含的是一个完整的项目。</a:t>
-            </a:r>
+            <a:endParaRPr lang="zh-CN" altLang="en-US" dirty="0"/>
           </a:p>
         </p:txBody>
       </p:sp>
@@ -7664,7 +8295,7 @@
           <a:p>
             <a:fld id="{9901CBA2-7C9E-4AD6-B258-A0DB055BB3AF}" type="slidenum">
               <a:rPr lang="zh-CN" altLang="en-US" smtClean="0"/>
-              <a:t>41</a:t>
+              <a:t>45</a:t>
             </a:fld>
             <a:endParaRPr lang="zh-CN" altLang="en-US"/>
           </a:p>
@@ -7683,7 +8314,225 @@
 </p:notes>
 </file>
 
-<file path=ppt/notesSlides/notesSlide39.xml><?xml version="1.0" encoding="utf-8"?>
+<file path=ppt/notesSlides/notesSlide44.xml><?xml version="1.0" encoding="utf-8"?>
+<p:notes xmlns:a="http://schemas.openxmlformats.org/drawingml/2006/main" xmlns:r="http://schemas.openxmlformats.org/officeDocument/2006/relationships" xmlns:p="http://schemas.openxmlformats.org/presentationml/2006/main">
+  <p:cSld>
+    <p:spTree>
+      <p:nvGrpSpPr>
+        <p:cNvPr id="1" name="">
+          <a:extLst>
+            <a:ext uri="{FF2B5EF4-FFF2-40B4-BE49-F238E27FC236}">
+              <a16:creationId xmlns:a16="http://schemas.microsoft.com/office/drawing/2014/main" id="{38497888-8D82-CB84-7810-E4CD4E31A0F5}"/>
+            </a:ext>
+          </a:extLst>
+        </p:cNvPr>
+        <p:cNvGrpSpPr/>
+        <p:nvPr/>
+      </p:nvGrpSpPr>
+      <p:grpSpPr>
+        <a:xfrm>
+          <a:off x="0" y="0"/>
+          <a:ext cx="0" cy="0"/>
+          <a:chOff x="0" y="0"/>
+          <a:chExt cx="0" cy="0"/>
+        </a:xfrm>
+      </p:grpSpPr>
+      <p:sp>
+        <p:nvSpPr>
+          <p:cNvPr id="2" name="幻灯片图像占位符 1">
+            <a:extLst>
+              <a:ext uri="{FF2B5EF4-FFF2-40B4-BE49-F238E27FC236}">
+                <a16:creationId xmlns:a16="http://schemas.microsoft.com/office/drawing/2014/main" id="{19FD7853-BD97-32FF-DBEA-010A64C089F1}"/>
+              </a:ext>
+            </a:extLst>
+          </p:cNvPr>
+          <p:cNvSpPr>
+            <a:spLocks noGrp="1" noRot="1" noChangeAspect="1"/>
+          </p:cNvSpPr>
+          <p:nvPr>
+            <p:ph type="sldImg"/>
+          </p:nvPr>
+        </p:nvSpPr>
+        <p:spPr/>
+      </p:sp>
+      <p:sp>
+        <p:nvSpPr>
+          <p:cNvPr id="3" name="备注占位符 2">
+            <a:extLst>
+              <a:ext uri="{FF2B5EF4-FFF2-40B4-BE49-F238E27FC236}">
+                <a16:creationId xmlns:a16="http://schemas.microsoft.com/office/drawing/2014/main" id="{FAC6B999-6EF5-6E4D-B6A9-D2CFF20C8285}"/>
+              </a:ext>
+            </a:extLst>
+          </p:cNvPr>
+          <p:cNvSpPr>
+            <a:spLocks noGrp="1"/>
+          </p:cNvSpPr>
+          <p:nvPr>
+            <p:ph type="body" idx="1"/>
+          </p:nvPr>
+        </p:nvSpPr>
+        <p:spPr/>
+        <p:txBody>
+          <a:bodyPr/>
+          <a:lstStyle/>
+          <a:p>
+            <a:pPr algn="l"/>
+            <a:endParaRPr lang="zh-CN" altLang="en-US" dirty="0"/>
+          </a:p>
+        </p:txBody>
+      </p:sp>
+      <p:sp>
+        <p:nvSpPr>
+          <p:cNvPr id="4" name="灯片编号占位符 3">
+            <a:extLst>
+              <a:ext uri="{FF2B5EF4-FFF2-40B4-BE49-F238E27FC236}">
+                <a16:creationId xmlns:a16="http://schemas.microsoft.com/office/drawing/2014/main" id="{D519EAB0-E3A1-3DE0-3153-A14578A55B64}"/>
+              </a:ext>
+            </a:extLst>
+          </p:cNvPr>
+          <p:cNvSpPr>
+            <a:spLocks noGrp="1"/>
+          </p:cNvSpPr>
+          <p:nvPr>
+            <p:ph type="sldNum" sz="quarter" idx="5"/>
+          </p:nvPr>
+        </p:nvSpPr>
+        <p:spPr/>
+        <p:txBody>
+          <a:bodyPr/>
+          <a:lstStyle/>
+          <a:p>
+            <a:fld id="{9901CBA2-7C9E-4AD6-B258-A0DB055BB3AF}" type="slidenum">
+              <a:rPr lang="zh-CN" altLang="en-US" smtClean="0"/>
+              <a:t>46</a:t>
+            </a:fld>
+            <a:endParaRPr lang="zh-CN" altLang="en-US"/>
+          </a:p>
+        </p:txBody>
+      </p:sp>
+    </p:spTree>
+    <p:extLst>
+      <p:ext uri="{BB962C8B-B14F-4D97-AF65-F5344CB8AC3E}">
+        <p14:creationId xmlns:p14="http://schemas.microsoft.com/office/powerpoint/2010/main" val="1630488519"/>
+      </p:ext>
+    </p:extLst>
+  </p:cSld>
+  <p:clrMapOvr>
+    <a:masterClrMapping/>
+  </p:clrMapOvr>
+</p:notes>
+</file>
+
+<file path=ppt/notesSlides/notesSlide45.xml><?xml version="1.0" encoding="utf-8"?>
+<p:notes xmlns:a="http://schemas.openxmlformats.org/drawingml/2006/main" xmlns:r="http://schemas.openxmlformats.org/officeDocument/2006/relationships" xmlns:p="http://schemas.openxmlformats.org/presentationml/2006/main">
+  <p:cSld>
+    <p:spTree>
+      <p:nvGrpSpPr>
+        <p:cNvPr id="1" name="">
+          <a:extLst>
+            <a:ext uri="{FF2B5EF4-FFF2-40B4-BE49-F238E27FC236}">
+              <a16:creationId xmlns:a16="http://schemas.microsoft.com/office/drawing/2014/main" id="{E038DA0C-C6B1-B475-62FD-DBA7D0472FE9}"/>
+            </a:ext>
+          </a:extLst>
+        </p:cNvPr>
+        <p:cNvGrpSpPr/>
+        <p:nvPr/>
+      </p:nvGrpSpPr>
+      <p:grpSpPr>
+        <a:xfrm>
+          <a:off x="0" y="0"/>
+          <a:ext cx="0" cy="0"/>
+          <a:chOff x="0" y="0"/>
+          <a:chExt cx="0" cy="0"/>
+        </a:xfrm>
+      </p:grpSpPr>
+      <p:sp>
+        <p:nvSpPr>
+          <p:cNvPr id="2" name="幻灯片图像占位符 1">
+            <a:extLst>
+              <a:ext uri="{FF2B5EF4-FFF2-40B4-BE49-F238E27FC236}">
+                <a16:creationId xmlns:a16="http://schemas.microsoft.com/office/drawing/2014/main" id="{0EB4E17C-D8AF-2B03-F44F-79974D4A48AF}"/>
+              </a:ext>
+            </a:extLst>
+          </p:cNvPr>
+          <p:cNvSpPr>
+            <a:spLocks noGrp="1" noRot="1" noChangeAspect="1"/>
+          </p:cNvSpPr>
+          <p:nvPr>
+            <p:ph type="sldImg"/>
+          </p:nvPr>
+        </p:nvSpPr>
+        <p:spPr/>
+      </p:sp>
+      <p:sp>
+        <p:nvSpPr>
+          <p:cNvPr id="3" name="备注占位符 2">
+            <a:extLst>
+              <a:ext uri="{FF2B5EF4-FFF2-40B4-BE49-F238E27FC236}">
+                <a16:creationId xmlns:a16="http://schemas.microsoft.com/office/drawing/2014/main" id="{E0452CC3-5028-24F1-18F8-46F855332E8D}"/>
+              </a:ext>
+            </a:extLst>
+          </p:cNvPr>
+          <p:cNvSpPr>
+            <a:spLocks noGrp="1"/>
+          </p:cNvSpPr>
+          <p:nvPr>
+            <p:ph type="body" idx="1"/>
+          </p:nvPr>
+        </p:nvSpPr>
+        <p:spPr/>
+        <p:txBody>
+          <a:bodyPr/>
+          <a:lstStyle/>
+          <a:p>
+            <a:pPr algn="l"/>
+            <a:endParaRPr lang="zh-CN" altLang="en-US" dirty="0"/>
+          </a:p>
+        </p:txBody>
+      </p:sp>
+      <p:sp>
+        <p:nvSpPr>
+          <p:cNvPr id="4" name="灯片编号占位符 3">
+            <a:extLst>
+              <a:ext uri="{FF2B5EF4-FFF2-40B4-BE49-F238E27FC236}">
+                <a16:creationId xmlns:a16="http://schemas.microsoft.com/office/drawing/2014/main" id="{C124CBBB-37DE-990F-8ED3-EB019B95E40D}"/>
+              </a:ext>
+            </a:extLst>
+          </p:cNvPr>
+          <p:cNvSpPr>
+            <a:spLocks noGrp="1"/>
+          </p:cNvSpPr>
+          <p:nvPr>
+            <p:ph type="sldNum" sz="quarter" idx="5"/>
+          </p:nvPr>
+        </p:nvSpPr>
+        <p:spPr/>
+        <p:txBody>
+          <a:bodyPr/>
+          <a:lstStyle/>
+          <a:p>
+            <a:fld id="{9901CBA2-7C9E-4AD6-B258-A0DB055BB3AF}" type="slidenum">
+              <a:rPr lang="zh-CN" altLang="en-US" smtClean="0"/>
+              <a:t>47</a:t>
+            </a:fld>
+            <a:endParaRPr lang="zh-CN" altLang="en-US"/>
+          </a:p>
+        </p:txBody>
+      </p:sp>
+    </p:spTree>
+    <p:extLst>
+      <p:ext uri="{BB962C8B-B14F-4D97-AF65-F5344CB8AC3E}">
+        <p14:creationId xmlns:p14="http://schemas.microsoft.com/office/powerpoint/2010/main" val="922669453"/>
+      </p:ext>
+    </p:extLst>
+  </p:cSld>
+  <p:clrMapOvr>
+    <a:masterClrMapping/>
+  </p:clrMapOvr>
+</p:notes>
+</file>
+
+<file path=ppt/notesSlides/notesSlide46.xml><?xml version="1.0" encoding="utf-8"?>
 <p:notes xmlns:a="http://schemas.openxmlformats.org/drawingml/2006/main" xmlns:r="http://schemas.openxmlformats.org/officeDocument/2006/relationships" xmlns:p="http://schemas.openxmlformats.org/presentationml/2006/main">
   <p:cSld>
     <p:spTree>
@@ -7748,7 +8597,7 @@
           <a:p>
             <a:fld id="{9901CBA2-7C9E-4AD6-B258-A0DB055BB3AF}" type="slidenum">
               <a:rPr lang="zh-CN" altLang="en-US" smtClean="0"/>
-              <a:t>43</a:t>
+              <a:t>49</a:t>
             </a:fld>
             <a:endParaRPr lang="zh-CN" altLang="en-US"/>
           </a:p>
@@ -7767,7 +8616,7 @@
 </p:notes>
 </file>
 
-<file path=ppt/notesSlides/notesSlide4.xml><?xml version="1.0" encoding="utf-8"?>
+<file path=ppt/notesSlides/notesSlide5.xml><?xml version="1.0" encoding="utf-8"?>
 <p:notes xmlns:a="http://schemas.openxmlformats.org/drawingml/2006/main" xmlns:r="http://schemas.openxmlformats.org/officeDocument/2006/relationships" xmlns:p="http://schemas.openxmlformats.org/presentationml/2006/main">
   <p:cSld>
     <p:spTree>
@@ -7879,7 +8728,7 @@
 </p:notes>
 </file>
 
-<file path=ppt/notesSlides/notesSlide5.xml><?xml version="1.0" encoding="utf-8"?>
+<file path=ppt/notesSlides/notesSlide6.xml><?xml version="1.0" encoding="utf-8"?>
 <p:notes xmlns:a="http://schemas.openxmlformats.org/drawingml/2006/main" xmlns:r="http://schemas.openxmlformats.org/officeDocument/2006/relationships" xmlns:p="http://schemas.openxmlformats.org/presentationml/2006/main">
   <p:cSld>
     <p:spTree>
@@ -7988,7 +8837,7 @@
 </p:notes>
 </file>
 
-<file path=ppt/notesSlides/notesSlide6.xml><?xml version="1.0" encoding="utf-8"?>
+<file path=ppt/notesSlides/notesSlide7.xml><?xml version="1.0" encoding="utf-8"?>
 <p:notes xmlns:a="http://schemas.openxmlformats.org/drawingml/2006/main" xmlns:r="http://schemas.openxmlformats.org/officeDocument/2006/relationships" xmlns:p="http://schemas.openxmlformats.org/presentationml/2006/main">
   <p:cSld>
     <p:spTree>
@@ -8097,7 +8946,7 @@
 </p:notes>
 </file>
 
-<file path=ppt/notesSlides/notesSlide7.xml><?xml version="1.0" encoding="utf-8"?>
+<file path=ppt/notesSlides/notesSlide8.xml><?xml version="1.0" encoding="utf-8"?>
 <p:notes xmlns:a="http://schemas.openxmlformats.org/drawingml/2006/main" xmlns:r="http://schemas.openxmlformats.org/officeDocument/2006/relationships" xmlns:p="http://schemas.openxmlformats.org/presentationml/2006/main">
   <p:cSld>
     <p:spTree>
@@ -8241,7 +9090,7 @@
 </p:notes>
 </file>
 
-<file path=ppt/notesSlides/notesSlide8.xml><?xml version="1.0" encoding="utf-8"?>
+<file path=ppt/notesSlides/notesSlide9.xml><?xml version="1.0" encoding="utf-8"?>
 <p:notes xmlns:a="http://schemas.openxmlformats.org/drawingml/2006/main" xmlns:r="http://schemas.openxmlformats.org/officeDocument/2006/relationships" xmlns:p="http://schemas.openxmlformats.org/presentationml/2006/main">
   <p:cSld>
     <p:spTree>
@@ -8376,115 +9225,6 @@
     <p:extLst>
       <p:ext uri="{BB962C8B-B14F-4D97-AF65-F5344CB8AC3E}">
         <p14:creationId xmlns:p14="http://schemas.microsoft.com/office/powerpoint/2010/main" val="2393405062"/>
-      </p:ext>
-    </p:extLst>
-  </p:cSld>
-  <p:clrMapOvr>
-    <a:masterClrMapping/>
-  </p:clrMapOvr>
-</p:notes>
-</file>
-
-<file path=ppt/notesSlides/notesSlide9.xml><?xml version="1.0" encoding="utf-8"?>
-<p:notes xmlns:a="http://schemas.openxmlformats.org/drawingml/2006/main" xmlns:r="http://schemas.openxmlformats.org/officeDocument/2006/relationships" xmlns:p="http://schemas.openxmlformats.org/presentationml/2006/main">
-  <p:cSld>
-    <p:spTree>
-      <p:nvGrpSpPr>
-        <p:cNvPr id="1" name="">
-          <a:extLst>
-            <a:ext uri="{FF2B5EF4-FFF2-40B4-BE49-F238E27FC236}">
-              <a16:creationId xmlns:a16="http://schemas.microsoft.com/office/drawing/2014/main" id="{37D997F1-A7AE-09C8-4E00-2FBE987EFF0B}"/>
-            </a:ext>
-          </a:extLst>
-        </p:cNvPr>
-        <p:cNvGrpSpPr/>
-        <p:nvPr/>
-      </p:nvGrpSpPr>
-      <p:grpSpPr>
-        <a:xfrm>
-          <a:off x="0" y="0"/>
-          <a:ext cx="0" cy="0"/>
-          <a:chOff x="0" y="0"/>
-          <a:chExt cx="0" cy="0"/>
-        </a:xfrm>
-      </p:grpSpPr>
-      <p:sp>
-        <p:nvSpPr>
-          <p:cNvPr id="2" name="幻灯片图像占位符 1">
-            <a:extLst>
-              <a:ext uri="{FF2B5EF4-FFF2-40B4-BE49-F238E27FC236}">
-                <a16:creationId xmlns:a16="http://schemas.microsoft.com/office/drawing/2014/main" id="{61B5A5DF-8823-0BE0-3303-2F260E140F4F}"/>
-              </a:ext>
-            </a:extLst>
-          </p:cNvPr>
-          <p:cNvSpPr>
-            <a:spLocks noGrp="1" noRot="1" noChangeAspect="1"/>
-          </p:cNvSpPr>
-          <p:nvPr>
-            <p:ph type="sldImg"/>
-          </p:nvPr>
-        </p:nvSpPr>
-        <p:spPr/>
-      </p:sp>
-      <p:sp>
-        <p:nvSpPr>
-          <p:cNvPr id="3" name="备注占位符 2">
-            <a:extLst>
-              <a:ext uri="{FF2B5EF4-FFF2-40B4-BE49-F238E27FC236}">
-                <a16:creationId xmlns:a16="http://schemas.microsoft.com/office/drawing/2014/main" id="{151BEB9A-9461-9D48-8B0A-2FC0C1270A38}"/>
-              </a:ext>
-            </a:extLst>
-          </p:cNvPr>
-          <p:cNvSpPr>
-            <a:spLocks noGrp="1"/>
-          </p:cNvSpPr>
-          <p:nvPr>
-            <p:ph type="body" idx="1"/>
-          </p:nvPr>
-        </p:nvSpPr>
-        <p:spPr/>
-        <p:txBody>
-          <a:bodyPr/>
-          <a:lstStyle/>
-          <a:p>
-            <a:pPr algn="l"/>
-            <a:endParaRPr lang="zh-CN" altLang="en-US" dirty="0"/>
-          </a:p>
-        </p:txBody>
-      </p:sp>
-      <p:sp>
-        <p:nvSpPr>
-          <p:cNvPr id="4" name="灯片编号占位符 3">
-            <a:extLst>
-              <a:ext uri="{FF2B5EF4-FFF2-40B4-BE49-F238E27FC236}">
-                <a16:creationId xmlns:a16="http://schemas.microsoft.com/office/drawing/2014/main" id="{D9AC5C96-9C17-D4AD-7D84-06F00A3F4A03}"/>
-              </a:ext>
-            </a:extLst>
-          </p:cNvPr>
-          <p:cNvSpPr>
-            <a:spLocks noGrp="1"/>
-          </p:cNvSpPr>
-          <p:nvPr>
-            <p:ph type="sldNum" sz="quarter" idx="5"/>
-          </p:nvPr>
-        </p:nvSpPr>
-        <p:spPr/>
-        <p:txBody>
-          <a:bodyPr/>
-          <a:lstStyle/>
-          <a:p>
-            <a:fld id="{9901CBA2-7C9E-4AD6-B258-A0DB055BB3AF}" type="slidenum">
-              <a:rPr lang="zh-CN" altLang="en-US" smtClean="0"/>
-              <a:t>12</a:t>
-            </a:fld>
-            <a:endParaRPr lang="zh-CN" altLang="en-US"/>
-          </a:p>
-        </p:txBody>
-      </p:sp>
-    </p:spTree>
-    <p:extLst>
-      <p:ext uri="{BB962C8B-B14F-4D97-AF65-F5344CB8AC3E}">
-        <p14:creationId xmlns:p14="http://schemas.microsoft.com/office/powerpoint/2010/main" val="3994348264"/>
       </p:ext>
     </p:extLst>
   </p:cSld>
@@ -8641,7 +9381,7 @@
           <a:p>
             <a:fld id="{F721228B-0167-4061-A906-8575043315EE}" type="datetimeFigureOut">
               <a:rPr lang="zh-CN" altLang="en-US" smtClean="0"/>
-              <a:t>2025/3/2 Sun</a:t>
+              <a:t>2025/6/5 Thu</a:t>
             </a:fld>
             <a:endParaRPr lang="zh-CN" altLang="en-US"/>
           </a:p>
@@ -8839,7 +9579,7 @@
           <a:p>
             <a:fld id="{F721228B-0167-4061-A906-8575043315EE}" type="datetimeFigureOut">
               <a:rPr lang="zh-CN" altLang="en-US" smtClean="0"/>
-              <a:t>2025/3/2 Sun</a:t>
+              <a:t>2025/6/5 Thu</a:t>
             </a:fld>
             <a:endParaRPr lang="zh-CN" altLang="en-US"/>
           </a:p>
@@ -9047,7 +9787,7 @@
           <a:p>
             <a:fld id="{F721228B-0167-4061-A906-8575043315EE}" type="datetimeFigureOut">
               <a:rPr lang="zh-CN" altLang="en-US" smtClean="0"/>
-              <a:t>2025/3/2 Sun</a:t>
+              <a:t>2025/6/5 Thu</a:t>
             </a:fld>
             <a:endParaRPr lang="zh-CN" altLang="en-US"/>
           </a:p>
@@ -9521,7 +10261,7 @@
           <a:p>
             <a:fld id="{F721228B-0167-4061-A906-8575043315EE}" type="datetimeFigureOut">
               <a:rPr lang="zh-CN" altLang="en-US" smtClean="0"/>
-              <a:t>2025/3/2 Sun</a:t>
+              <a:t>2025/6/5 Thu</a:t>
             </a:fld>
             <a:endParaRPr lang="zh-CN" altLang="en-US"/>
           </a:p>
@@ -9845,7 +10585,7 @@
           <a:p>
             <a:fld id="{F721228B-0167-4061-A906-8575043315EE}" type="datetimeFigureOut">
               <a:rPr lang="zh-CN" altLang="en-US" smtClean="0"/>
-              <a:t>2025/3/2 Sun</a:t>
+              <a:t>2025/6/5 Thu</a:t>
             </a:fld>
             <a:endParaRPr lang="zh-CN" altLang="en-US"/>
           </a:p>
@@ -10191,7 +10931,7 @@
           <a:p>
             <a:fld id="{F721228B-0167-4061-A906-8575043315EE}" type="datetimeFigureOut">
               <a:rPr lang="zh-CN" altLang="en-US" smtClean="0"/>
-              <a:t>2025/3/2 Sun</a:t>
+              <a:t>2025/6/5 Thu</a:t>
             </a:fld>
             <a:endParaRPr lang="zh-CN" altLang="en-US"/>
           </a:p>
@@ -10652,7 +11392,7 @@
           <a:p>
             <a:fld id="{F721228B-0167-4061-A906-8575043315EE}" type="datetimeFigureOut">
               <a:rPr lang="zh-CN" altLang="en-US" smtClean="0"/>
-              <a:t>2025/3/2 Sun</a:t>
+              <a:t>2025/6/5 Thu</a:t>
             </a:fld>
             <a:endParaRPr lang="zh-CN" altLang="en-US"/>
           </a:p>
@@ -10793,7 +11533,7 @@
           <a:p>
             <a:fld id="{F721228B-0167-4061-A906-8575043315EE}" type="datetimeFigureOut">
               <a:rPr lang="zh-CN" altLang="en-US" smtClean="0"/>
-              <a:t>2025/3/2 Sun</a:t>
+              <a:t>2025/6/5 Thu</a:t>
             </a:fld>
             <a:endParaRPr lang="zh-CN" altLang="en-US"/>
           </a:p>
@@ -10906,7 +11646,7 @@
           <a:p>
             <a:fld id="{F721228B-0167-4061-A906-8575043315EE}" type="datetimeFigureOut">
               <a:rPr lang="zh-CN" altLang="en-US" smtClean="0"/>
-              <a:t>2025/3/2 Sun</a:t>
+              <a:t>2025/6/5 Thu</a:t>
             </a:fld>
             <a:endParaRPr lang="zh-CN" altLang="en-US"/>
           </a:p>
@@ -11217,7 +11957,7 @@
           <a:p>
             <a:fld id="{F721228B-0167-4061-A906-8575043315EE}" type="datetimeFigureOut">
               <a:rPr lang="zh-CN" altLang="en-US" smtClean="0"/>
-              <a:t>2025/3/2 Sun</a:t>
+              <a:t>2025/6/5 Thu</a:t>
             </a:fld>
             <a:endParaRPr lang="zh-CN" altLang="en-US"/>
           </a:p>
@@ -11505,7 +12245,7 @@
           <a:p>
             <a:fld id="{F721228B-0167-4061-A906-8575043315EE}" type="datetimeFigureOut">
               <a:rPr lang="zh-CN" altLang="en-US" smtClean="0"/>
-              <a:t>2025/3/2 Sun</a:t>
+              <a:t>2025/6/5 Thu</a:t>
             </a:fld>
             <a:endParaRPr lang="zh-CN" altLang="en-US"/>
           </a:p>
@@ -11746,7 +12486,7 @@
           <a:p>
             <a:fld id="{F721228B-0167-4061-A906-8575043315EE}" type="datetimeFigureOut">
               <a:rPr lang="zh-CN" altLang="en-US" smtClean="0"/>
-              <a:t>2025/3/2 Sun</a:t>
+              <a:t>2025/6/5 Thu</a:t>
             </a:fld>
             <a:endParaRPr lang="zh-CN" altLang="en-US"/>
           </a:p>
@@ -13275,13 +14015,13 @@
   <p:clrMapOvr>
     <a:masterClrMapping/>
   </p:clrMapOvr>
-  <mc:AlternateContent xmlns:mc="http://schemas.openxmlformats.org/markup-compatibility/2006">
-    <mc:Choice xmlns:p159="http://schemas.microsoft.com/office/powerpoint/2015/09/main" Requires="p159">
+  <mc:AlternateContent xmlns:mc="http://schemas.openxmlformats.org/markup-compatibility/2006" xmlns:p159="http://schemas.microsoft.com/office/powerpoint/2015/09/main">
+    <mc:Choice Requires="p159">
       <p:transition xmlns:p14="http://schemas.microsoft.com/office/powerpoint/2010/main" spd="med" p14:dur="700">
         <p159:morph option="byObject"/>
       </p:transition>
     </mc:Choice>
-    <mc:Fallback>
+    <mc:Fallback xmlns="">
       <p:transition spd="med">
         <p:fade/>
       </p:transition>
@@ -13462,13 +14202,13 @@
   <p:clrMapOvr>
     <a:masterClrMapping/>
   </p:clrMapOvr>
-  <mc:AlternateContent xmlns:mc="http://schemas.openxmlformats.org/markup-compatibility/2006">
-    <mc:Choice xmlns:p14="http://schemas.microsoft.com/office/powerpoint/2010/main" Requires="p14">
+  <mc:AlternateContent xmlns:mc="http://schemas.openxmlformats.org/markup-compatibility/2006" xmlns:p14="http://schemas.microsoft.com/office/powerpoint/2010/main">
+    <mc:Choice Requires="p14">
       <p:transition spd="med" p14:dur="700">
         <p:fade/>
       </p:transition>
     </mc:Choice>
-    <mc:Fallback>
+    <mc:Fallback xmlns="">
       <p:transition spd="med">
         <p:fade/>
       </p:transition>
@@ -13649,13 +14389,13 @@
   <p:clrMapOvr>
     <a:masterClrMapping/>
   </p:clrMapOvr>
-  <mc:AlternateContent xmlns:mc="http://schemas.openxmlformats.org/markup-compatibility/2006">
-    <mc:Choice xmlns:p14="http://schemas.microsoft.com/office/powerpoint/2010/main" Requires="p14">
+  <mc:AlternateContent xmlns:mc="http://schemas.openxmlformats.org/markup-compatibility/2006" xmlns:p14="http://schemas.microsoft.com/office/powerpoint/2010/main">
+    <mc:Choice Requires="p14">
       <p:transition spd="med" p14:dur="700">
         <p:fade/>
       </p:transition>
     </mc:Choice>
-    <mc:Fallback>
+    <mc:Fallback xmlns="">
       <p:transition spd="med">
         <p:fade/>
       </p:transition>
@@ -16379,13 +17119,13 @@
   <p:clrMapOvr>
     <a:masterClrMapping/>
   </p:clrMapOvr>
-  <mc:AlternateContent xmlns:mc="http://schemas.openxmlformats.org/markup-compatibility/2006">
-    <mc:Choice xmlns:p159="http://schemas.microsoft.com/office/powerpoint/2015/09/main" Requires="p159">
+  <mc:AlternateContent xmlns:mc="http://schemas.openxmlformats.org/markup-compatibility/2006" xmlns:p159="http://schemas.microsoft.com/office/powerpoint/2015/09/main">
+    <mc:Choice Requires="p159">
       <p:transition xmlns:p14="http://schemas.microsoft.com/office/powerpoint/2010/main" spd="slow" p14:dur="2000">
         <p159:morph option="byWord"/>
       </p:transition>
     </mc:Choice>
-    <mc:Fallback>
+    <mc:Fallback xmlns="">
       <p:transition spd="slow">
         <p:fade/>
       </p:transition>
@@ -17842,13 +18582,13 @@
   <p:clrMapOvr>
     <a:masterClrMapping/>
   </p:clrMapOvr>
-  <mc:AlternateContent xmlns:mc="http://schemas.openxmlformats.org/markup-compatibility/2006">
-    <mc:Choice xmlns:p159="http://schemas.microsoft.com/office/powerpoint/2015/09/main" Requires="p159">
+  <mc:AlternateContent xmlns:mc="http://schemas.openxmlformats.org/markup-compatibility/2006" xmlns:p159="http://schemas.microsoft.com/office/powerpoint/2015/09/main">
+    <mc:Choice Requires="p159">
       <p:transition xmlns:p14="http://schemas.microsoft.com/office/powerpoint/2010/main" spd="slow" p14:dur="2000">
         <p159:morph option="byWord"/>
       </p:transition>
     </mc:Choice>
-    <mc:Fallback>
+    <mc:Fallback xmlns="">
       <p:transition spd="slow">
         <p:fade/>
       </p:transition>
@@ -19393,13 +20133,13 @@
   <p:clrMapOvr>
     <a:masterClrMapping/>
   </p:clrMapOvr>
-  <mc:AlternateContent xmlns:mc="http://schemas.openxmlformats.org/markup-compatibility/2006">
-    <mc:Choice xmlns:p159="http://schemas.microsoft.com/office/powerpoint/2015/09/main" Requires="p159">
+  <mc:AlternateContent xmlns:mc="http://schemas.openxmlformats.org/markup-compatibility/2006" xmlns:p159="http://schemas.microsoft.com/office/powerpoint/2015/09/main">
+    <mc:Choice Requires="p159">
       <p:transition xmlns:p14="http://schemas.microsoft.com/office/powerpoint/2010/main" spd="slow" p14:dur="2000">
         <p159:morph option="byWord"/>
       </p:transition>
     </mc:Choice>
-    <mc:Fallback>
+    <mc:Fallback xmlns="">
       <p:transition spd="slow">
         <p:fade/>
       </p:transition>
@@ -21055,13 +21795,13 @@
   <p:clrMapOvr>
     <a:masterClrMapping/>
   </p:clrMapOvr>
-  <mc:AlternateContent xmlns:mc="http://schemas.openxmlformats.org/markup-compatibility/2006">
-    <mc:Choice xmlns:p159="http://schemas.microsoft.com/office/powerpoint/2015/09/main" Requires="p159">
+  <mc:AlternateContent xmlns:mc="http://schemas.openxmlformats.org/markup-compatibility/2006" xmlns:p159="http://schemas.microsoft.com/office/powerpoint/2015/09/main">
+    <mc:Choice Requires="p159">
       <p:transition xmlns:p14="http://schemas.microsoft.com/office/powerpoint/2010/main" spd="slow" p14:dur="2000">
         <p159:morph option="byWord"/>
       </p:transition>
     </mc:Choice>
-    <mc:Fallback>
+    <mc:Fallback xmlns="">
       <p:transition spd="slow">
         <p:fade/>
       </p:transition>
@@ -22631,13 +23371,13 @@
   <p:clrMapOvr>
     <a:masterClrMapping/>
   </p:clrMapOvr>
-  <mc:AlternateContent xmlns:mc="http://schemas.openxmlformats.org/markup-compatibility/2006">
-    <mc:Choice xmlns:p159="http://schemas.microsoft.com/office/powerpoint/2015/09/main" Requires="p159">
+  <mc:AlternateContent xmlns:mc="http://schemas.openxmlformats.org/markup-compatibility/2006" xmlns:p159="http://schemas.microsoft.com/office/powerpoint/2015/09/main">
+    <mc:Choice Requires="p159">
       <p:transition xmlns:p14="http://schemas.microsoft.com/office/powerpoint/2010/main" spd="slow" p14:dur="2000">
         <p159:morph option="byWord"/>
       </p:transition>
     </mc:Choice>
-    <mc:Fallback>
+    <mc:Fallback xmlns="">
       <p:transition spd="slow">
         <p:fade/>
       </p:transition>
@@ -24148,13 +24888,13 @@
   <p:clrMapOvr>
     <a:masterClrMapping/>
   </p:clrMapOvr>
-  <mc:AlternateContent xmlns:mc="http://schemas.openxmlformats.org/markup-compatibility/2006">
-    <mc:Choice xmlns:p159="http://schemas.microsoft.com/office/powerpoint/2015/09/main" Requires="p159">
+  <mc:AlternateContent xmlns:mc="http://schemas.openxmlformats.org/markup-compatibility/2006" xmlns:p159="http://schemas.microsoft.com/office/powerpoint/2015/09/main">
+    <mc:Choice Requires="p159">
       <p:transition xmlns:p14="http://schemas.microsoft.com/office/powerpoint/2010/main" spd="slow" p14:dur="2000">
         <p159:morph option="byWord"/>
       </p:transition>
     </mc:Choice>
-    <mc:Fallback>
+    <mc:Fallback xmlns="">
       <p:transition spd="slow">
         <p:fade/>
       </p:transition>
@@ -25585,13 +26325,13 @@
   <p:clrMapOvr>
     <a:masterClrMapping/>
   </p:clrMapOvr>
-  <mc:AlternateContent xmlns:mc="http://schemas.openxmlformats.org/markup-compatibility/2006">
-    <mc:Choice xmlns:p159="http://schemas.microsoft.com/office/powerpoint/2015/09/main" Requires="p159">
+  <mc:AlternateContent xmlns:mc="http://schemas.openxmlformats.org/markup-compatibility/2006" xmlns:p159="http://schemas.microsoft.com/office/powerpoint/2015/09/main">
+    <mc:Choice Requires="p159">
       <p:transition xmlns:p14="http://schemas.microsoft.com/office/powerpoint/2010/main" spd="slow" p14:dur="2000">
         <p159:morph option="byWord"/>
       </p:transition>
     </mc:Choice>
-    <mc:Fallback>
+    <mc:Fallback xmlns="">
       <p:transition spd="slow">
         <p:fade/>
       </p:transition>
@@ -26822,13 +27562,13 @@
   <p:clrMapOvr>
     <a:masterClrMapping/>
   </p:clrMapOvr>
-  <mc:AlternateContent xmlns:mc="http://schemas.openxmlformats.org/markup-compatibility/2006">
-    <mc:Choice xmlns:p159="http://schemas.microsoft.com/office/powerpoint/2015/09/main" Requires="p159">
+  <mc:AlternateContent xmlns:mc="http://schemas.openxmlformats.org/markup-compatibility/2006" xmlns:p159="http://schemas.microsoft.com/office/powerpoint/2015/09/main">
+    <mc:Choice Requires="p159">
       <p:transition xmlns:p14="http://schemas.microsoft.com/office/powerpoint/2010/main" spd="slow" p14:dur="2000">
         <p159:morph option="byWord"/>
       </p:transition>
     </mc:Choice>
-    <mc:Fallback>
+    <mc:Fallback xmlns="">
       <p:transition spd="slow">
         <p:fade/>
       </p:transition>
@@ -28125,13 +28865,13 @@
   <p:clrMapOvr>
     <a:masterClrMapping/>
   </p:clrMapOvr>
-  <mc:AlternateContent xmlns:mc="http://schemas.openxmlformats.org/markup-compatibility/2006">
-    <mc:Choice xmlns:p159="http://schemas.microsoft.com/office/powerpoint/2015/09/main" Requires="p159">
+  <mc:AlternateContent xmlns:mc="http://schemas.openxmlformats.org/markup-compatibility/2006" xmlns:p159="http://schemas.microsoft.com/office/powerpoint/2015/09/main">
+    <mc:Choice Requires="p159">
       <p:transition xmlns:p14="http://schemas.microsoft.com/office/powerpoint/2010/main" spd="slow" p14:dur="2000">
         <p159:morph option="byWord"/>
       </p:transition>
     </mc:Choice>
-    <mc:Fallback>
+    <mc:Fallback xmlns="">
       <p:transition spd="slow">
         <p:fade/>
       </p:transition>
@@ -29943,13 +30683,13 @@
   <p:clrMapOvr>
     <a:masterClrMapping/>
   </p:clrMapOvr>
-  <mc:AlternateContent xmlns:mc="http://schemas.openxmlformats.org/markup-compatibility/2006">
-    <mc:Choice xmlns:p14="http://schemas.microsoft.com/office/powerpoint/2010/main" Requires="p14">
+  <mc:AlternateContent xmlns:mc="http://schemas.openxmlformats.org/markup-compatibility/2006" xmlns:p14="http://schemas.microsoft.com/office/powerpoint/2010/main">
+    <mc:Choice Requires="p14">
       <p:transition spd="med" p14:dur="700">
         <p:fade/>
       </p:transition>
     </mc:Choice>
-    <mc:Fallback>
+    <mc:Fallback xmlns="">
       <p:transition spd="med">
         <p:fade/>
       </p:transition>
@@ -31133,13 +31873,13 @@
   <p:clrMapOvr>
     <a:masterClrMapping/>
   </p:clrMapOvr>
-  <mc:AlternateContent xmlns:mc="http://schemas.openxmlformats.org/markup-compatibility/2006">
-    <mc:Choice xmlns:p159="http://schemas.microsoft.com/office/powerpoint/2015/09/main" Requires="p159">
+  <mc:AlternateContent xmlns:mc="http://schemas.openxmlformats.org/markup-compatibility/2006" xmlns:p159="http://schemas.microsoft.com/office/powerpoint/2015/09/main">
+    <mc:Choice Requires="p159">
       <p:transition xmlns:p14="http://schemas.microsoft.com/office/powerpoint/2010/main" spd="slow" p14:dur="2000">
         <p159:morph option="byWord"/>
       </p:transition>
     </mc:Choice>
-    <mc:Fallback>
+    <mc:Fallback xmlns="">
       <p:transition spd="slow">
         <p:fade/>
       </p:transition>
@@ -32407,13 +33147,13 @@
   <p:clrMapOvr>
     <a:masterClrMapping/>
   </p:clrMapOvr>
-  <mc:AlternateContent xmlns:mc="http://schemas.openxmlformats.org/markup-compatibility/2006">
-    <mc:Choice xmlns:p159="http://schemas.microsoft.com/office/powerpoint/2015/09/main" Requires="p159">
+  <mc:AlternateContent xmlns:mc="http://schemas.openxmlformats.org/markup-compatibility/2006" xmlns:p159="http://schemas.microsoft.com/office/powerpoint/2015/09/main">
+    <mc:Choice Requires="p159">
       <p:transition xmlns:p14="http://schemas.microsoft.com/office/powerpoint/2010/main" spd="slow" p14:dur="2000">
         <p159:morph option="byWord"/>
       </p:transition>
     </mc:Choice>
-    <mc:Fallback>
+    <mc:Fallback xmlns="">
       <p:transition spd="slow">
         <p:fade/>
       </p:transition>
@@ -32705,46 +33445,6 @@
               <a:t>小结</a:t>
             </a:r>
             <a:endParaRPr lang="en-US" altLang="zh-CN" dirty="0"/>
-          </a:p>
-        </p:txBody>
-      </p:sp>
-      <p:sp>
-        <p:nvSpPr>
-          <p:cNvPr id="4" name="文本框 3">
-            <a:extLst>
-              <a:ext uri="{FF2B5EF4-FFF2-40B4-BE49-F238E27FC236}">
-                <a16:creationId xmlns:a16="http://schemas.microsoft.com/office/drawing/2014/main" id="{A12471F3-FD01-5940-8D87-FFE6575BD7BE}"/>
-              </a:ext>
-            </a:extLst>
-          </p:cNvPr>
-          <p:cNvSpPr txBox="1"/>
-          <p:nvPr/>
-        </p:nvSpPr>
-        <p:spPr>
-          <a:xfrm>
-            <a:off x="3886200" y="5796895"/>
-            <a:ext cx="4419600" cy="707886"/>
-          </a:xfrm>
-          <a:prstGeom prst="rect">
-            <a:avLst/>
-          </a:prstGeom>
-          <a:noFill/>
-        </p:spPr>
-        <p:txBody>
-          <a:bodyPr wrap="square" rtlCol="0">
-            <a:spAutoFit/>
-          </a:bodyPr>
-          <a:lstStyle/>
-          <a:p>
-            <a:r>
-              <a:rPr lang="zh-CN" altLang="en-US" sz="4000" b="1" i="1" dirty="0"/>
-              <a:t>努力更新中 </a:t>
-            </a:r>
-            <a:r>
-              <a:rPr lang="en-US" altLang="zh-CN" sz="4000" b="1" i="1" dirty="0"/>
-              <a:t>QAQ</a:t>
-            </a:r>
-            <a:endParaRPr lang="zh-CN" altLang="en-US" sz="4000" b="1" i="1" dirty="0"/>
           </a:p>
         </p:txBody>
       </p:sp>
@@ -34227,13 +34927,13 @@
   <p:clrMapOvr>
     <a:masterClrMapping/>
   </p:clrMapOvr>
-  <mc:AlternateContent xmlns:mc="http://schemas.openxmlformats.org/markup-compatibility/2006">
-    <mc:Choice xmlns:p159="http://schemas.microsoft.com/office/powerpoint/2015/09/main" Requires="p159">
+  <mc:AlternateContent xmlns:mc="http://schemas.openxmlformats.org/markup-compatibility/2006" xmlns:p159="http://schemas.microsoft.com/office/powerpoint/2015/09/main">
+    <mc:Choice Requires="p159">
       <p:transition xmlns:p14="http://schemas.microsoft.com/office/powerpoint/2010/main" spd="slow" p14:dur="2000">
         <p159:morph option="byWord"/>
       </p:transition>
     </mc:Choice>
-    <mc:Fallback>
+    <mc:Fallback xmlns="">
       <p:transition spd="slow">
         <p:fade/>
       </p:transition>
@@ -34767,13 +35467,13 @@
   <p:clrMapOvr>
     <a:masterClrMapping/>
   </p:clrMapOvr>
-  <mc:AlternateContent xmlns:mc="http://schemas.openxmlformats.org/markup-compatibility/2006">
-    <mc:Choice xmlns:p159="http://schemas.microsoft.com/office/powerpoint/2015/09/main" Requires="p159">
+  <mc:AlternateContent xmlns:mc="http://schemas.openxmlformats.org/markup-compatibility/2006" xmlns:p159="http://schemas.microsoft.com/office/powerpoint/2015/09/main">
+    <mc:Choice Requires="p159">
       <p:transition xmlns:p14="http://schemas.microsoft.com/office/powerpoint/2010/main" spd="slow" p14:dur="2000">
         <p159:morph option="byWord"/>
       </p:transition>
     </mc:Choice>
-    <mc:Fallback>
+    <mc:Fallback xmlns="">
       <p:transition spd="slow">
         <p:fade/>
       </p:transition>
@@ -34958,13 +35658,13 @@
   <p:clrMapOvr>
     <a:masterClrMapping/>
   </p:clrMapOvr>
-  <mc:AlternateContent xmlns:mc="http://schemas.openxmlformats.org/markup-compatibility/2006">
-    <mc:Choice xmlns:p14="http://schemas.microsoft.com/office/powerpoint/2010/main" Requires="p14">
+  <mc:AlternateContent xmlns:mc="http://schemas.openxmlformats.org/markup-compatibility/2006" xmlns:p14="http://schemas.microsoft.com/office/powerpoint/2010/main">
+    <mc:Choice Requires="p14">
       <p:transition spd="med" p14:dur="700">
         <p:fade/>
       </p:transition>
     </mc:Choice>
-    <mc:Fallback>
+    <mc:Fallback xmlns="">
       <p:transition spd="med">
         <p:fade/>
       </p:transition>
@@ -36216,13 +36916,13 @@
   <p:clrMapOvr>
     <a:masterClrMapping/>
   </p:clrMapOvr>
-  <mc:AlternateContent xmlns:mc="http://schemas.openxmlformats.org/markup-compatibility/2006">
-    <mc:Choice xmlns:p159="http://schemas.microsoft.com/office/powerpoint/2015/09/main" Requires="p159">
+  <mc:AlternateContent xmlns:mc="http://schemas.openxmlformats.org/markup-compatibility/2006" xmlns:p159="http://schemas.microsoft.com/office/powerpoint/2015/09/main">
+    <mc:Choice Requires="p159">
       <p:transition xmlns:p14="http://schemas.microsoft.com/office/powerpoint/2010/main" spd="slow" p14:dur="2000">
         <p159:morph option="byWord"/>
       </p:transition>
     </mc:Choice>
-    <mc:Fallback>
+    <mc:Fallback xmlns="">
       <p:transition spd="slow">
         <p:fade/>
       </p:transition>
@@ -37867,13 +38567,13 @@
   <p:clrMapOvr>
     <a:masterClrMapping/>
   </p:clrMapOvr>
-  <mc:AlternateContent xmlns:mc="http://schemas.openxmlformats.org/markup-compatibility/2006">
-    <mc:Choice xmlns:p159="http://schemas.microsoft.com/office/powerpoint/2015/09/main" Requires="p159">
+  <mc:AlternateContent xmlns:mc="http://schemas.openxmlformats.org/markup-compatibility/2006" xmlns:p159="http://schemas.microsoft.com/office/powerpoint/2015/09/main">
+    <mc:Choice Requires="p159">
       <p:transition xmlns:p14="http://schemas.microsoft.com/office/powerpoint/2010/main" spd="slow" p14:dur="2000">
         <p159:morph option="byWord"/>
       </p:transition>
     </mc:Choice>
-    <mc:Fallback>
+    <mc:Fallback xmlns="">
       <p:transition spd="slow">
         <p:fade/>
       </p:transition>
@@ -39653,13 +40353,13 @@
   <p:clrMapOvr>
     <a:masterClrMapping/>
   </p:clrMapOvr>
-  <mc:AlternateContent xmlns:mc="http://schemas.openxmlformats.org/markup-compatibility/2006">
-    <mc:Choice xmlns:p159="http://schemas.microsoft.com/office/powerpoint/2015/09/main" Requires="p159">
+  <mc:AlternateContent xmlns:mc="http://schemas.openxmlformats.org/markup-compatibility/2006" xmlns:p159="http://schemas.microsoft.com/office/powerpoint/2015/09/main">
+    <mc:Choice Requires="p159">
       <p:transition xmlns:p14="http://schemas.microsoft.com/office/powerpoint/2010/main" spd="slow" p14:dur="2000">
         <p159:morph option="byWord"/>
       </p:transition>
     </mc:Choice>
-    <mc:Fallback>
+    <mc:Fallback xmlns="">
       <p:transition spd="slow">
         <p:fade/>
       </p:transition>
@@ -39804,13 +40504,13 @@
   <p:clrMapOvr>
     <a:masterClrMapping/>
   </p:clrMapOvr>
-  <mc:AlternateContent xmlns:mc="http://schemas.openxmlformats.org/markup-compatibility/2006">
-    <mc:Choice xmlns:p14="http://schemas.microsoft.com/office/powerpoint/2010/main" Requires="p14">
+  <mc:AlternateContent xmlns:mc="http://schemas.openxmlformats.org/markup-compatibility/2006" xmlns:p14="http://schemas.microsoft.com/office/powerpoint/2010/main">
+    <mc:Choice Requires="p14">
       <p:transition spd="med" p14:dur="700">
         <p:fade/>
       </p:transition>
     </mc:Choice>
-    <mc:Fallback>
+    <mc:Fallback xmlns="">
       <p:transition spd="med">
         <p:fade/>
       </p:transition>
@@ -39987,13 +40687,13 @@
   <p:clrMapOvr>
     <a:masterClrMapping/>
   </p:clrMapOvr>
-  <mc:AlternateContent xmlns:mc="http://schemas.openxmlformats.org/markup-compatibility/2006">
-    <mc:Choice xmlns:p14="http://schemas.microsoft.com/office/powerpoint/2010/main" Requires="p14">
+  <mc:AlternateContent xmlns:mc="http://schemas.openxmlformats.org/markup-compatibility/2006" xmlns:p14="http://schemas.microsoft.com/office/powerpoint/2010/main">
+    <mc:Choice Requires="p14">
       <p:transition spd="med" p14:dur="700">
         <p:fade/>
       </p:transition>
     </mc:Choice>
-    <mc:Fallback>
+    <mc:Fallback xmlns="">
       <p:transition spd="med">
         <p:fade/>
       </p:transition>
@@ -40003,6 +40703,126 @@
 </file>
 
 <file path=ppt/slides/slide38.xml><?xml version="1.0" encoding="utf-8"?>
+<p:sld xmlns:a="http://schemas.openxmlformats.org/drawingml/2006/main" xmlns:r="http://schemas.openxmlformats.org/officeDocument/2006/relationships" xmlns:p="http://schemas.openxmlformats.org/presentationml/2006/main">
+  <p:cSld>
+    <p:spTree>
+      <p:nvGrpSpPr>
+        <p:cNvPr id="1" name="">
+          <a:extLst>
+            <a:ext uri="{FF2B5EF4-FFF2-40B4-BE49-F238E27FC236}">
+              <a16:creationId xmlns:a16="http://schemas.microsoft.com/office/drawing/2014/main" id="{4C09D7D7-FA6D-359A-E9FF-3777D0AECF4C}"/>
+            </a:ext>
+          </a:extLst>
+        </p:cNvPr>
+        <p:cNvGrpSpPr/>
+        <p:nvPr/>
+      </p:nvGrpSpPr>
+      <p:grpSpPr>
+        <a:xfrm>
+          <a:off x="0" y="0"/>
+          <a:ext cx="0" cy="0"/>
+          <a:chOff x="0" y="0"/>
+          <a:chExt cx="0" cy="0"/>
+        </a:xfrm>
+      </p:grpSpPr>
+      <p:sp>
+        <p:nvSpPr>
+          <p:cNvPr id="2" name="标题 1">
+            <a:extLst>
+              <a:ext uri="{FF2B5EF4-FFF2-40B4-BE49-F238E27FC236}">
+                <a16:creationId xmlns:a16="http://schemas.microsoft.com/office/drawing/2014/main" id="{5357BEC6-885D-BC22-BAFF-226EE7C3CAC3}"/>
+              </a:ext>
+            </a:extLst>
+          </p:cNvPr>
+          <p:cNvSpPr>
+            <a:spLocks noGrp="1"/>
+          </p:cNvSpPr>
+          <p:nvPr>
+            <p:ph type="title"/>
+          </p:nvPr>
+        </p:nvSpPr>
+        <p:spPr/>
+        <p:txBody>
+          <a:bodyPr>
+            <a:normAutofit/>
+          </a:bodyPr>
+          <a:lstStyle/>
+          <a:p>
+            <a:r>
+              <a:rPr lang="en-US" altLang="zh-CN" dirty="0"/>
+              <a:t>12.4 </a:t>
+            </a:r>
+            <a:r>
+              <a:rPr lang="zh-CN" altLang="en-US" dirty="0"/>
+              <a:t>添加飞船图像 </a:t>
+            </a:r>
+            <a:endParaRPr lang="en-US" altLang="zh-CN" dirty="0"/>
+          </a:p>
+        </p:txBody>
+      </p:sp>
+      <p:sp>
+        <p:nvSpPr>
+          <p:cNvPr id="3" name="内容占位符 2">
+            <a:extLst>
+              <a:ext uri="{FF2B5EF4-FFF2-40B4-BE49-F238E27FC236}">
+                <a16:creationId xmlns:a16="http://schemas.microsoft.com/office/drawing/2014/main" id="{C2471753-5BDF-C4C7-7486-8CEE644A9642}"/>
+              </a:ext>
+            </a:extLst>
+          </p:cNvPr>
+          <p:cNvSpPr>
+            <a:spLocks noGrp="1"/>
+          </p:cNvSpPr>
+          <p:nvPr>
+            <p:ph idx="1"/>
+          </p:nvPr>
+        </p:nvSpPr>
+        <p:spPr/>
+        <p:txBody>
+          <a:bodyPr>
+            <a:normAutofit/>
+          </a:bodyPr>
+          <a:lstStyle/>
+          <a:p>
+            <a:pPr marL="0" indent="0">
+              <a:buNone/>
+            </a:pPr>
+            <a:r>
+              <a:rPr lang="zh-CN" altLang="en-US" sz="5400" i="0" u="none" strike="noStrike" baseline="0" dirty="0"/>
+              <a:t>代码实现及讲解，请参考原书 </a:t>
+            </a:r>
+            <a:r>
+              <a:rPr lang="en-US" altLang="zh-CN" sz="5400" i="0" u="none" strike="noStrike" baseline="0" dirty="0"/>
+              <a:t>12.4.1~12.4.2</a:t>
+            </a:r>
+          </a:p>
+        </p:txBody>
+      </p:sp>
+    </p:spTree>
+    <p:extLst>
+      <p:ext uri="{BB962C8B-B14F-4D97-AF65-F5344CB8AC3E}">
+        <p14:creationId xmlns:p14="http://schemas.microsoft.com/office/powerpoint/2010/main" val="2891423588"/>
+      </p:ext>
+    </p:extLst>
+  </p:cSld>
+  <p:clrMapOvr>
+    <a:masterClrMapping/>
+  </p:clrMapOvr>
+  <mc:AlternateContent xmlns:mc="http://schemas.openxmlformats.org/markup-compatibility/2006" xmlns:p14="http://schemas.microsoft.com/office/powerpoint/2010/main">
+    <mc:Choice Requires="p14">
+      <p:transition spd="med" p14:dur="700">
+        <p:fade/>
+      </p:transition>
+    </mc:Choice>
+    <mc:Fallback xmlns="">
+      <p:transition spd="med">
+        <p:fade/>
+      </p:transition>
+    </mc:Fallback>
+  </mc:AlternateContent>
+</p:sld>
+</file>
+
+<file path=ppt/slides/slide39.xml><?xml version="1.0" encoding="utf-8"?>
 <p:sld xmlns:a="http://schemas.openxmlformats.org/drawingml/2006/main" xmlns:r="http://schemas.openxmlformats.org/officeDocument/2006/relationships" xmlns:p="http://schemas.openxmlformats.org/presentationml/2006/main">
   <p:cSld>
     <p:spTree>
@@ -40170,9 +40990,25 @@
             </a:r>
             <a:r>
               <a:rPr lang="zh-CN" altLang="en-US" dirty="0"/>
-              <a:t>中，辅助方法的名称以单下划线打头。</a:t>
-            </a:r>
-            <a:endParaRPr lang="en-US" altLang="zh-CN" i="0" u="none" strike="noStrike" baseline="0" dirty="0"/>
+              <a:t>中，</a:t>
+            </a:r>
+            <a:r>
+              <a:rPr lang="zh-CN" altLang="en-US" b="1" dirty="0">
+                <a:solidFill>
+                  <a:schemeClr val="accent1">
+                    <a:lumMod val="75000"/>
+                  </a:schemeClr>
+                </a:solidFill>
+              </a:rPr>
+              <a:t>辅助方法的名称通常以单下划线打头。</a:t>
+            </a:r>
+            <a:endParaRPr lang="en-US" altLang="zh-CN" b="1" i="0" u="none" strike="noStrike" baseline="0" dirty="0">
+              <a:solidFill>
+                <a:schemeClr val="accent1">
+                  <a:lumMod val="75000"/>
+                </a:schemeClr>
+              </a:solidFill>
+            </a:endParaRPr>
           </a:p>
         </p:txBody>
       </p:sp>
@@ -40186,166 +41022,13 @@
   <p:clrMapOvr>
     <a:masterClrMapping/>
   </p:clrMapOvr>
-  <mc:AlternateContent xmlns:mc="http://schemas.openxmlformats.org/markup-compatibility/2006">
-    <mc:Choice xmlns:p14="http://schemas.microsoft.com/office/powerpoint/2010/main" Requires="p14">
+  <mc:AlternateContent xmlns:mc="http://schemas.openxmlformats.org/markup-compatibility/2006" xmlns:p14="http://schemas.microsoft.com/office/powerpoint/2010/main">
+    <mc:Choice Requires="p14">
       <p:transition spd="med" p14:dur="700">
         <p:fade/>
       </p:transition>
     </mc:Choice>
-    <mc:Fallback>
-      <p:transition spd="med">
-        <p:fade/>
-      </p:transition>
-    </mc:Fallback>
-  </mc:AlternateContent>
-</p:sld>
-</file>
-
-<file path=ppt/slides/slide39.xml><?xml version="1.0" encoding="utf-8"?>
-<p:sld xmlns:a="http://schemas.openxmlformats.org/drawingml/2006/main" xmlns:r="http://schemas.openxmlformats.org/officeDocument/2006/relationships" xmlns:p="http://schemas.openxmlformats.org/presentationml/2006/main">
-  <p:cSld>
-    <p:spTree>
-      <p:nvGrpSpPr>
-        <p:cNvPr id="1" name="">
-          <a:extLst>
-            <a:ext uri="{FF2B5EF4-FFF2-40B4-BE49-F238E27FC236}">
-              <a16:creationId xmlns:a16="http://schemas.microsoft.com/office/drawing/2014/main" id="{A25A0DB3-FF22-A499-9CE5-B483F3BCED25}"/>
-            </a:ext>
-          </a:extLst>
-        </p:cNvPr>
-        <p:cNvGrpSpPr/>
-        <p:nvPr/>
-      </p:nvGrpSpPr>
-      <p:grpSpPr>
-        <a:xfrm>
-          <a:off x="0" y="0"/>
-          <a:ext cx="0" cy="0"/>
-          <a:chOff x="0" y="0"/>
-          <a:chExt cx="0" cy="0"/>
-        </a:xfrm>
-      </p:grpSpPr>
-      <p:sp>
-        <p:nvSpPr>
-          <p:cNvPr id="2" name="标题 1">
-            <a:extLst>
-              <a:ext uri="{FF2B5EF4-FFF2-40B4-BE49-F238E27FC236}">
-                <a16:creationId xmlns:a16="http://schemas.microsoft.com/office/drawing/2014/main" id="{89905622-C344-F11C-F82B-2A8C628AFFCD}"/>
-              </a:ext>
-            </a:extLst>
-          </p:cNvPr>
-          <p:cNvSpPr>
-            <a:spLocks noGrp="1"/>
-          </p:cNvSpPr>
-          <p:nvPr>
-            <p:ph type="title"/>
-          </p:nvPr>
-        </p:nvSpPr>
-        <p:spPr/>
-        <p:txBody>
-          <a:bodyPr>
-            <a:normAutofit/>
-          </a:bodyPr>
-          <a:lstStyle/>
-          <a:p>
-            <a:r>
-              <a:rPr lang="en-US" altLang="zh-CN" dirty="0"/>
-              <a:t>12.6 </a:t>
-            </a:r>
-            <a:r>
-              <a:rPr lang="zh-CN" altLang="en-US" dirty="0"/>
-              <a:t>驾驶飞船</a:t>
-            </a:r>
-            <a:endParaRPr lang="en-US" altLang="zh-CN" dirty="0"/>
-          </a:p>
-        </p:txBody>
-      </p:sp>
-      <p:sp>
-        <p:nvSpPr>
-          <p:cNvPr id="3" name="内容占位符 2">
-            <a:extLst>
-              <a:ext uri="{FF2B5EF4-FFF2-40B4-BE49-F238E27FC236}">
-                <a16:creationId xmlns:a16="http://schemas.microsoft.com/office/drawing/2014/main" id="{DB5A3B62-9F0B-0F5A-F431-1B6642DE7775}"/>
-              </a:ext>
-            </a:extLst>
-          </p:cNvPr>
-          <p:cNvSpPr>
-            <a:spLocks noGrp="1"/>
-          </p:cNvSpPr>
-          <p:nvPr>
-            <p:ph idx="1"/>
-          </p:nvPr>
-        </p:nvSpPr>
-        <p:spPr/>
-        <p:txBody>
-          <a:bodyPr>
-            <a:normAutofit/>
-          </a:bodyPr>
-          <a:lstStyle/>
-          <a:p>
-            <a:pPr marL="0" indent="0">
-              <a:buNone/>
-            </a:pPr>
-            <a:r>
-              <a:rPr lang="zh-CN" altLang="en-US" dirty="0"/>
-              <a:t>下面来让玩家能够左右移动飞船。</a:t>
-            </a:r>
-            <a:endParaRPr lang="en-US" altLang="zh-CN" dirty="0"/>
-          </a:p>
-          <a:p>
-            <a:pPr marL="0" indent="0">
-              <a:buNone/>
-            </a:pPr>
-            <a:r>
-              <a:rPr lang="zh-CN" altLang="en-US" dirty="0"/>
-              <a:t>你将编写代码，在用户按左右箭头键时做出响应。</a:t>
-            </a:r>
-            <a:endParaRPr lang="en-US" altLang="zh-CN" dirty="0"/>
-          </a:p>
-          <a:p>
-            <a:pPr marL="0" indent="0">
-              <a:buNone/>
-            </a:pPr>
-            <a:endParaRPr lang="en-US" altLang="zh-CN" dirty="0"/>
-          </a:p>
-          <a:p>
-            <a:pPr marL="0" indent="0">
-              <a:buNone/>
-            </a:pPr>
-            <a:r>
-              <a:rPr lang="zh-CN" altLang="en-US" dirty="0"/>
-              <a:t>先看看如何向右移动，再以同样的方式控制飞船向左移动。</a:t>
-            </a:r>
-            <a:endParaRPr lang="en-US" altLang="zh-CN" dirty="0"/>
-          </a:p>
-          <a:p>
-            <a:pPr marL="0" indent="0">
-              <a:buNone/>
-            </a:pPr>
-            <a:r>
-              <a:rPr lang="zh-CN" altLang="en-US" dirty="0"/>
-              <a:t>通过这样做，你将学会移动屏幕上的图像以及响应用户输入。</a:t>
-            </a:r>
-            <a:endParaRPr lang="en-US" altLang="zh-CN" i="0" u="none" strike="noStrike" baseline="0" dirty="0"/>
-          </a:p>
-        </p:txBody>
-      </p:sp>
-    </p:spTree>
-    <p:extLst>
-      <p:ext uri="{BB962C8B-B14F-4D97-AF65-F5344CB8AC3E}">
-        <p14:creationId xmlns:p14="http://schemas.microsoft.com/office/powerpoint/2010/main" val="2788724330"/>
-      </p:ext>
-    </p:extLst>
-  </p:cSld>
-  <p:clrMapOvr>
-    <a:masterClrMapping/>
-  </p:clrMapOvr>
-  <mc:AlternateContent xmlns:mc="http://schemas.openxmlformats.org/markup-compatibility/2006">
-    <mc:Choice xmlns:p14="http://schemas.microsoft.com/office/powerpoint/2010/main" Requires="p14">
-      <p:transition spd="med" p14:dur="700">
-        <p:fade/>
-      </p:transition>
-    </mc:Choice>
-    <mc:Fallback>
+    <mc:Fallback xmlns="">
       <p:transition spd="med">
         <p:fade/>
       </p:transition>
@@ -40405,14 +41088,10 @@
             </a:pPr>
             <a:r>
               <a:rPr lang="zh-CN" altLang="en-US" dirty="0"/>
-              <a:t>项目部分由于代码</a:t>
-            </a:r>
-            <a:r>
-              <a:rPr lang="zh-CN" altLang="en-US"/>
-              <a:t>量较大，</a:t>
-            </a:r>
-            <a:r>
-              <a:rPr lang="en-US" altLang="zh-CN"/>
+              <a:t>项目部分由于代码量较大，</a:t>
+            </a:r>
+            <a:r>
+              <a:rPr lang="en-US" altLang="zh-CN" dirty="0"/>
               <a:t>PPT </a:t>
             </a:r>
             <a:r>
@@ -40427,51 +41106,15 @@
             </a:pPr>
             <a:r>
               <a:rPr lang="zh-CN" altLang="en-US" dirty="0"/>
-              <a:t>本人会综合考虑</a:t>
-            </a:r>
-            <a:r>
-              <a:rPr lang="zh-CN" altLang="en-US"/>
-              <a:t>版面情况，仅</a:t>
-            </a:r>
-            <a:r>
-              <a:rPr lang="zh-CN" altLang="en-US" dirty="0"/>
-              <a:t>放出部分</a:t>
-            </a:r>
-            <a:r>
-              <a:rPr lang="zh-CN" altLang="en-US"/>
-              <a:t>关键代码，或</a:t>
-            </a:r>
-            <a:r>
-              <a:rPr lang="zh-CN" altLang="en-US" dirty="0"/>
-              <a:t>直接不</a:t>
-            </a:r>
-            <a:r>
-              <a:rPr lang="zh-CN" altLang="en-US"/>
-              <a:t>放代码，以免</a:t>
-            </a:r>
-            <a:r>
-              <a:rPr lang="zh-CN" altLang="en-US" dirty="0"/>
-              <a:t>影响讲义整体观感。不过为了方便大家</a:t>
-            </a:r>
-            <a:r>
-              <a:rPr lang="zh-CN" altLang="en-US"/>
-              <a:t>的学习，</a:t>
-            </a:r>
-            <a:r>
-              <a:rPr lang="zh-CN" altLang="en-US" b="1">
+              <a:t>本人会综合考虑版面情况，仅放出部分关键代码，或直接不放代码，以免影响讲义整体观感。不过为了方便大家的学习，</a:t>
+            </a:r>
+            <a:r>
+              <a:rPr lang="zh-CN" altLang="en-US" b="1" dirty="0">
                 <a:solidFill>
                   <a:schemeClr val="accent1"/>
                 </a:solidFill>
               </a:rPr>
-              <a:t>每</a:t>
-            </a:r>
-            <a:r>
-              <a:rPr lang="zh-CN" altLang="en-US" b="1" dirty="0">
-                <a:solidFill>
-                  <a:schemeClr val="accent1"/>
-                </a:solidFill>
-              </a:rPr>
-              <a:t>页涉及的完整代码将会作为附件提供在 </a:t>
+              <a:t>涉及的完整代码后续将会作为附件提供在 </a:t>
             </a:r>
             <a:r>
               <a:rPr lang="en-US" altLang="zh-CN" b="1" dirty="0">
@@ -40563,15 +41206,7 @@
             </a:r>
             <a:r>
               <a:rPr lang="zh-CN" altLang="en-US" dirty="0"/>
-              <a:t>库来处理数据、生成实用而漂亮</a:t>
-            </a:r>
-            <a:r>
-              <a:rPr lang="zh-CN" altLang="en-US"/>
-              <a:t>的图形，同时</a:t>
-            </a:r>
-            <a:r>
-              <a:rPr lang="zh-CN" altLang="en-US" dirty="0"/>
-              <a:t>能学到如何自动获取网上的数据。</a:t>
+              <a:t>库来处理数据、生成实用而漂亮的图形，同时能学到如何自动获取网上的数据。</a:t>
             </a:r>
             <a:endParaRPr lang="en-US" altLang="zh-CN" dirty="0"/>
           </a:p>
@@ -40650,6 +41285,629 @@
 </file>
 
 <file path=ppt/slides/slide40.xml><?xml version="1.0" encoding="utf-8"?>
+<p:sld xmlns:a="http://schemas.openxmlformats.org/drawingml/2006/main" xmlns:r="http://schemas.openxmlformats.org/officeDocument/2006/relationships" xmlns:p="http://schemas.openxmlformats.org/presentationml/2006/main">
+  <p:cSld>
+    <p:spTree>
+      <p:nvGrpSpPr>
+        <p:cNvPr id="1" name="">
+          <a:extLst>
+            <a:ext uri="{FF2B5EF4-FFF2-40B4-BE49-F238E27FC236}">
+              <a16:creationId xmlns:a16="http://schemas.microsoft.com/office/drawing/2014/main" id="{4AB0C4B9-AD84-B9E0-18A2-88AB9BE1C489}"/>
+            </a:ext>
+          </a:extLst>
+        </p:cNvPr>
+        <p:cNvGrpSpPr/>
+        <p:nvPr/>
+      </p:nvGrpSpPr>
+      <p:grpSpPr>
+        <a:xfrm>
+          <a:off x="0" y="0"/>
+          <a:ext cx="0" cy="0"/>
+          <a:chOff x="0" y="0"/>
+          <a:chExt cx="0" cy="0"/>
+        </a:xfrm>
+      </p:grpSpPr>
+      <p:sp>
+        <p:nvSpPr>
+          <p:cNvPr id="2" name="标题 1">
+            <a:extLst>
+              <a:ext uri="{FF2B5EF4-FFF2-40B4-BE49-F238E27FC236}">
+                <a16:creationId xmlns:a16="http://schemas.microsoft.com/office/drawing/2014/main" id="{BB8A884C-F027-C199-F434-C1E19E7AE0DE}"/>
+              </a:ext>
+            </a:extLst>
+          </p:cNvPr>
+          <p:cNvSpPr>
+            <a:spLocks noGrp="1"/>
+          </p:cNvSpPr>
+          <p:nvPr>
+            <p:ph type="title"/>
+          </p:nvPr>
+        </p:nvSpPr>
+        <p:spPr/>
+        <p:txBody>
+          <a:bodyPr>
+            <a:normAutofit/>
+          </a:bodyPr>
+          <a:lstStyle/>
+          <a:p>
+            <a:r>
+              <a:rPr lang="en-US" altLang="zh-CN" dirty="0"/>
+              <a:t>12.5 </a:t>
+            </a:r>
+            <a:r>
+              <a:rPr lang="zh-CN" altLang="en-US" dirty="0"/>
+              <a:t>重构</a:t>
+            </a:r>
+            <a:endParaRPr lang="en-US" altLang="zh-CN" dirty="0"/>
+          </a:p>
+        </p:txBody>
+      </p:sp>
+      <p:sp>
+        <p:nvSpPr>
+          <p:cNvPr id="3" name="内容占位符 2">
+            <a:extLst>
+              <a:ext uri="{FF2B5EF4-FFF2-40B4-BE49-F238E27FC236}">
+                <a16:creationId xmlns:a16="http://schemas.microsoft.com/office/drawing/2014/main" id="{D9DD6E89-A2BC-34E7-5EAC-0131550B6AE7}"/>
+              </a:ext>
+            </a:extLst>
+          </p:cNvPr>
+          <p:cNvSpPr>
+            <a:spLocks noGrp="1"/>
+          </p:cNvSpPr>
+          <p:nvPr>
+            <p:ph idx="1"/>
+          </p:nvPr>
+        </p:nvSpPr>
+        <p:spPr/>
+        <p:txBody>
+          <a:bodyPr>
+            <a:normAutofit/>
+          </a:bodyPr>
+          <a:lstStyle/>
+          <a:p>
+            <a:pPr marL="0" indent="0">
+              <a:buNone/>
+            </a:pPr>
+            <a:r>
+              <a:rPr lang="zh-CN" altLang="en-US" sz="5400" i="0" u="none" strike="noStrike" baseline="0" dirty="0"/>
+              <a:t>代码实现及讲解，请参考原书 </a:t>
+            </a:r>
+            <a:r>
+              <a:rPr lang="en-US" altLang="zh-CN" sz="5400" i="0" u="none" strike="noStrike" baseline="0" dirty="0"/>
+              <a:t>12.5.1~12.5.2</a:t>
+            </a:r>
+          </a:p>
+        </p:txBody>
+      </p:sp>
+    </p:spTree>
+    <p:extLst>
+      <p:ext uri="{BB962C8B-B14F-4D97-AF65-F5344CB8AC3E}">
+        <p14:creationId xmlns:p14="http://schemas.microsoft.com/office/powerpoint/2010/main" val="794105182"/>
+      </p:ext>
+    </p:extLst>
+  </p:cSld>
+  <p:clrMapOvr>
+    <a:masterClrMapping/>
+  </p:clrMapOvr>
+  <mc:AlternateContent xmlns:mc="http://schemas.openxmlformats.org/markup-compatibility/2006" xmlns:p14="http://schemas.microsoft.com/office/powerpoint/2010/main">
+    <mc:Choice Requires="p14">
+      <p:transition spd="med" p14:dur="700">
+        <p:fade/>
+      </p:transition>
+    </mc:Choice>
+    <mc:Fallback xmlns="">
+      <p:transition spd="med">
+        <p:fade/>
+      </p:transition>
+    </mc:Fallback>
+  </mc:AlternateContent>
+</p:sld>
+</file>
+
+<file path=ppt/slides/slide41.xml><?xml version="1.0" encoding="utf-8"?>
+<p:sld xmlns:a="http://schemas.openxmlformats.org/drawingml/2006/main" xmlns:r="http://schemas.openxmlformats.org/officeDocument/2006/relationships" xmlns:p="http://schemas.openxmlformats.org/presentationml/2006/main">
+  <p:cSld>
+    <p:spTree>
+      <p:nvGrpSpPr>
+        <p:cNvPr id="1" name="">
+          <a:extLst>
+            <a:ext uri="{FF2B5EF4-FFF2-40B4-BE49-F238E27FC236}">
+              <a16:creationId xmlns:a16="http://schemas.microsoft.com/office/drawing/2014/main" id="{A25A0DB3-FF22-A499-9CE5-B483F3BCED25}"/>
+            </a:ext>
+          </a:extLst>
+        </p:cNvPr>
+        <p:cNvGrpSpPr/>
+        <p:nvPr/>
+      </p:nvGrpSpPr>
+      <p:grpSpPr>
+        <a:xfrm>
+          <a:off x="0" y="0"/>
+          <a:ext cx="0" cy="0"/>
+          <a:chOff x="0" y="0"/>
+          <a:chExt cx="0" cy="0"/>
+        </a:xfrm>
+      </p:grpSpPr>
+      <p:sp>
+        <p:nvSpPr>
+          <p:cNvPr id="2" name="标题 1">
+            <a:extLst>
+              <a:ext uri="{FF2B5EF4-FFF2-40B4-BE49-F238E27FC236}">
+                <a16:creationId xmlns:a16="http://schemas.microsoft.com/office/drawing/2014/main" id="{89905622-C344-F11C-F82B-2A8C628AFFCD}"/>
+              </a:ext>
+            </a:extLst>
+          </p:cNvPr>
+          <p:cNvSpPr>
+            <a:spLocks noGrp="1"/>
+          </p:cNvSpPr>
+          <p:nvPr>
+            <p:ph type="title"/>
+          </p:nvPr>
+        </p:nvSpPr>
+        <p:spPr/>
+        <p:txBody>
+          <a:bodyPr>
+            <a:normAutofit/>
+          </a:bodyPr>
+          <a:lstStyle/>
+          <a:p>
+            <a:r>
+              <a:rPr lang="en-US" altLang="zh-CN" dirty="0"/>
+              <a:t>12.6 </a:t>
+            </a:r>
+            <a:r>
+              <a:rPr lang="zh-CN" altLang="en-US" dirty="0"/>
+              <a:t>驾驶飞船</a:t>
+            </a:r>
+            <a:endParaRPr lang="en-US" altLang="zh-CN" dirty="0"/>
+          </a:p>
+        </p:txBody>
+      </p:sp>
+      <p:sp>
+        <p:nvSpPr>
+          <p:cNvPr id="3" name="内容占位符 2">
+            <a:extLst>
+              <a:ext uri="{FF2B5EF4-FFF2-40B4-BE49-F238E27FC236}">
+                <a16:creationId xmlns:a16="http://schemas.microsoft.com/office/drawing/2014/main" id="{DB5A3B62-9F0B-0F5A-F431-1B6642DE7775}"/>
+              </a:ext>
+            </a:extLst>
+          </p:cNvPr>
+          <p:cNvSpPr>
+            <a:spLocks noGrp="1"/>
+          </p:cNvSpPr>
+          <p:nvPr>
+            <p:ph idx="1"/>
+          </p:nvPr>
+        </p:nvSpPr>
+        <p:spPr/>
+        <p:txBody>
+          <a:bodyPr>
+            <a:normAutofit/>
+          </a:bodyPr>
+          <a:lstStyle/>
+          <a:p>
+            <a:pPr marL="0" indent="0">
+              <a:buNone/>
+            </a:pPr>
+            <a:r>
+              <a:rPr lang="zh-CN" altLang="en-US" sz="3200" dirty="0"/>
+              <a:t>下面来让玩家能够左右移动飞船。</a:t>
+            </a:r>
+            <a:endParaRPr lang="en-US" altLang="zh-CN" sz="3200" dirty="0"/>
+          </a:p>
+          <a:p>
+            <a:pPr marL="0" indent="0">
+              <a:buNone/>
+            </a:pPr>
+            <a:r>
+              <a:rPr lang="zh-CN" altLang="en-US" sz="3200" dirty="0"/>
+              <a:t>我们将编写代码，对用户按下的左右箭头键做出响应。</a:t>
+            </a:r>
+            <a:endParaRPr lang="en-US" altLang="zh-CN" sz="3200" dirty="0"/>
+          </a:p>
+          <a:p>
+            <a:pPr marL="0" indent="0">
+              <a:buNone/>
+            </a:pPr>
+            <a:endParaRPr lang="en-US" altLang="zh-CN" sz="3200" dirty="0"/>
+          </a:p>
+          <a:p>
+            <a:pPr marL="0" indent="0">
+              <a:buNone/>
+            </a:pPr>
+            <a:r>
+              <a:rPr lang="zh-CN" altLang="en-US" sz="3200" dirty="0"/>
+              <a:t>为此我们需要通过 </a:t>
+            </a:r>
+            <a:r>
+              <a:rPr lang="en-US" altLang="zh-CN" sz="3200" dirty="0" err="1"/>
+              <a:t>pygame.event.get</a:t>
+            </a:r>
+            <a:r>
+              <a:rPr lang="en-US" altLang="zh-CN" sz="3200" dirty="0"/>
+              <a:t>() </a:t>
+            </a:r>
+            <a:r>
+              <a:rPr lang="zh-CN" altLang="en-US" sz="3200" dirty="0"/>
+              <a:t>获取事件，获取后即可判断获取的事件类型。</a:t>
+            </a:r>
+            <a:endParaRPr lang="en-US" altLang="zh-CN" sz="3200" dirty="0"/>
+          </a:p>
+          <a:p>
+            <a:pPr marL="0" indent="0">
+              <a:buNone/>
+            </a:pPr>
+            <a:r>
+              <a:rPr lang="zh-CN" altLang="en-US" sz="3200" dirty="0"/>
+              <a:t>若为 </a:t>
+            </a:r>
+            <a:r>
+              <a:rPr lang="en-US" altLang="zh-CN" sz="3200" dirty="0"/>
+              <a:t>KEYDOWN </a:t>
+            </a:r>
+            <a:r>
+              <a:rPr lang="zh-CN" altLang="en-US" sz="3200" dirty="0"/>
+              <a:t>事件类型，我们还可进一步得知用户到底按下的键，并据此修改 </a:t>
+            </a:r>
+            <a:r>
+              <a:rPr lang="en-US" altLang="zh-CN" sz="3200" dirty="0" err="1"/>
+              <a:t>rect.centerx</a:t>
+            </a:r>
+            <a:r>
+              <a:rPr lang="en-US" altLang="zh-CN" sz="3200" dirty="0"/>
+              <a:t> </a:t>
+            </a:r>
+            <a:r>
+              <a:rPr lang="zh-CN" altLang="en-US" sz="3200" dirty="0"/>
+              <a:t>来“移动飞船”。</a:t>
+            </a:r>
+            <a:endParaRPr lang="en-US" altLang="zh-CN" sz="3200" dirty="0"/>
+          </a:p>
+        </p:txBody>
+      </p:sp>
+    </p:spTree>
+    <p:extLst>
+      <p:ext uri="{BB962C8B-B14F-4D97-AF65-F5344CB8AC3E}">
+        <p14:creationId xmlns:p14="http://schemas.microsoft.com/office/powerpoint/2010/main" val="2788724330"/>
+      </p:ext>
+    </p:extLst>
+  </p:cSld>
+  <p:clrMapOvr>
+    <a:masterClrMapping/>
+  </p:clrMapOvr>
+  <mc:AlternateContent xmlns:mc="http://schemas.openxmlformats.org/markup-compatibility/2006" xmlns:p14="http://schemas.microsoft.com/office/powerpoint/2010/main">
+    <mc:Choice Requires="p14">
+      <p:transition spd="med" p14:dur="700">
+        <p:fade/>
+      </p:transition>
+    </mc:Choice>
+    <mc:Fallback xmlns="">
+      <p:transition spd="med">
+        <p:fade/>
+      </p:transition>
+    </mc:Fallback>
+  </mc:AlternateContent>
+</p:sld>
+</file>
+
+<file path=ppt/slides/slide42.xml><?xml version="1.0" encoding="utf-8"?>
+<p:sld xmlns:a="http://schemas.openxmlformats.org/drawingml/2006/main" xmlns:r="http://schemas.openxmlformats.org/officeDocument/2006/relationships" xmlns:p="http://schemas.openxmlformats.org/presentationml/2006/main">
+  <p:cSld>
+    <p:spTree>
+      <p:nvGrpSpPr>
+        <p:cNvPr id="1" name="">
+          <a:extLst>
+            <a:ext uri="{FF2B5EF4-FFF2-40B4-BE49-F238E27FC236}">
+              <a16:creationId xmlns:a16="http://schemas.microsoft.com/office/drawing/2014/main" id="{6F169F72-0C3B-458F-E3A9-3F4040181432}"/>
+            </a:ext>
+          </a:extLst>
+        </p:cNvPr>
+        <p:cNvGrpSpPr/>
+        <p:nvPr/>
+      </p:nvGrpSpPr>
+      <p:grpSpPr>
+        <a:xfrm>
+          <a:off x="0" y="0"/>
+          <a:ext cx="0" cy="0"/>
+          <a:chOff x="0" y="0"/>
+          <a:chExt cx="0" cy="0"/>
+        </a:xfrm>
+      </p:grpSpPr>
+      <p:sp>
+        <p:nvSpPr>
+          <p:cNvPr id="2" name="标题 1">
+            <a:extLst>
+              <a:ext uri="{FF2B5EF4-FFF2-40B4-BE49-F238E27FC236}">
+                <a16:creationId xmlns:a16="http://schemas.microsoft.com/office/drawing/2014/main" id="{57818699-BF27-6636-AB0F-EAECD8730D4F}"/>
+              </a:ext>
+            </a:extLst>
+          </p:cNvPr>
+          <p:cNvSpPr>
+            <a:spLocks noGrp="1"/>
+          </p:cNvSpPr>
+          <p:nvPr>
+            <p:ph type="title"/>
+          </p:nvPr>
+        </p:nvSpPr>
+        <p:spPr/>
+        <p:txBody>
+          <a:bodyPr>
+            <a:normAutofit/>
+          </a:bodyPr>
+          <a:lstStyle/>
+          <a:p>
+            <a:r>
+              <a:rPr lang="en-US" altLang="zh-CN" dirty="0"/>
+              <a:t>12.6 </a:t>
+            </a:r>
+            <a:r>
+              <a:rPr lang="zh-CN" altLang="en-US" dirty="0"/>
+              <a:t>驾驶飞船</a:t>
+            </a:r>
+            <a:endParaRPr lang="en-US" altLang="zh-CN" dirty="0"/>
+          </a:p>
+        </p:txBody>
+      </p:sp>
+      <p:sp>
+        <p:nvSpPr>
+          <p:cNvPr id="3" name="内容占位符 2">
+            <a:extLst>
+              <a:ext uri="{FF2B5EF4-FFF2-40B4-BE49-F238E27FC236}">
+                <a16:creationId xmlns:a16="http://schemas.microsoft.com/office/drawing/2014/main" id="{01B99E18-511A-D3B1-CE6C-A0204D1A497B}"/>
+              </a:ext>
+            </a:extLst>
+          </p:cNvPr>
+          <p:cNvSpPr>
+            <a:spLocks noGrp="1"/>
+          </p:cNvSpPr>
+          <p:nvPr>
+            <p:ph idx="1"/>
+          </p:nvPr>
+        </p:nvSpPr>
+        <p:spPr/>
+        <p:txBody>
+          <a:bodyPr>
+            <a:normAutofit/>
+          </a:bodyPr>
+          <a:lstStyle/>
+          <a:p>
+            <a:pPr marL="0" indent="0">
+              <a:buNone/>
+            </a:pPr>
+            <a:r>
+              <a:rPr lang="zh-CN" altLang="en-US" sz="5400" i="0" u="none" strike="noStrike" baseline="0" dirty="0"/>
+              <a:t>代码实现及讲解，请参考原书 </a:t>
+            </a:r>
+            <a:r>
+              <a:rPr lang="en-US" altLang="zh-CN" sz="5400" dirty="0"/>
+              <a:t>12.6.1~ 12.6.5</a:t>
+            </a:r>
+            <a:r>
+              <a:rPr lang="zh-CN" altLang="en-US" sz="5400" dirty="0"/>
+              <a:t>。</a:t>
+            </a:r>
+            <a:endParaRPr lang="en-US" altLang="zh-CN" sz="5400" dirty="0"/>
+          </a:p>
+          <a:p>
+            <a:pPr marL="0" indent="0">
+              <a:buNone/>
+            </a:pPr>
+            <a:r>
+              <a:rPr lang="zh-CN" altLang="en-US" sz="5400" dirty="0"/>
+              <a:t>这里面包含了基本的响应按键移动、持续移动、调整速度、限制活动范围（防止超过屏幕）等。</a:t>
+            </a:r>
+            <a:endParaRPr lang="en-US" altLang="zh-CN" sz="5400" dirty="0"/>
+          </a:p>
+        </p:txBody>
+      </p:sp>
+    </p:spTree>
+    <p:extLst>
+      <p:ext uri="{BB962C8B-B14F-4D97-AF65-F5344CB8AC3E}">
+        <p14:creationId xmlns:p14="http://schemas.microsoft.com/office/powerpoint/2010/main" val="1851996509"/>
+      </p:ext>
+    </p:extLst>
+  </p:cSld>
+  <p:clrMapOvr>
+    <a:masterClrMapping/>
+  </p:clrMapOvr>
+  <mc:AlternateContent xmlns:mc="http://schemas.openxmlformats.org/markup-compatibility/2006" xmlns:p14="http://schemas.microsoft.com/office/powerpoint/2010/main">
+    <mc:Choice Requires="p14">
+      <p:transition spd="med" p14:dur="700">
+        <p:fade/>
+      </p:transition>
+    </mc:Choice>
+    <mc:Fallback xmlns="">
+      <p:transition spd="med">
+        <p:fade/>
+      </p:transition>
+    </mc:Fallback>
+  </mc:AlternateContent>
+</p:sld>
+</file>
+
+<file path=ppt/slides/slide43.xml><?xml version="1.0" encoding="utf-8"?>
+<p:sld xmlns:a="http://schemas.openxmlformats.org/drawingml/2006/main" xmlns:r="http://schemas.openxmlformats.org/officeDocument/2006/relationships" xmlns:p="http://schemas.openxmlformats.org/presentationml/2006/main">
+  <p:cSld>
+    <p:spTree>
+      <p:nvGrpSpPr>
+        <p:cNvPr id="1" name="">
+          <a:extLst>
+            <a:ext uri="{FF2B5EF4-FFF2-40B4-BE49-F238E27FC236}">
+              <a16:creationId xmlns:a16="http://schemas.microsoft.com/office/drawing/2014/main" id="{6650827B-1A69-3D75-6D8C-DEF85D0CD7B6}"/>
+            </a:ext>
+          </a:extLst>
+        </p:cNvPr>
+        <p:cNvGrpSpPr/>
+        <p:nvPr/>
+      </p:nvGrpSpPr>
+      <p:grpSpPr>
+        <a:xfrm>
+          <a:off x="0" y="0"/>
+          <a:ext cx="0" cy="0"/>
+          <a:chOff x="0" y="0"/>
+          <a:chExt cx="0" cy="0"/>
+        </a:xfrm>
+      </p:grpSpPr>
+      <p:sp>
+        <p:nvSpPr>
+          <p:cNvPr id="2" name="标题 1">
+            <a:extLst>
+              <a:ext uri="{FF2B5EF4-FFF2-40B4-BE49-F238E27FC236}">
+                <a16:creationId xmlns:a16="http://schemas.microsoft.com/office/drawing/2014/main" id="{CDFDAF4A-747C-E8F0-D248-D3CD41CCF786}"/>
+              </a:ext>
+            </a:extLst>
+          </p:cNvPr>
+          <p:cNvSpPr>
+            <a:spLocks noGrp="1"/>
+          </p:cNvSpPr>
+          <p:nvPr>
+            <p:ph type="title"/>
+          </p:nvPr>
+        </p:nvSpPr>
+        <p:spPr/>
+        <p:txBody>
+          <a:bodyPr>
+            <a:normAutofit/>
+          </a:bodyPr>
+          <a:lstStyle/>
+          <a:p>
+            <a:r>
+              <a:rPr lang="en-US" altLang="zh-CN" dirty="0"/>
+              <a:t>12.6 </a:t>
+            </a:r>
+            <a:r>
+              <a:rPr lang="zh-CN" altLang="en-US" dirty="0"/>
+              <a:t>驾驶飞船</a:t>
+            </a:r>
+            <a:endParaRPr lang="en-US" altLang="zh-CN" dirty="0"/>
+          </a:p>
+        </p:txBody>
+      </p:sp>
+      <p:sp>
+        <p:nvSpPr>
+          <p:cNvPr id="3" name="内容占位符 2">
+            <a:extLst>
+              <a:ext uri="{FF2B5EF4-FFF2-40B4-BE49-F238E27FC236}">
+                <a16:creationId xmlns:a16="http://schemas.microsoft.com/office/drawing/2014/main" id="{9DF68272-F5F0-81B8-1E8C-4514AC4E11CA}"/>
+              </a:ext>
+            </a:extLst>
+          </p:cNvPr>
+          <p:cNvSpPr>
+            <a:spLocks noGrp="1"/>
+          </p:cNvSpPr>
+          <p:nvPr>
+            <p:ph idx="1"/>
+          </p:nvPr>
+        </p:nvSpPr>
+        <p:spPr/>
+        <p:txBody>
+          <a:bodyPr>
+            <a:normAutofit/>
+          </a:bodyPr>
+          <a:lstStyle/>
+          <a:p>
+            <a:pPr marL="0" indent="0">
+              <a:buNone/>
+            </a:pPr>
+            <a:r>
+              <a:rPr lang="zh-CN" altLang="en-US" sz="3600" dirty="0"/>
+              <a:t>在 </a:t>
+            </a:r>
+            <a:r>
+              <a:rPr lang="en-US" altLang="zh-CN" sz="3600" dirty="0"/>
+              <a:t>12.6.6 </a:t>
+            </a:r>
+            <a:r>
+              <a:rPr lang="zh-CN" altLang="en-US" sz="3600" dirty="0"/>
+              <a:t>节中，我们也将通过</a:t>
+            </a:r>
+            <a:r>
+              <a:rPr lang="zh-CN" altLang="en-US" sz="3600" b="1" dirty="0">
+                <a:solidFill>
+                  <a:schemeClr val="accent6">
+                    <a:lumMod val="75000"/>
+                  </a:schemeClr>
+                </a:solidFill>
+              </a:rPr>
+              <a:t>重构</a:t>
+            </a:r>
+            <a:r>
+              <a:rPr lang="zh-CN" altLang="en-US" sz="3600" dirty="0"/>
+              <a:t>的方式继续优化代码，主要是通过将复杂的代码段封装成函数来实现的。</a:t>
+            </a:r>
+            <a:endParaRPr lang="en-US" altLang="zh-CN" sz="3600" dirty="0"/>
+          </a:p>
+          <a:p>
+            <a:pPr marL="0" indent="0">
+              <a:buNone/>
+            </a:pPr>
+            <a:r>
+              <a:rPr lang="zh-CN" altLang="en-US" sz="3600" dirty="0"/>
+              <a:t>在 </a:t>
+            </a:r>
+            <a:r>
+              <a:rPr lang="en-US" altLang="zh-CN" sz="3600" dirty="0"/>
+              <a:t>12.6.7</a:t>
+            </a:r>
+            <a:r>
+              <a:rPr lang="zh-CN" altLang="en-US" sz="3600" dirty="0"/>
+              <a:t> 节中，我们将会为游戏提供“按 </a:t>
+            </a:r>
+            <a:r>
+              <a:rPr lang="en-US" altLang="zh-CN" sz="3600" dirty="0"/>
+              <a:t>Q </a:t>
+            </a:r>
+            <a:r>
+              <a:rPr lang="zh-CN" altLang="en-US" sz="3600" dirty="0"/>
+              <a:t>退出”的功能。</a:t>
+            </a:r>
+            <a:endParaRPr lang="en-US" altLang="zh-CN" sz="3600" dirty="0"/>
+          </a:p>
+          <a:p>
+            <a:pPr marL="0" indent="0">
+              <a:buNone/>
+            </a:pPr>
+            <a:r>
+              <a:rPr lang="zh-CN" altLang="en-US" sz="3600" dirty="0"/>
+              <a:t>由于有了按键退出功能，我们希望优化玩家的体验，所以在 </a:t>
+            </a:r>
+            <a:r>
+              <a:rPr lang="en-US" altLang="zh-CN" sz="3600" dirty="0"/>
+              <a:t>12.6.8 </a:t>
+            </a:r>
+            <a:r>
+              <a:rPr lang="zh-CN" altLang="en-US" sz="3600" dirty="0"/>
+              <a:t>节中，我们提供了全屏模式游戏的功能。</a:t>
+            </a:r>
+            <a:endParaRPr lang="en-US" altLang="zh-CN" sz="3600" dirty="0"/>
+          </a:p>
+        </p:txBody>
+      </p:sp>
+    </p:spTree>
+    <p:extLst>
+      <p:ext uri="{BB962C8B-B14F-4D97-AF65-F5344CB8AC3E}">
+        <p14:creationId xmlns:p14="http://schemas.microsoft.com/office/powerpoint/2010/main" val="2404722356"/>
+      </p:ext>
+    </p:extLst>
+  </p:cSld>
+  <p:clrMapOvr>
+    <a:masterClrMapping/>
+  </p:clrMapOvr>
+  <mc:AlternateContent xmlns:mc="http://schemas.openxmlformats.org/markup-compatibility/2006" xmlns:p14="http://schemas.microsoft.com/office/powerpoint/2010/main">
+    <mc:Choice Requires="p14">
+      <p:transition spd="med" p14:dur="700">
+        <p:fade/>
+      </p:transition>
+    </mc:Choice>
+    <mc:Fallback xmlns="">
+      <p:transition spd="med">
+        <p:fade/>
+      </p:transition>
+    </mc:Fallback>
+  </mc:AlternateContent>
+</p:sld>
+</file>
+
+<file path=ppt/slides/slide44.xml><?xml version="1.0" encoding="utf-8"?>
 <p:sld xmlns:a="http://schemas.openxmlformats.org/drawingml/2006/main" xmlns:r="http://schemas.openxmlformats.org/officeDocument/2006/relationships" xmlns:p="http://schemas.openxmlformats.org/presentationml/2006/main">
   <p:cSld>
     <p:spTree>
@@ -40753,31 +42011,7 @@
             </a:pPr>
             <a:r>
               <a:rPr lang="zh-CN" altLang="en-US" dirty="0"/>
-              <a:t>当前有三个文件，其中包含很多类和方法。</a:t>
-            </a:r>
-            <a:endParaRPr lang="en-US" altLang="zh-CN" dirty="0"/>
-          </a:p>
-          <a:p>
-            <a:pPr marL="0" indent="0">
-              <a:buNone/>
-            </a:pPr>
-            <a:endParaRPr lang="en-US" altLang="zh-CN" dirty="0"/>
-          </a:p>
-          <a:p>
-            <a:pPr marL="0" indent="0">
-              <a:buNone/>
-            </a:pPr>
-            <a:r>
-              <a:rPr lang="zh-CN" altLang="en-US" dirty="0"/>
-              <a:t>在添加其他功能前</a:t>
-            </a:r>
-            <a:r>
-              <a:rPr lang="en-US" altLang="zh-CN" dirty="0"/>
-              <a:t>,</a:t>
-            </a:r>
-            <a:r>
-              <a:rPr lang="zh-CN" altLang="en-US" dirty="0"/>
-              <a:t>先来回顾一下这些文件，以便对这个项目的组织结构有清楚的认识。</a:t>
+              <a:t>当前有三个文件，其中包含很多类和方法，可参考原书及代码回顾细节。</a:t>
             </a:r>
             <a:endParaRPr lang="en-US" altLang="zh-CN" i="0" u="none" strike="noStrike" baseline="0" dirty="0"/>
           </a:p>
@@ -40793,13 +42027,13 @@
   <p:clrMapOvr>
     <a:masterClrMapping/>
   </p:clrMapOvr>
-  <mc:AlternateContent xmlns:mc="http://schemas.openxmlformats.org/markup-compatibility/2006">
-    <mc:Choice xmlns:p14="http://schemas.microsoft.com/office/powerpoint/2010/main" Requires="p14">
+  <mc:AlternateContent xmlns:mc="http://schemas.openxmlformats.org/markup-compatibility/2006" xmlns:p14="http://schemas.microsoft.com/office/powerpoint/2010/main">
+    <mc:Choice Requires="p14">
       <p:transition spd="med" p14:dur="700">
         <p:fade/>
       </p:transition>
     </mc:Choice>
-    <mc:Fallback>
+    <mc:Fallback xmlns="">
       <p:transition spd="med">
         <p:fade/>
       </p:transition>
@@ -40808,7 +42042,7 @@
 </p:sld>
 </file>
 
-<file path=ppt/slides/slide41.xml><?xml version="1.0" encoding="utf-8"?>
+<file path=ppt/slides/slide45.xml><?xml version="1.0" encoding="utf-8"?>
 <p:sld xmlns:a="http://schemas.openxmlformats.org/drawingml/2006/main" xmlns:r="http://schemas.openxmlformats.org/officeDocument/2006/relationships" xmlns:p="http://schemas.openxmlformats.org/presentationml/2006/main">
   <p:cSld>
     <p:spTree>
@@ -40936,15 +42170,47 @@
             </a:pPr>
             <a:r>
               <a:rPr lang="zh-CN" altLang="en-US" dirty="0"/>
-              <a:t>子弹将在屏幕中</a:t>
-            </a:r>
-            <a:r>
-              <a:rPr lang="zh-CN" altLang="en-US"/>
-              <a:t>向上飞行，并</a:t>
-            </a:r>
+              <a:t>子弹将在屏幕中向上飞行，并在抵达屏幕上边缘后消失。</a:t>
+            </a:r>
+            <a:endParaRPr lang="en-US" altLang="zh-CN" dirty="0"/>
+          </a:p>
+          <a:p>
+            <a:pPr marL="0" indent="0">
+              <a:buNone/>
+            </a:pPr>
+            <a:endParaRPr lang="en-US" altLang="zh-CN" i="0" u="none" strike="noStrike" baseline="0" dirty="0"/>
+          </a:p>
+          <a:p>
+            <a:pPr marL="0" indent="0">
+              <a:buNone/>
+            </a:pPr>
             <a:r>
               <a:rPr lang="zh-CN" altLang="en-US" dirty="0"/>
-              <a:t>在抵达屏幕上边缘后消失。</a:t>
+              <a:t>这节主要涉及到的概念是 </a:t>
+            </a:r>
+            <a:r>
+              <a:rPr lang="en-US" altLang="zh-CN" dirty="0" err="1"/>
+              <a:t>pygame</a:t>
+            </a:r>
+            <a:r>
+              <a:rPr lang="en-US" altLang="zh-CN" dirty="0"/>
+              <a:t> </a:t>
+            </a:r>
+            <a:r>
+              <a:rPr lang="zh-CN" altLang="en-US" dirty="0"/>
+              <a:t>的编组 </a:t>
+            </a:r>
+            <a:r>
+              <a:rPr lang="en-US" altLang="zh-CN" dirty="0" err="1"/>
+              <a:t>pygame.sprite.Group</a:t>
+            </a:r>
+            <a:r>
+              <a:rPr lang="en-US" altLang="zh-CN" dirty="0"/>
+              <a:t>()</a:t>
+            </a:r>
+            <a:r>
+              <a:rPr lang="zh-CN" altLang="en-US" dirty="0"/>
+              <a:t>，我们能通过编组统一操作其中的所有元素。</a:t>
             </a:r>
             <a:endParaRPr lang="en-US" altLang="zh-CN" i="0" u="none" strike="noStrike" baseline="0" dirty="0"/>
           </a:p>
@@ -40960,13 +42226,13 @@
   <p:clrMapOvr>
     <a:masterClrMapping/>
   </p:clrMapOvr>
-  <mc:AlternateContent xmlns:mc="http://schemas.openxmlformats.org/markup-compatibility/2006">
-    <mc:Choice xmlns:p14="http://schemas.microsoft.com/office/powerpoint/2010/main" Requires="p14">
+  <mc:AlternateContent xmlns:mc="http://schemas.openxmlformats.org/markup-compatibility/2006" xmlns:p14="http://schemas.microsoft.com/office/powerpoint/2010/main">
+    <mc:Choice Requires="p14">
       <p:transition spd="med" p14:dur="700">
         <p:fade/>
       </p:transition>
     </mc:Choice>
-    <mc:Fallback>
+    <mc:Fallback xmlns="">
       <p:transition spd="med">
         <p:fade/>
       </p:transition>
@@ -40975,7 +42241,308 @@
 </p:sld>
 </file>
 
-<file path=ppt/slides/slide42.xml><?xml version="1.0" encoding="utf-8"?>
+<file path=ppt/slides/slide46.xml><?xml version="1.0" encoding="utf-8"?>
+<p:sld xmlns:a="http://schemas.openxmlformats.org/drawingml/2006/main" xmlns:r="http://schemas.openxmlformats.org/officeDocument/2006/relationships" xmlns:p="http://schemas.openxmlformats.org/presentationml/2006/main">
+  <p:cSld>
+    <p:spTree>
+      <p:nvGrpSpPr>
+        <p:cNvPr id="1" name="">
+          <a:extLst>
+            <a:ext uri="{FF2B5EF4-FFF2-40B4-BE49-F238E27FC236}">
+              <a16:creationId xmlns:a16="http://schemas.microsoft.com/office/drawing/2014/main" id="{A1AE43D1-BAD1-4D3B-87CF-4DC09474C9ED}"/>
+            </a:ext>
+          </a:extLst>
+        </p:cNvPr>
+        <p:cNvGrpSpPr/>
+        <p:nvPr/>
+      </p:nvGrpSpPr>
+      <p:grpSpPr>
+        <a:xfrm>
+          <a:off x="0" y="0"/>
+          <a:ext cx="0" cy="0"/>
+          <a:chOff x="0" y="0"/>
+          <a:chExt cx="0" cy="0"/>
+        </a:xfrm>
+      </p:grpSpPr>
+      <p:sp>
+        <p:nvSpPr>
+          <p:cNvPr id="2" name="标题 1">
+            <a:extLst>
+              <a:ext uri="{FF2B5EF4-FFF2-40B4-BE49-F238E27FC236}">
+                <a16:creationId xmlns:a16="http://schemas.microsoft.com/office/drawing/2014/main" id="{1DCC7746-4463-84AC-C755-70C3725AE610}"/>
+              </a:ext>
+            </a:extLst>
+          </p:cNvPr>
+          <p:cNvSpPr>
+            <a:spLocks noGrp="1"/>
+          </p:cNvSpPr>
+          <p:nvPr>
+            <p:ph type="title"/>
+          </p:nvPr>
+        </p:nvSpPr>
+        <p:spPr/>
+        <p:txBody>
+          <a:bodyPr>
+            <a:normAutofit/>
+          </a:bodyPr>
+          <a:lstStyle/>
+          <a:p>
+            <a:r>
+              <a:rPr lang="en-US" altLang="zh-CN" dirty="0"/>
+              <a:t>12.8 </a:t>
+            </a:r>
+            <a:r>
+              <a:rPr lang="zh-CN" altLang="en-US" dirty="0"/>
+              <a:t>射击</a:t>
+            </a:r>
+            <a:endParaRPr lang="en-US" altLang="zh-CN" dirty="0"/>
+          </a:p>
+        </p:txBody>
+      </p:sp>
+      <p:pic>
+        <p:nvPicPr>
+          <p:cNvPr id="5" name="内容占位符 4">
+            <a:extLst>
+              <a:ext uri="{FF2B5EF4-FFF2-40B4-BE49-F238E27FC236}">
+                <a16:creationId xmlns:a16="http://schemas.microsoft.com/office/drawing/2014/main" id="{F7442EF2-A441-679C-8351-3639200EF1F7}"/>
+              </a:ext>
+            </a:extLst>
+          </p:cNvPr>
+          <p:cNvPicPr>
+            <a:picLocks noGrp="1" noChangeAspect="1"/>
+          </p:cNvPicPr>
+          <p:nvPr>
+            <p:ph idx="1"/>
+          </p:nvPr>
+        </p:nvPicPr>
+        <p:blipFill>
+          <a:blip r:embed="rId3"/>
+          <a:stretch>
+            <a:fillRect/>
+          </a:stretch>
+        </p:blipFill>
+        <p:spPr>
+          <a:xfrm>
+            <a:off x="3069495" y="1890713"/>
+            <a:ext cx="6053009" cy="4351337"/>
+          </a:xfrm>
+        </p:spPr>
+      </p:pic>
+    </p:spTree>
+    <p:extLst>
+      <p:ext uri="{BB962C8B-B14F-4D97-AF65-F5344CB8AC3E}">
+        <p14:creationId xmlns:p14="http://schemas.microsoft.com/office/powerpoint/2010/main" val="1202151542"/>
+      </p:ext>
+    </p:extLst>
+  </p:cSld>
+  <p:clrMapOvr>
+    <a:masterClrMapping/>
+  </p:clrMapOvr>
+  <mc:AlternateContent xmlns:mc="http://schemas.openxmlformats.org/markup-compatibility/2006" xmlns:p14="http://schemas.microsoft.com/office/powerpoint/2010/main">
+    <mc:Choice Requires="p14">
+      <p:transition spd="med" p14:dur="700">
+        <p:fade/>
+      </p:transition>
+    </mc:Choice>
+    <mc:Fallback xmlns="">
+      <p:transition spd="med">
+        <p:fade/>
+      </p:transition>
+    </mc:Fallback>
+  </mc:AlternateContent>
+</p:sld>
+</file>
+
+<file path=ppt/slides/slide47.xml><?xml version="1.0" encoding="utf-8"?>
+<p:sld xmlns:a="http://schemas.openxmlformats.org/drawingml/2006/main" xmlns:r="http://schemas.openxmlformats.org/officeDocument/2006/relationships" xmlns:p="http://schemas.openxmlformats.org/presentationml/2006/main">
+  <p:cSld>
+    <p:spTree>
+      <p:nvGrpSpPr>
+        <p:cNvPr id="1" name="">
+          <a:extLst>
+            <a:ext uri="{FF2B5EF4-FFF2-40B4-BE49-F238E27FC236}">
+              <a16:creationId xmlns:a16="http://schemas.microsoft.com/office/drawing/2014/main" id="{81999ACD-F965-020D-7C7D-D7EEB33291EC}"/>
+            </a:ext>
+          </a:extLst>
+        </p:cNvPr>
+        <p:cNvGrpSpPr/>
+        <p:nvPr/>
+      </p:nvGrpSpPr>
+      <p:grpSpPr>
+        <a:xfrm>
+          <a:off x="0" y="0"/>
+          <a:ext cx="0" cy="0"/>
+          <a:chOff x="0" y="0"/>
+          <a:chExt cx="0" cy="0"/>
+        </a:xfrm>
+      </p:grpSpPr>
+      <p:sp>
+        <p:nvSpPr>
+          <p:cNvPr id="2" name="标题 1">
+            <a:extLst>
+              <a:ext uri="{FF2B5EF4-FFF2-40B4-BE49-F238E27FC236}">
+                <a16:creationId xmlns:a16="http://schemas.microsoft.com/office/drawing/2014/main" id="{107A64E2-37D9-8B98-084C-3EAA7F7965CA}"/>
+              </a:ext>
+            </a:extLst>
+          </p:cNvPr>
+          <p:cNvSpPr>
+            <a:spLocks noGrp="1"/>
+          </p:cNvSpPr>
+          <p:nvPr>
+            <p:ph type="title"/>
+          </p:nvPr>
+        </p:nvSpPr>
+        <p:spPr/>
+        <p:txBody>
+          <a:bodyPr>
+            <a:normAutofit/>
+          </a:bodyPr>
+          <a:lstStyle/>
+          <a:p>
+            <a:r>
+              <a:rPr lang="en-US" altLang="zh-CN" dirty="0"/>
+              <a:t>12.6 </a:t>
+            </a:r>
+            <a:r>
+              <a:rPr lang="zh-CN" altLang="en-US" dirty="0"/>
+              <a:t>驾驶飞船</a:t>
+            </a:r>
+            <a:endParaRPr lang="en-US" altLang="zh-CN" dirty="0"/>
+          </a:p>
+        </p:txBody>
+      </p:sp>
+      <p:sp>
+        <p:nvSpPr>
+          <p:cNvPr id="3" name="内容占位符 2">
+            <a:extLst>
+              <a:ext uri="{FF2B5EF4-FFF2-40B4-BE49-F238E27FC236}">
+                <a16:creationId xmlns:a16="http://schemas.microsoft.com/office/drawing/2014/main" id="{7E27753A-1A16-3133-4618-1E90502DB7AF}"/>
+              </a:ext>
+            </a:extLst>
+          </p:cNvPr>
+          <p:cNvSpPr>
+            <a:spLocks noGrp="1"/>
+          </p:cNvSpPr>
+          <p:nvPr>
+            <p:ph idx="1"/>
+          </p:nvPr>
+        </p:nvSpPr>
+        <p:spPr/>
+        <p:txBody>
+          <a:bodyPr>
+            <a:normAutofit/>
+          </a:bodyPr>
+          <a:lstStyle/>
+          <a:p>
+            <a:pPr marL="0" indent="0">
+              <a:buNone/>
+            </a:pPr>
+            <a:r>
+              <a:rPr lang="zh-CN" altLang="en-US" sz="3200" dirty="0"/>
+              <a:t>在 </a:t>
+            </a:r>
+            <a:r>
+              <a:rPr lang="en-US" altLang="zh-CN" sz="3200" dirty="0"/>
+              <a:t>12.8.1~12.8.3 </a:t>
+            </a:r>
+            <a:r>
+              <a:rPr lang="zh-CN" altLang="en-US" sz="3200" dirty="0"/>
+              <a:t>节中，我们将会创建子弹的基本类，并利用 </a:t>
+            </a:r>
+            <a:r>
+              <a:rPr lang="en-US" altLang="zh-CN" sz="3200" dirty="0" err="1"/>
+              <a:t>pygame</a:t>
+            </a:r>
+            <a:r>
+              <a:rPr lang="en-US" altLang="zh-CN" sz="3200" dirty="0"/>
+              <a:t> </a:t>
+            </a:r>
+            <a:r>
+              <a:rPr lang="zh-CN" altLang="en-US" sz="3200" dirty="0"/>
+              <a:t>的编组功能统一管理子弹。</a:t>
+            </a:r>
+            <a:endParaRPr lang="en-US" altLang="zh-CN" sz="3200" dirty="0"/>
+          </a:p>
+          <a:p>
+            <a:pPr marL="0" indent="0">
+              <a:buNone/>
+            </a:pPr>
+            <a:r>
+              <a:rPr lang="zh-CN" altLang="en-US" sz="3200" dirty="0"/>
+              <a:t>在 </a:t>
+            </a:r>
+            <a:r>
+              <a:rPr lang="en-US" altLang="zh-CN" sz="3200" dirty="0"/>
+              <a:t>12.8.4</a:t>
+            </a:r>
+            <a:r>
+              <a:rPr lang="zh-CN" altLang="en-US" sz="3200" dirty="0"/>
+              <a:t> 节中，我们实现开火功能，为此需要监听用户的空格按下事件。</a:t>
+            </a:r>
+            <a:endParaRPr lang="en-US" altLang="zh-CN" sz="3200" dirty="0"/>
+          </a:p>
+          <a:p>
+            <a:pPr marL="0" indent="0">
+              <a:buNone/>
+            </a:pPr>
+            <a:r>
+              <a:rPr lang="zh-CN" altLang="en-US" sz="3200" dirty="0"/>
+              <a:t>在</a:t>
+            </a:r>
+            <a:r>
+              <a:rPr lang="en-US" altLang="zh-CN" sz="3200" dirty="0"/>
+              <a:t> 12.8.5 </a:t>
+            </a:r>
+            <a:r>
+              <a:rPr lang="zh-CN" altLang="en-US" sz="3200" dirty="0"/>
+              <a:t>节中，我们将继续完善游戏，并且防止越界的“无效”子弹浪费系统资源，并在 </a:t>
+            </a:r>
+            <a:r>
+              <a:rPr lang="en-US" altLang="zh-CN" sz="3200" dirty="0"/>
+              <a:t>12.8.6 </a:t>
+            </a:r>
+            <a:r>
+              <a:rPr lang="zh-CN" altLang="en-US" sz="3200" dirty="0"/>
+              <a:t>节中加入限制子弹数量功能，以免用户持续发出过多子弹，最后在 </a:t>
+            </a:r>
+            <a:r>
+              <a:rPr lang="en-US" altLang="zh-CN" sz="3200" dirty="0"/>
+              <a:t>12.8.7 </a:t>
+            </a:r>
+            <a:r>
+              <a:rPr lang="zh-CN" altLang="en-US" sz="3200" dirty="0"/>
+              <a:t>中再做个小重构。</a:t>
+            </a:r>
+            <a:endParaRPr lang="en-US" altLang="zh-CN" sz="3200" dirty="0"/>
+          </a:p>
+        </p:txBody>
+      </p:sp>
+    </p:spTree>
+    <p:extLst>
+      <p:ext uri="{BB962C8B-B14F-4D97-AF65-F5344CB8AC3E}">
+        <p14:creationId xmlns:p14="http://schemas.microsoft.com/office/powerpoint/2010/main" val="4256865596"/>
+      </p:ext>
+    </p:extLst>
+  </p:cSld>
+  <p:clrMapOvr>
+    <a:masterClrMapping/>
+  </p:clrMapOvr>
+  <mc:AlternateContent xmlns:mc="http://schemas.openxmlformats.org/markup-compatibility/2006" xmlns:p14="http://schemas.microsoft.com/office/powerpoint/2010/main">
+    <mc:Choice Requires="p14">
+      <p:transition spd="med" p14:dur="700">
+        <p:fade/>
+      </p:transition>
+    </mc:Choice>
+    <mc:Fallback xmlns="">
+      <p:transition spd="med">
+        <p:fade/>
+      </p:transition>
+    </mc:Fallback>
+  </mc:AlternateContent>
+</p:sld>
+</file>
+
+<file path=ppt/slides/slide48.xml><?xml version="1.0" encoding="utf-8"?>
 <p:sld xmlns:a="http://schemas.openxmlformats.org/drawingml/2006/main" xmlns:r="http://schemas.openxmlformats.org/officeDocument/2006/relationships" xmlns:p="http://schemas.openxmlformats.org/presentationml/2006/main">
   <p:cSld>
     <p:spTree>
@@ -41058,31 +42625,64 @@
             </a:pPr>
             <a:r>
               <a:rPr lang="zh-CN" altLang="en-US" dirty="0"/>
-              <a:t>学习了</a:t>
+              <a:t>在本章中。你首先学习了游戏开发计划的制定以及使用 </a:t>
+            </a:r>
+            <a:r>
+              <a:rPr lang="en-US" altLang="zh-CN" dirty="0" err="1"/>
+              <a:t>Pygame</a:t>
+            </a:r>
+            <a:r>
+              <a:rPr lang="en-US" altLang="zh-CN" dirty="0"/>
+              <a:t> </a:t>
+            </a:r>
+            <a:r>
+              <a:rPr lang="zh-CN" altLang="en-US" dirty="0"/>
+              <a:t>编写的游戏的基本结构。接着学习了如何设置背景色，以及如何将设置存储在独立的类中，以便轻松地调整。然后学习了如何在屏幕上绘制图像，以及如何让玩家控制游戏元素的移动。你不仅创建了能自动移动的元素，如在屏幕中向上飞行的子弹</a:t>
+            </a:r>
+            <a:r>
+              <a:rPr lang="en-US" altLang="zh-CN" dirty="0"/>
+              <a:t>,</a:t>
+            </a:r>
+            <a:r>
+              <a:rPr lang="zh-CN" altLang="en-US" dirty="0"/>
+              <a:t>还删除了不再需要的对象。最后，你学习了如何定期重构项目的代码，为后续开发提供便利。</a:t>
             </a:r>
             <a:endParaRPr lang="en-US" altLang="zh-CN" dirty="0"/>
           </a:p>
           <a:p>
-            <a:pPr>
-              <a:lnSpc>
-                <a:spcPct val="100000"/>
-              </a:lnSpc>
-            </a:pPr>
-            <a:endParaRPr lang="en-US" altLang="zh-CN" dirty="0"/>
-          </a:p>
-          <a:p>
             <a:r>
               <a:rPr lang="zh-CN" altLang="en-US" dirty="0"/>
-              <a:t>在下一</a:t>
-            </a:r>
-            <a:r>
-              <a:rPr lang="zh-CN" altLang="en-US"/>
-              <a:t>章中，我们</a:t>
+              <a:t>在下一章中，我们将在游戏</a:t>
+            </a:r>
+            <a:r>
+              <a:rPr lang="en-US" altLang="zh-CN" dirty="0"/>
+              <a:t>《</a:t>
             </a:r>
             <a:r>
               <a:rPr lang="zh-CN" altLang="en-US" dirty="0"/>
-              <a:t>将学习</a:t>
-            </a:r>
+              <a:t>外星人入侵</a:t>
+            </a:r>
+            <a:r>
+              <a:rPr lang="en-US" altLang="zh-CN" dirty="0"/>
+              <a:t>》</a:t>
+            </a:r>
+            <a:r>
+              <a:rPr lang="zh-CN" altLang="en-US" dirty="0"/>
+              <a:t>中添加外星人。学完这一章，你将能够击落外 星人</a:t>
+            </a:r>
+            <a:r>
+              <a:rPr lang="en-US" altLang="zh-CN" dirty="0"/>
+              <a:t>——</a:t>
+            </a:r>
+            <a:r>
+              <a:rPr lang="zh-CN" altLang="en-US" dirty="0"/>
+              <a:t>但愿是在其撞到飞船之前</a:t>
+            </a:r>
+            <a:r>
+              <a:rPr lang="en-US" altLang="zh-CN" dirty="0"/>
+              <a:t>!</a:t>
+            </a:r>
+            <a:endParaRPr lang="zh-CN" altLang="en-US" dirty="0"/>
           </a:p>
         </p:txBody>
       </p:sp>
@@ -41099,7 +42699,7 @@
 </p:sld>
 </file>
 
-<file path=ppt/slides/slide43.xml><?xml version="1.0" encoding="utf-8"?>
+<file path=ppt/slides/slide49.xml><?xml version="1.0" encoding="utf-8"?>
 <p:sld xmlns:a="http://schemas.openxmlformats.org/drawingml/2006/main" xmlns:r="http://schemas.openxmlformats.org/officeDocument/2006/relationships" xmlns:p="http://schemas.openxmlformats.org/presentationml/2006/main">
   <p:cSld>
     <p:spTree>
@@ -41176,49 +42776,22 @@
           <a:lstStyle/>
           <a:p>
             <a:r>
-              <a:rPr lang="zh-CN" altLang="en-US" dirty="0"/>
-              <a:t>了解什么是版本控制，有哪些常用的工具</a:t>
-            </a:r>
-            <a:endParaRPr lang="en-US" altLang="zh-CN" dirty="0"/>
-          </a:p>
-          <a:p>
-            <a:pPr marL="0" indent="0">
-              <a:buNone/>
-            </a:pPr>
-            <a:endParaRPr lang="en-US" altLang="zh-CN" dirty="0"/>
-          </a:p>
-          <a:p>
-            <a:pPr marL="0" indent="0">
-              <a:buNone/>
-            </a:pPr>
-            <a:r>
-              <a:rPr lang="zh-CN" altLang="en-US" dirty="0">
-                <a:highlight>
-                  <a:srgbClr val="C0C0C0"/>
-                </a:highlight>
-              </a:rPr>
-              <a:t>可选拓展</a:t>
-            </a:r>
-            <a:endParaRPr lang="en-US" altLang="zh-CN" dirty="0">
-              <a:highlight>
-                <a:srgbClr val="C0C0C0"/>
-              </a:highlight>
+              <a:rPr lang="zh-CN" altLang="en-US" sz="4800" dirty="0">
+                <a:solidFill>
+                  <a:schemeClr val="accent6">
+                    <a:lumMod val="75000"/>
+                  </a:schemeClr>
+                </a:solidFill>
+              </a:rPr>
+              <a:t>玩的开心！</a:t>
+            </a:r>
+            <a:endParaRPr lang="en-US" altLang="zh-CN" sz="4800" dirty="0">
+              <a:solidFill>
+                <a:schemeClr val="accent6">
+                  <a:lumMod val="75000"/>
+                </a:schemeClr>
+              </a:solidFill>
             </a:endParaRPr>
-          </a:p>
-          <a:p>
-            <a:r>
-              <a:rPr lang="zh-CN" altLang="en-US" dirty="0"/>
-              <a:t>学习并使用 </a:t>
-            </a:r>
-            <a:r>
-              <a:rPr lang="en-US" altLang="zh-CN" dirty="0"/>
-              <a:t>git </a:t>
-            </a:r>
-            <a:r>
-              <a:rPr lang="zh-CN" altLang="en-US" dirty="0"/>
-              <a:t>管理项目</a:t>
-            </a:r>
-            <a:endParaRPr lang="en-US" altLang="zh-CN" dirty="0"/>
           </a:p>
         </p:txBody>
       </p:sp>
@@ -41232,137 +42805,6 @@
   <p:clrMapOvr>
     <a:masterClrMapping/>
   </p:clrMapOvr>
-  <p:timing>
-    <p:tnLst>
-      <p:par>
-        <p:cTn id="1" dur="indefinite" restart="never" nodeType="tmRoot">
-          <p:childTnLst>
-            <p:seq concurrent="1" nextAc="seek">
-              <p:cTn id="2" dur="indefinite" nodeType="mainSeq">
-                <p:childTnLst>
-                  <p:par>
-                    <p:cTn id="3" fill="hold">
-                      <p:stCondLst>
-                        <p:cond delay="indefinite"/>
-                      </p:stCondLst>
-                      <p:childTnLst>
-                        <p:par>
-                          <p:cTn id="4" fill="hold">
-                            <p:stCondLst>
-                              <p:cond delay="0"/>
-                            </p:stCondLst>
-                            <p:childTnLst>
-                              <p:par>
-                                <p:cTn id="5" presetID="1" presetClass="entr" presetSubtype="0" fill="hold" grpId="0" nodeType="clickEffect">
-                                  <p:stCondLst>
-                                    <p:cond delay="0"/>
-                                  </p:stCondLst>
-                                  <p:childTnLst>
-                                    <p:set>
-                                      <p:cBhvr>
-                                        <p:cTn id="6" dur="1" fill="hold">
-                                          <p:stCondLst>
-                                            <p:cond delay="0"/>
-                                          </p:stCondLst>
-                                        </p:cTn>
-                                        <p:tgtEl>
-                                          <p:spTgt spid="3">
-                                            <p:txEl>
-                                              <p:pRg st="2" end="2"/>
-                                            </p:txEl>
-                                          </p:spTgt>
-                                        </p:tgtEl>
-                                        <p:attrNameLst>
-                                          <p:attrName>style.visibility</p:attrName>
-                                        </p:attrNameLst>
-                                      </p:cBhvr>
-                                      <p:to>
-                                        <p:strVal val="visible"/>
-                                      </p:to>
-                                    </p:set>
-                                  </p:childTnLst>
-                                </p:cTn>
-                              </p:par>
-                            </p:childTnLst>
-                          </p:cTn>
-                        </p:par>
-                      </p:childTnLst>
-                    </p:cTn>
-                  </p:par>
-                  <p:par>
-                    <p:cTn id="7" fill="hold">
-                      <p:stCondLst>
-                        <p:cond delay="indefinite"/>
-                      </p:stCondLst>
-                      <p:childTnLst>
-                        <p:par>
-                          <p:cTn id="8" fill="hold">
-                            <p:stCondLst>
-                              <p:cond delay="0"/>
-                            </p:stCondLst>
-                            <p:childTnLst>
-                              <p:par>
-                                <p:cTn id="9" presetID="1" presetClass="entr" presetSubtype="0" fill="hold" grpId="0" nodeType="clickEffect">
-                                  <p:stCondLst>
-                                    <p:cond delay="0"/>
-                                  </p:stCondLst>
-                                  <p:childTnLst>
-                                    <p:set>
-                                      <p:cBhvr>
-                                        <p:cTn id="10" dur="1" fill="hold">
-                                          <p:stCondLst>
-                                            <p:cond delay="0"/>
-                                          </p:stCondLst>
-                                        </p:cTn>
-                                        <p:tgtEl>
-                                          <p:spTgt spid="3">
-                                            <p:txEl>
-                                              <p:pRg st="3" end="3"/>
-                                            </p:txEl>
-                                          </p:spTgt>
-                                        </p:tgtEl>
-                                        <p:attrNameLst>
-                                          <p:attrName>style.visibility</p:attrName>
-                                        </p:attrNameLst>
-                                      </p:cBhvr>
-                                      <p:to>
-                                        <p:strVal val="visible"/>
-                                      </p:to>
-                                    </p:set>
-                                  </p:childTnLst>
-                                </p:cTn>
-                              </p:par>
-                            </p:childTnLst>
-                          </p:cTn>
-                        </p:par>
-                      </p:childTnLst>
-                    </p:cTn>
-                  </p:par>
-                </p:childTnLst>
-              </p:cTn>
-              <p:prevCondLst>
-                <p:cond evt="onPrev" delay="0">
-                  <p:tgtEl>
-                    <p:sldTgt/>
-                  </p:tgtEl>
-                </p:cond>
-              </p:prevCondLst>
-              <p:nextCondLst>
-                <p:cond evt="onNext" delay="0">
-                  <p:tgtEl>
-                    <p:sldTgt/>
-                  </p:tgtEl>
-                </p:cond>
-              </p:nextCondLst>
-            </p:seq>
-          </p:childTnLst>
-        </p:cTn>
-      </p:par>
-    </p:tnLst>
-    <p:bldLst>
-      <p:bldP spid="3" grpId="0" uiExpand="1" build="p"/>
-    </p:bldLst>
-  </p:timing>
 </p:sld>
 </file>
 

--- a/PPT/chapter12.pptx
+++ b/PPT/chapter12.pptx
@@ -2,7 +2,7 @@
 <file path=ppt/presentation.xml><?xml version="1.0" encoding="utf-8"?>
 <p:presentation xmlns:a="http://schemas.openxmlformats.org/drawingml/2006/main" xmlns:r="http://schemas.openxmlformats.org/officeDocument/2006/relationships" xmlns:p="http://schemas.openxmlformats.org/presentationml/2006/main" saveSubsetFonts="1">
   <p:sldMasterIdLst>
-    <p:sldMasterId id="2147483648" r:id="rId1"/>
+    <p:sldMasterId id="2147483675" r:id="rId1"/>
   </p:sldMasterIdLst>
   <p:notesMasterIdLst>
     <p:notesMasterId r:id="rId51"/>
@@ -11,7 +11,7 @@
     <p:handoutMasterId r:id="rId52"/>
   </p:handoutMasterIdLst>
   <p:sldIdLst>
-    <p:sldId id="260" r:id="rId2"/>
+    <p:sldId id="573" r:id="rId2"/>
     <p:sldId id="366" r:id="rId3"/>
     <p:sldId id="257" r:id="rId4"/>
     <p:sldId id="368" r:id="rId5"/>
@@ -252,676 +252,6 @@
           <pc:sldMk cId="364430658" sldId="282"/>
         </pc:sldMkLst>
       </pc:sldChg>
-    </pc:docChg>
-  </pc:docChgLst>
-  <pc:docChgLst>
-    <pc:chgData name="Scruel Tao" userId="5ea5c98d59b44d4b" providerId="LiveId" clId="{A52ED264-C864-416B-BFF4-46855FE833A0}"/>
-    <pc:docChg chg="undo redo custSel addSld delSld modSld modMainMaster">
-      <pc:chgData name="Scruel Tao" userId="5ea5c98d59b44d4b" providerId="LiveId" clId="{A52ED264-C864-416B-BFF4-46855FE833A0}" dt="2023-04-25T06:04:49.595" v="147" actId="47"/>
-      <pc:docMkLst>
-        <pc:docMk/>
-      </pc:docMkLst>
-      <pc:sldChg chg="modSp mod">
-        <pc:chgData name="Scruel Tao" userId="5ea5c98d59b44d4b" providerId="LiveId" clId="{A52ED264-C864-416B-BFF4-46855FE833A0}" dt="2023-04-25T06:04:25.067" v="132" actId="20577"/>
-        <pc:sldMkLst>
-          <pc:docMk/>
-          <pc:sldMk cId="1112998187" sldId="257"/>
-        </pc:sldMkLst>
-        <pc:spChg chg="mod">
-          <ac:chgData name="Scruel Tao" userId="5ea5c98d59b44d4b" providerId="LiveId" clId="{A52ED264-C864-416B-BFF4-46855FE833A0}" dt="2023-04-25T05:55:34.925" v="7" actId="20577"/>
-          <ac:spMkLst>
-            <pc:docMk/>
-            <pc:sldMk cId="1112998187" sldId="257"/>
-            <ac:spMk id="2" creationId="{1422DFF6-0952-1023-64E3-97184D36BE3F}"/>
-          </ac:spMkLst>
-        </pc:spChg>
-        <pc:spChg chg="mod">
-          <ac:chgData name="Scruel Tao" userId="5ea5c98d59b44d4b" providerId="LiveId" clId="{A52ED264-C864-416B-BFF4-46855FE833A0}" dt="2023-04-25T06:04:25.067" v="132" actId="20577"/>
-          <ac:spMkLst>
-            <pc:docMk/>
-            <pc:sldMk cId="1112998187" sldId="257"/>
-            <ac:spMk id="3" creationId="{AC7759D9-0BB4-08ED-8476-24F7D903D6DE}"/>
-          </ac:spMkLst>
-        </pc:spChg>
-      </pc:sldChg>
-      <pc:sldChg chg="del">
-        <pc:chgData name="Scruel Tao" userId="5ea5c98d59b44d4b" providerId="LiveId" clId="{A52ED264-C864-416B-BFF4-46855FE833A0}" dt="2023-04-25T06:04:27.581" v="133" actId="47"/>
-        <pc:sldMkLst>
-          <pc:docMk/>
-          <pc:sldMk cId="3636494425" sldId="258"/>
-        </pc:sldMkLst>
-      </pc:sldChg>
-      <pc:sldChg chg="modSp mod">
-        <pc:chgData name="Scruel Tao" userId="5ea5c98d59b44d4b" providerId="LiveId" clId="{A52ED264-C864-416B-BFF4-46855FE833A0}" dt="2023-04-25T06:04:37.445" v="134"/>
-        <pc:sldMkLst>
-          <pc:docMk/>
-          <pc:sldMk cId="1199684676" sldId="259"/>
-        </pc:sldMkLst>
-        <pc:spChg chg="mod">
-          <ac:chgData name="Scruel Tao" userId="5ea5c98d59b44d4b" providerId="LiveId" clId="{A52ED264-C864-416B-BFF4-46855FE833A0}" dt="2023-04-25T06:04:37.445" v="134"/>
-          <ac:spMkLst>
-            <pc:docMk/>
-            <pc:sldMk cId="1199684676" sldId="259"/>
-            <ac:spMk id="2" creationId="{ABA783DF-49A6-7EF1-661E-C574E2C2F386}"/>
-          </ac:spMkLst>
-        </pc:spChg>
-      </pc:sldChg>
-      <pc:sldChg chg="modSp">
-        <pc:chgData name="Scruel Tao" userId="5ea5c98d59b44d4b" providerId="LiveId" clId="{A52ED264-C864-416B-BFF4-46855FE833A0}" dt="2023-04-25T05:55:16.475" v="3" actId="113"/>
-        <pc:sldMkLst>
-          <pc:docMk/>
-          <pc:sldMk cId="0" sldId="260"/>
-        </pc:sldMkLst>
-        <pc:spChg chg="mod">
-          <ac:chgData name="Scruel Tao" userId="5ea5c98d59b44d4b" providerId="LiveId" clId="{A52ED264-C864-416B-BFF4-46855FE833A0}" dt="2023-04-25T05:55:16.475" v="3" actId="113"/>
-          <ac:spMkLst>
-            <pc:docMk/>
-            <pc:sldMk cId="0" sldId="260"/>
-            <ac:spMk id="1227786" creationId="{C3F4DD20-8FA3-3CB0-19B6-FE0240B92A34}"/>
-          </ac:spMkLst>
-        </pc:spChg>
-      </pc:sldChg>
-      <pc:sldChg chg="del">
-        <pc:chgData name="Scruel Tao" userId="5ea5c98d59b44d4b" providerId="LiveId" clId="{A52ED264-C864-416B-BFF4-46855FE833A0}" dt="2023-04-25T06:04:41.889" v="135" actId="47"/>
-        <pc:sldMkLst>
-          <pc:docMk/>
-          <pc:sldMk cId="3351160539" sldId="261"/>
-        </pc:sldMkLst>
-      </pc:sldChg>
-      <pc:sldChg chg="del">
-        <pc:chgData name="Scruel Tao" userId="5ea5c98d59b44d4b" providerId="LiveId" clId="{A52ED264-C864-416B-BFF4-46855FE833A0}" dt="2023-04-25T06:04:42.937" v="138" actId="47"/>
-        <pc:sldMkLst>
-          <pc:docMk/>
-          <pc:sldMk cId="1122177192" sldId="262"/>
-        </pc:sldMkLst>
-      </pc:sldChg>
-      <pc:sldChg chg="del">
-        <pc:chgData name="Scruel Tao" userId="5ea5c98d59b44d4b" providerId="LiveId" clId="{A52ED264-C864-416B-BFF4-46855FE833A0}" dt="2023-04-25T06:04:43.130" v="139" actId="47"/>
-        <pc:sldMkLst>
-          <pc:docMk/>
-          <pc:sldMk cId="3745137309" sldId="263"/>
-        </pc:sldMkLst>
-      </pc:sldChg>
-      <pc:sldChg chg="del">
-        <pc:chgData name="Scruel Tao" userId="5ea5c98d59b44d4b" providerId="LiveId" clId="{A52ED264-C864-416B-BFF4-46855FE833A0}" dt="2023-04-25T06:04:42.768" v="137" actId="47"/>
-        <pc:sldMkLst>
-          <pc:docMk/>
-          <pc:sldMk cId="3725727672" sldId="264"/>
-        </pc:sldMkLst>
-      </pc:sldChg>
-      <pc:sldChg chg="del">
-        <pc:chgData name="Scruel Tao" userId="5ea5c98d59b44d4b" providerId="LiveId" clId="{A52ED264-C864-416B-BFF4-46855FE833A0}" dt="2023-04-25T06:04:43.938" v="140" actId="47"/>
-        <pc:sldMkLst>
-          <pc:docMk/>
-          <pc:sldMk cId="3416507657" sldId="265"/>
-        </pc:sldMkLst>
-      </pc:sldChg>
-      <pc:sldChg chg="del">
-        <pc:chgData name="Scruel Tao" userId="5ea5c98d59b44d4b" providerId="LiveId" clId="{A52ED264-C864-416B-BFF4-46855FE833A0}" dt="2023-04-25T06:04:42.150" v="136" actId="47"/>
-        <pc:sldMkLst>
-          <pc:docMk/>
-          <pc:sldMk cId="192831406" sldId="270"/>
-        </pc:sldMkLst>
-      </pc:sldChg>
-      <pc:sldChg chg="del">
-        <pc:chgData name="Scruel Tao" userId="5ea5c98d59b44d4b" providerId="LiveId" clId="{A52ED264-C864-416B-BFF4-46855FE833A0}" dt="2023-04-25T06:04:44.362" v="141" actId="47"/>
-        <pc:sldMkLst>
-          <pc:docMk/>
-          <pc:sldMk cId="555885545" sldId="271"/>
-        </pc:sldMkLst>
-      </pc:sldChg>
-      <pc:sldChg chg="del">
-        <pc:chgData name="Scruel Tao" userId="5ea5c98d59b44d4b" providerId="LiveId" clId="{A52ED264-C864-416B-BFF4-46855FE833A0}" dt="2023-04-25T06:04:45.421" v="143" actId="47"/>
-        <pc:sldMkLst>
-          <pc:docMk/>
-          <pc:sldMk cId="1518949093" sldId="272"/>
-        </pc:sldMkLst>
-      </pc:sldChg>
-      <pc:sldChg chg="del">
-        <pc:chgData name="Scruel Tao" userId="5ea5c98d59b44d4b" providerId="LiveId" clId="{A52ED264-C864-416B-BFF4-46855FE833A0}" dt="2023-04-25T06:04:45.923" v="144" actId="47"/>
-        <pc:sldMkLst>
-          <pc:docMk/>
-          <pc:sldMk cId="1301849154" sldId="273"/>
-        </pc:sldMkLst>
-      </pc:sldChg>
-      <pc:sldChg chg="add del">
-        <pc:chgData name="Scruel Tao" userId="5ea5c98d59b44d4b" providerId="LiveId" clId="{A52ED264-C864-416B-BFF4-46855FE833A0}" dt="2023-04-25T06:04:49.595" v="147" actId="47"/>
-        <pc:sldMkLst>
-          <pc:docMk/>
-          <pc:sldMk cId="2878673110" sldId="274"/>
-        </pc:sldMkLst>
-      </pc:sldChg>
-      <pc:sldChg chg="del">
-        <pc:chgData name="Scruel Tao" userId="5ea5c98d59b44d4b" providerId="LiveId" clId="{A52ED264-C864-416B-BFF4-46855FE833A0}" dt="2023-04-25T06:04:44.775" v="142" actId="47"/>
-        <pc:sldMkLst>
-          <pc:docMk/>
-          <pc:sldMk cId="1525970791" sldId="275"/>
-        </pc:sldMkLst>
-      </pc:sldChg>
-      <pc:sldMasterChg chg="modSldLayout">
-        <pc:chgData name="Scruel Tao" userId="5ea5c98d59b44d4b" providerId="LiveId" clId="{A52ED264-C864-416B-BFF4-46855FE833A0}" dt="2023-04-25T06:02:10.750" v="86" actId="14100"/>
-        <pc:sldMasterMkLst>
-          <pc:docMk/>
-          <pc:sldMasterMk cId="1766057859" sldId="2147483648"/>
-        </pc:sldMasterMkLst>
-        <pc:sldLayoutChg chg="modSp mod">
-          <pc:chgData name="Scruel Tao" userId="5ea5c98d59b44d4b" providerId="LiveId" clId="{A52ED264-C864-416B-BFF4-46855FE833A0}" dt="2023-04-25T06:02:04.393" v="84" actId="14100"/>
-          <pc:sldLayoutMkLst>
-            <pc:docMk/>
-            <pc:sldMasterMk cId="1766057859" sldId="2147483648"/>
-            <pc:sldLayoutMk cId="2116765151" sldId="2147483650"/>
-          </pc:sldLayoutMkLst>
-          <pc:spChg chg="mod">
-            <ac:chgData name="Scruel Tao" userId="5ea5c98d59b44d4b" providerId="LiveId" clId="{A52ED264-C864-416B-BFF4-46855FE833A0}" dt="2023-04-25T06:02:04.393" v="84" actId="14100"/>
-            <ac:spMkLst>
-              <pc:docMk/>
-              <pc:sldMasterMk cId="1766057859" sldId="2147483648"/>
-              <pc:sldLayoutMk cId="2116765151" sldId="2147483650"/>
-              <ac:spMk id="7" creationId="{CC508A81-C1C7-B1D4-63BC-4C397A9B30DA}"/>
-            </ac:spMkLst>
-          </pc:spChg>
-        </pc:sldLayoutChg>
-        <pc:sldLayoutChg chg="modSp mod">
-          <pc:chgData name="Scruel Tao" userId="5ea5c98d59b44d4b" providerId="LiveId" clId="{A52ED264-C864-416B-BFF4-46855FE833A0}" dt="2023-04-25T06:02:10.750" v="86" actId="14100"/>
-          <pc:sldLayoutMkLst>
-            <pc:docMk/>
-            <pc:sldMasterMk cId="1766057859" sldId="2147483648"/>
-            <pc:sldLayoutMk cId="2296489930" sldId="2147483652"/>
-          </pc:sldLayoutMkLst>
-          <pc:spChg chg="mod">
-            <ac:chgData name="Scruel Tao" userId="5ea5c98d59b44d4b" providerId="LiveId" clId="{A52ED264-C864-416B-BFF4-46855FE833A0}" dt="2023-04-25T06:02:10.750" v="86" actId="14100"/>
-            <ac:spMkLst>
-              <pc:docMk/>
-              <pc:sldMasterMk cId="1766057859" sldId="2147483648"/>
-              <pc:sldLayoutMk cId="2296489930" sldId="2147483652"/>
-              <ac:spMk id="8" creationId="{C5A5C420-1B53-618C-C968-A8FEF109459A}"/>
-            </ac:spMkLst>
-          </pc:spChg>
-        </pc:sldLayoutChg>
-      </pc:sldMasterChg>
-    </pc:docChg>
-  </pc:docChgLst>
-  <pc:docChgLst>
-    <pc:chgData name="Scruel Tao" userId="5ea5c98d59b44d4b" providerId="LiveId" clId="{59D86E35-10FA-4374-BB25-1DB89747E90C}"/>
-    <pc:docChg chg="undo custSel modSld">
-      <pc:chgData name="Scruel Tao" userId="5ea5c98d59b44d4b" providerId="LiveId" clId="{59D86E35-10FA-4374-BB25-1DB89747E90C}" dt="2023-08-15T14:52:29.987" v="7" actId="13926"/>
-      <pc:docMkLst>
-        <pc:docMk/>
-      </pc:docMkLst>
-      <pc:sldChg chg="modSp mod">
-        <pc:chgData name="Scruel Tao" userId="5ea5c98d59b44d4b" providerId="LiveId" clId="{59D86E35-10FA-4374-BB25-1DB89747E90C}" dt="2023-08-15T14:52:29.987" v="7" actId="13926"/>
-        <pc:sldMkLst>
-          <pc:docMk/>
-          <pc:sldMk cId="1112998187" sldId="257"/>
-        </pc:sldMkLst>
-        <pc:spChg chg="mod">
-          <ac:chgData name="Scruel Tao" userId="5ea5c98d59b44d4b" providerId="LiveId" clId="{59D86E35-10FA-4374-BB25-1DB89747E90C}" dt="2023-08-15T14:52:29.987" v="7" actId="13926"/>
-          <ac:spMkLst>
-            <pc:docMk/>
-            <pc:sldMk cId="1112998187" sldId="257"/>
-            <ac:spMk id="3" creationId="{AC7759D9-0BB4-08ED-8476-24F7D903D6DE}"/>
-          </ac:spMkLst>
-        </pc:spChg>
-      </pc:sldChg>
-    </pc:docChg>
-  </pc:docChgLst>
-  <pc:docChgLst>
-    <pc:chgData name="Scruel Tao" userId="5ea5c98d59b44d4b" providerId="LiveId" clId="{674EA098-B68C-4352-821F-870A45EF42D6}"/>
-    <pc:docChg chg="undo custSel addSld delSld modSld modMainMaster">
-      <pc:chgData name="Scruel Tao" userId="5ea5c98d59b44d4b" providerId="LiveId" clId="{674EA098-B68C-4352-821F-870A45EF42D6}" dt="2023-05-16T04:01:14.303" v="159" actId="478"/>
-      <pc:docMkLst>
-        <pc:docMk/>
-      </pc:docMkLst>
-      <pc:sldChg chg="addSp modSp mod">
-        <pc:chgData name="Scruel Tao" userId="5ea5c98d59b44d4b" providerId="LiveId" clId="{674EA098-B68C-4352-821F-870A45EF42D6}" dt="2023-04-26T02:59:16.815" v="101"/>
-        <pc:sldMkLst>
-          <pc:docMk/>
-          <pc:sldMk cId="1112998187" sldId="257"/>
-        </pc:sldMkLst>
-        <pc:spChg chg="mod">
-          <ac:chgData name="Scruel Tao" userId="5ea5c98d59b44d4b" providerId="LiveId" clId="{674EA098-B68C-4352-821F-870A45EF42D6}" dt="2023-04-26T02:55:51.895" v="6" actId="20577"/>
-          <ac:spMkLst>
-            <pc:docMk/>
-            <pc:sldMk cId="1112998187" sldId="257"/>
-            <ac:spMk id="2" creationId="{1422DFF6-0952-1023-64E3-97184D36BE3F}"/>
-          </ac:spMkLst>
-        </pc:spChg>
-        <pc:spChg chg="mod">
-          <ac:chgData name="Scruel Tao" userId="5ea5c98d59b44d4b" providerId="LiveId" clId="{674EA098-B68C-4352-821F-870A45EF42D6}" dt="2023-04-26T02:59:02.076" v="98" actId="27636"/>
-          <ac:spMkLst>
-            <pc:docMk/>
-            <pc:sldMk cId="1112998187" sldId="257"/>
-            <ac:spMk id="3" creationId="{AC7759D9-0BB4-08ED-8476-24F7D903D6DE}"/>
-          </ac:spMkLst>
-        </pc:spChg>
-        <pc:spChg chg="add mod">
-          <ac:chgData name="Scruel Tao" userId="5ea5c98d59b44d4b" providerId="LiveId" clId="{674EA098-B68C-4352-821F-870A45EF42D6}" dt="2023-04-26T02:59:16.815" v="101"/>
-          <ac:spMkLst>
-            <pc:docMk/>
-            <pc:sldMk cId="1112998187" sldId="257"/>
-            <ac:spMk id="4" creationId="{A12471F3-FD01-5940-8D87-FFE6575BD7BE}"/>
-          </ac:spMkLst>
-        </pc:spChg>
-      </pc:sldChg>
-      <pc:sldChg chg="addSp delSp modSp mod">
-        <pc:chgData name="Scruel Tao" userId="5ea5c98d59b44d4b" providerId="LiveId" clId="{674EA098-B68C-4352-821F-870A45EF42D6}" dt="2023-05-16T04:01:03.944" v="157" actId="478"/>
-        <pc:sldMkLst>
-          <pc:docMk/>
-          <pc:sldMk cId="0" sldId="260"/>
-        </pc:sldMkLst>
-        <pc:spChg chg="del mod">
-          <ac:chgData name="Scruel Tao" userId="5ea5c98d59b44d4b" providerId="LiveId" clId="{674EA098-B68C-4352-821F-870A45EF42D6}" dt="2023-05-16T04:01:03.944" v="157" actId="478"/>
-          <ac:spMkLst>
-            <pc:docMk/>
-            <pc:sldMk cId="0" sldId="260"/>
-            <ac:spMk id="2" creationId="{51B8E4C0-E15B-4BD0-7B5B-A44A3D5B0C34}"/>
-          </ac:spMkLst>
-        </pc:spChg>
-        <pc:spChg chg="del">
-          <ac:chgData name="Scruel Tao" userId="5ea5c98d59b44d4b" providerId="LiveId" clId="{674EA098-B68C-4352-821F-870A45EF42D6}" dt="2023-05-03T00:12:04.289" v="140" actId="478"/>
-          <ac:spMkLst>
-            <pc:docMk/>
-            <pc:sldMk cId="0" sldId="260"/>
-            <ac:spMk id="3" creationId="{C8068F35-EF78-6218-F528-48E9ED924DF4}"/>
-          </ac:spMkLst>
-        </pc:spChg>
-        <pc:spChg chg="add mod">
-          <ac:chgData name="Scruel Tao" userId="5ea5c98d59b44d4b" providerId="LiveId" clId="{674EA098-B68C-4352-821F-870A45EF42D6}" dt="2023-05-03T00:12:04.512" v="141"/>
-          <ac:spMkLst>
-            <pc:docMk/>
-            <pc:sldMk cId="0" sldId="260"/>
-            <ac:spMk id="4" creationId="{97BC8378-E0E5-3093-EA92-C480D9146529}"/>
-          </ac:spMkLst>
-        </pc:spChg>
-        <pc:spChg chg="mod">
-          <ac:chgData name="Scruel Tao" userId="5ea5c98d59b44d4b" providerId="LiveId" clId="{674EA098-B68C-4352-821F-870A45EF42D6}" dt="2023-04-29T18:30:00.146" v="136"/>
-          <ac:spMkLst>
-            <pc:docMk/>
-            <pc:sldMk cId="0" sldId="260"/>
-            <ac:spMk id="1227783" creationId="{F7B3941E-B689-22D6-F18C-358E4BAEDF5F}"/>
-          </ac:spMkLst>
-        </pc:spChg>
-      </pc:sldChg>
-      <pc:sldChg chg="add del">
-        <pc:chgData name="Scruel Tao" userId="5ea5c98d59b44d4b" providerId="LiveId" clId="{674EA098-B68C-4352-821F-870A45EF42D6}" dt="2023-05-01T18:26:01.775" v="139" actId="47"/>
-        <pc:sldMkLst>
-          <pc:docMk/>
-          <pc:sldMk cId="2706538019" sldId="277"/>
-        </pc:sldMkLst>
-      </pc:sldChg>
-      <pc:sldChg chg="modSp mod modAnim">
-        <pc:chgData name="Scruel Tao" userId="5ea5c98d59b44d4b" providerId="LiveId" clId="{674EA098-B68C-4352-821F-870A45EF42D6}" dt="2023-04-29T18:27:20.288" v="128" actId="113"/>
-        <pc:sldMkLst>
-          <pc:docMk/>
-          <pc:sldMk cId="3519437269" sldId="279"/>
-        </pc:sldMkLst>
-        <pc:spChg chg="mod">
-          <ac:chgData name="Scruel Tao" userId="5ea5c98d59b44d4b" providerId="LiveId" clId="{674EA098-B68C-4352-821F-870A45EF42D6}" dt="2023-04-26T02:59:05.855" v="99"/>
-          <ac:spMkLst>
-            <pc:docMk/>
-            <pc:sldMk cId="3519437269" sldId="279"/>
-            <ac:spMk id="2" creationId="{BAD162F0-2175-84E9-2387-55F669162449}"/>
-          </ac:spMkLst>
-        </pc:spChg>
-        <pc:spChg chg="mod">
-          <ac:chgData name="Scruel Tao" userId="5ea5c98d59b44d4b" providerId="LiveId" clId="{674EA098-B68C-4352-821F-870A45EF42D6}" dt="2023-04-29T18:27:20.288" v="128" actId="113"/>
-          <ac:spMkLst>
-            <pc:docMk/>
-            <pc:sldMk cId="3519437269" sldId="279"/>
-            <ac:spMk id="7" creationId="{12C899D8-51C5-D9B7-A323-E6EFE4AB5C33}"/>
-          </ac:spMkLst>
-        </pc:spChg>
-      </pc:sldChg>
-      <pc:sldChg chg="add del">
-        <pc:chgData name="Scruel Tao" userId="5ea5c98d59b44d4b" providerId="LiveId" clId="{674EA098-B68C-4352-821F-870A45EF42D6}" dt="2023-04-29T14:09:26.479" v="126"/>
-        <pc:sldMkLst>
-          <pc:docMk/>
-          <pc:sldMk cId="3745708182" sldId="280"/>
-        </pc:sldMkLst>
-      </pc:sldChg>
-      <pc:sldChg chg="modSp del mod">
-        <pc:chgData name="Scruel Tao" userId="5ea5c98d59b44d4b" providerId="LiveId" clId="{674EA098-B68C-4352-821F-870A45EF42D6}" dt="2023-04-26T02:59:23.331" v="103" actId="47"/>
-        <pc:sldMkLst>
-          <pc:docMk/>
-          <pc:sldMk cId="364430658" sldId="282"/>
-        </pc:sldMkLst>
-        <pc:spChg chg="mod">
-          <ac:chgData name="Scruel Tao" userId="5ea5c98d59b44d4b" providerId="LiveId" clId="{674EA098-B68C-4352-821F-870A45EF42D6}" dt="2023-04-26T02:59:09.256" v="100"/>
-          <ac:spMkLst>
-            <pc:docMk/>
-            <pc:sldMk cId="364430658" sldId="282"/>
-            <ac:spMk id="2" creationId="{1CBF67D3-549D-0623-7687-618F66C7933B}"/>
-          </ac:spMkLst>
-        </pc:spChg>
-      </pc:sldChg>
-      <pc:sldChg chg="modSp add mod">
-        <pc:chgData name="Scruel Tao" userId="5ea5c98d59b44d4b" providerId="LiveId" clId="{674EA098-B68C-4352-821F-870A45EF42D6}" dt="2023-04-26T02:59:28.315" v="104"/>
-        <pc:sldMkLst>
-          <pc:docMk/>
-          <pc:sldMk cId="1832821127" sldId="283"/>
-        </pc:sldMkLst>
-        <pc:spChg chg="mod">
-          <ac:chgData name="Scruel Tao" userId="5ea5c98d59b44d4b" providerId="LiveId" clId="{674EA098-B68C-4352-821F-870A45EF42D6}" dt="2023-04-26T02:59:28.315" v="104"/>
-          <ac:spMkLst>
-            <pc:docMk/>
-            <pc:sldMk cId="1832821127" sldId="283"/>
-            <ac:spMk id="2" creationId="{1CBF67D3-549D-0623-7687-618F66C7933B}"/>
-          </ac:spMkLst>
-        </pc:spChg>
-      </pc:sldChg>
-      <pc:sldChg chg="add del">
-        <pc:chgData name="Scruel Tao" userId="5ea5c98d59b44d4b" providerId="LiveId" clId="{674EA098-B68C-4352-821F-870A45EF42D6}" dt="2023-04-29T14:09:28.312" v="127" actId="47"/>
-        <pc:sldMkLst>
-          <pc:docMk/>
-          <pc:sldMk cId="3894464876" sldId="284"/>
-        </pc:sldMkLst>
-      </pc:sldChg>
-      <pc:sldChg chg="modSp add mod">
-        <pc:chgData name="Scruel Tao" userId="5ea5c98d59b44d4b" providerId="LiveId" clId="{674EA098-B68C-4352-821F-870A45EF42D6}" dt="2023-04-29T18:27:21.696" v="129" actId="113"/>
-        <pc:sldMkLst>
-          <pc:docMk/>
-          <pc:sldMk cId="1666548335" sldId="285"/>
-        </pc:sldMkLst>
-        <pc:spChg chg="mod">
-          <ac:chgData name="Scruel Tao" userId="5ea5c98d59b44d4b" providerId="LiveId" clId="{674EA098-B68C-4352-821F-870A45EF42D6}" dt="2023-04-26T08:28:45.285" v="115" actId="2711"/>
-          <ac:spMkLst>
-            <pc:docMk/>
-            <pc:sldMk cId="1666548335" sldId="285"/>
-            <ac:spMk id="2" creationId="{BAD162F0-2175-84E9-2387-55F669162449}"/>
-          </ac:spMkLst>
-        </pc:spChg>
-        <pc:spChg chg="mod">
-          <ac:chgData name="Scruel Tao" userId="5ea5c98d59b44d4b" providerId="LiveId" clId="{674EA098-B68C-4352-821F-870A45EF42D6}" dt="2023-04-29T18:27:21.696" v="129" actId="113"/>
-          <ac:spMkLst>
-            <pc:docMk/>
-            <pc:sldMk cId="1666548335" sldId="285"/>
-            <ac:spMk id="7" creationId="{12C899D8-51C5-D9B7-A323-E6EFE4AB5C33}"/>
-          </ac:spMkLst>
-        </pc:spChg>
-      </pc:sldChg>
-      <pc:sldChg chg="modSp add mod">
-        <pc:chgData name="Scruel Tao" userId="5ea5c98d59b44d4b" providerId="LiveId" clId="{674EA098-B68C-4352-821F-870A45EF42D6}" dt="2023-04-29T18:27:22.727" v="130" actId="113"/>
-        <pc:sldMkLst>
-          <pc:docMk/>
-          <pc:sldMk cId="3879444363" sldId="286"/>
-        </pc:sldMkLst>
-        <pc:spChg chg="mod">
-          <ac:chgData name="Scruel Tao" userId="5ea5c98d59b44d4b" providerId="LiveId" clId="{674EA098-B68C-4352-821F-870A45EF42D6}" dt="2023-04-26T08:28:48.828" v="116"/>
-          <ac:spMkLst>
-            <pc:docMk/>
-            <pc:sldMk cId="3879444363" sldId="286"/>
-            <ac:spMk id="2" creationId="{BAD162F0-2175-84E9-2387-55F669162449}"/>
-          </ac:spMkLst>
-        </pc:spChg>
-        <pc:spChg chg="mod">
-          <ac:chgData name="Scruel Tao" userId="5ea5c98d59b44d4b" providerId="LiveId" clId="{674EA098-B68C-4352-821F-870A45EF42D6}" dt="2023-04-29T18:27:22.727" v="130" actId="113"/>
-          <ac:spMkLst>
-            <pc:docMk/>
-            <pc:sldMk cId="3879444363" sldId="286"/>
-            <ac:spMk id="7" creationId="{12C899D8-51C5-D9B7-A323-E6EFE4AB5C33}"/>
-          </ac:spMkLst>
-        </pc:spChg>
-      </pc:sldChg>
-      <pc:sldChg chg="modSp add mod">
-        <pc:chgData name="Scruel Tao" userId="5ea5c98d59b44d4b" providerId="LiveId" clId="{674EA098-B68C-4352-821F-870A45EF42D6}" dt="2023-04-29T18:27:23.851" v="131" actId="113"/>
-        <pc:sldMkLst>
-          <pc:docMk/>
-          <pc:sldMk cId="2930058127" sldId="287"/>
-        </pc:sldMkLst>
-        <pc:spChg chg="mod">
-          <ac:chgData name="Scruel Tao" userId="5ea5c98d59b44d4b" providerId="LiveId" clId="{674EA098-B68C-4352-821F-870A45EF42D6}" dt="2023-04-26T08:28:52.669" v="117"/>
-          <ac:spMkLst>
-            <pc:docMk/>
-            <pc:sldMk cId="2930058127" sldId="287"/>
-            <ac:spMk id="2" creationId="{BAD162F0-2175-84E9-2387-55F669162449}"/>
-          </ac:spMkLst>
-        </pc:spChg>
-        <pc:spChg chg="mod">
-          <ac:chgData name="Scruel Tao" userId="5ea5c98d59b44d4b" providerId="LiveId" clId="{674EA098-B68C-4352-821F-870A45EF42D6}" dt="2023-04-29T18:27:23.851" v="131" actId="113"/>
-          <ac:spMkLst>
-            <pc:docMk/>
-            <pc:sldMk cId="2930058127" sldId="287"/>
-            <ac:spMk id="7" creationId="{12C899D8-51C5-D9B7-A323-E6EFE4AB5C33}"/>
-          </ac:spMkLst>
-        </pc:spChg>
-      </pc:sldChg>
-      <pc:sldChg chg="modSp add mod">
-        <pc:chgData name="Scruel Tao" userId="5ea5c98d59b44d4b" providerId="LiveId" clId="{674EA098-B68C-4352-821F-870A45EF42D6}" dt="2023-04-29T18:27:24.956" v="132" actId="113"/>
-        <pc:sldMkLst>
-          <pc:docMk/>
-          <pc:sldMk cId="725367377" sldId="288"/>
-        </pc:sldMkLst>
-        <pc:spChg chg="mod">
-          <ac:chgData name="Scruel Tao" userId="5ea5c98d59b44d4b" providerId="LiveId" clId="{674EA098-B68C-4352-821F-870A45EF42D6}" dt="2023-04-26T08:28:58.991" v="121" actId="27636"/>
-          <ac:spMkLst>
-            <pc:docMk/>
-            <pc:sldMk cId="725367377" sldId="288"/>
-            <ac:spMk id="2" creationId="{BAD162F0-2175-84E9-2387-55F669162449}"/>
-          </ac:spMkLst>
-        </pc:spChg>
-        <pc:spChg chg="mod">
-          <ac:chgData name="Scruel Tao" userId="5ea5c98d59b44d4b" providerId="LiveId" clId="{674EA098-B68C-4352-821F-870A45EF42D6}" dt="2023-04-29T18:27:24.956" v="132" actId="113"/>
-          <ac:spMkLst>
-            <pc:docMk/>
-            <pc:sldMk cId="725367377" sldId="288"/>
-            <ac:spMk id="7" creationId="{12C899D8-51C5-D9B7-A323-E6EFE4AB5C33}"/>
-          </ac:spMkLst>
-        </pc:spChg>
-      </pc:sldChg>
-      <pc:sldChg chg="modSp add mod">
-        <pc:chgData name="Scruel Tao" userId="5ea5c98d59b44d4b" providerId="LiveId" clId="{674EA098-B68C-4352-821F-870A45EF42D6}" dt="2023-04-29T18:27:26.078" v="133" actId="113"/>
-        <pc:sldMkLst>
-          <pc:docMk/>
-          <pc:sldMk cId="1811576869" sldId="289"/>
-        </pc:sldMkLst>
-        <pc:spChg chg="mod">
-          <ac:chgData name="Scruel Tao" userId="5ea5c98d59b44d4b" providerId="LiveId" clId="{674EA098-B68C-4352-821F-870A45EF42D6}" dt="2023-04-26T08:29:02.779" v="122"/>
-          <ac:spMkLst>
-            <pc:docMk/>
-            <pc:sldMk cId="1811576869" sldId="289"/>
-            <ac:spMk id="2" creationId="{BAD162F0-2175-84E9-2387-55F669162449}"/>
-          </ac:spMkLst>
-        </pc:spChg>
-        <pc:spChg chg="mod">
-          <ac:chgData name="Scruel Tao" userId="5ea5c98d59b44d4b" providerId="LiveId" clId="{674EA098-B68C-4352-821F-870A45EF42D6}" dt="2023-04-29T18:27:26.078" v="133" actId="113"/>
-          <ac:spMkLst>
-            <pc:docMk/>
-            <pc:sldMk cId="1811576869" sldId="289"/>
-            <ac:spMk id="7" creationId="{12C899D8-51C5-D9B7-A323-E6EFE4AB5C33}"/>
-          </ac:spMkLst>
-        </pc:spChg>
-      </pc:sldChg>
-      <pc:sldChg chg="modSp add mod">
-        <pc:chgData name="Scruel Tao" userId="5ea5c98d59b44d4b" providerId="LiveId" clId="{674EA098-B68C-4352-821F-870A45EF42D6}" dt="2023-04-29T18:27:27.256" v="134" actId="113"/>
-        <pc:sldMkLst>
-          <pc:docMk/>
-          <pc:sldMk cId="2758806696" sldId="290"/>
-        </pc:sldMkLst>
-        <pc:spChg chg="mod">
-          <ac:chgData name="Scruel Tao" userId="5ea5c98d59b44d4b" providerId="LiveId" clId="{674EA098-B68C-4352-821F-870A45EF42D6}" dt="2023-04-26T08:29:05.963" v="123"/>
-          <ac:spMkLst>
-            <pc:docMk/>
-            <pc:sldMk cId="2758806696" sldId="290"/>
-            <ac:spMk id="2" creationId="{BAD162F0-2175-84E9-2387-55F669162449}"/>
-          </ac:spMkLst>
-        </pc:spChg>
-        <pc:spChg chg="mod">
-          <ac:chgData name="Scruel Tao" userId="5ea5c98d59b44d4b" providerId="LiveId" clId="{674EA098-B68C-4352-821F-870A45EF42D6}" dt="2023-04-29T18:27:27.256" v="134" actId="113"/>
-          <ac:spMkLst>
-            <pc:docMk/>
-            <pc:sldMk cId="2758806696" sldId="290"/>
-            <ac:spMk id="7" creationId="{12C899D8-51C5-D9B7-A323-E6EFE4AB5C33}"/>
-          </ac:spMkLst>
-        </pc:spChg>
-      </pc:sldChg>
-      <pc:sldChg chg="modSp add mod">
-        <pc:chgData name="Scruel Tao" userId="5ea5c98d59b44d4b" providerId="LiveId" clId="{674EA098-B68C-4352-821F-870A45EF42D6}" dt="2023-04-29T18:27:28.288" v="135" actId="113"/>
-        <pc:sldMkLst>
-          <pc:docMk/>
-          <pc:sldMk cId="2765371029" sldId="291"/>
-        </pc:sldMkLst>
-        <pc:spChg chg="mod">
-          <ac:chgData name="Scruel Tao" userId="5ea5c98d59b44d4b" providerId="LiveId" clId="{674EA098-B68C-4352-821F-870A45EF42D6}" dt="2023-04-26T08:29:11.844" v="124"/>
-          <ac:spMkLst>
-            <pc:docMk/>
-            <pc:sldMk cId="2765371029" sldId="291"/>
-            <ac:spMk id="2" creationId="{BAD162F0-2175-84E9-2387-55F669162449}"/>
-          </ac:spMkLst>
-        </pc:spChg>
-        <pc:spChg chg="mod">
-          <ac:chgData name="Scruel Tao" userId="5ea5c98d59b44d4b" providerId="LiveId" clId="{674EA098-B68C-4352-821F-870A45EF42D6}" dt="2023-04-29T18:27:28.288" v="135" actId="113"/>
-          <ac:spMkLst>
-            <pc:docMk/>
-            <pc:sldMk cId="2765371029" sldId="291"/>
-            <ac:spMk id="7" creationId="{12C899D8-51C5-D9B7-A323-E6EFE4AB5C33}"/>
-          </ac:spMkLst>
-        </pc:spChg>
-      </pc:sldChg>
-      <pc:sldChg chg="add del">
-        <pc:chgData name="Scruel Tao" userId="5ea5c98d59b44d4b" providerId="LiveId" clId="{674EA098-B68C-4352-821F-870A45EF42D6}" dt="2023-04-26T08:29:15.283" v="125" actId="47"/>
-        <pc:sldMkLst>
-          <pc:docMk/>
-          <pc:sldMk cId="1445525584" sldId="292"/>
-        </pc:sldMkLst>
-      </pc:sldChg>
-      <pc:sldChg chg="add del">
-        <pc:chgData name="Scruel Tao" userId="5ea5c98d59b44d4b" providerId="LiveId" clId="{674EA098-B68C-4352-821F-870A45EF42D6}" dt="2023-05-04T01:22:57.262" v="149" actId="47"/>
-        <pc:sldMkLst>
-          <pc:docMk/>
-          <pc:sldMk cId="1599418885" sldId="292"/>
-        </pc:sldMkLst>
-      </pc:sldChg>
-      <pc:sldChg chg="add del">
-        <pc:chgData name="Scruel Tao" userId="5ea5c98d59b44d4b" providerId="LiveId" clId="{674EA098-B68C-4352-821F-870A45EF42D6}" dt="2023-05-04T18:20:05.507" v="153" actId="47"/>
-        <pc:sldMkLst>
-          <pc:docMk/>
-          <pc:sldMk cId="131976697" sldId="363"/>
-        </pc:sldMkLst>
-      </pc:sldChg>
-      <pc:sldChg chg="add del">
-        <pc:chgData name="Scruel Tao" userId="5ea5c98d59b44d4b" providerId="LiveId" clId="{674EA098-B68C-4352-821F-870A45EF42D6}" dt="2023-05-04T18:25:11.161" v="155" actId="47"/>
-        <pc:sldMkLst>
-          <pc:docMk/>
-          <pc:sldMk cId="858978597" sldId="365"/>
-        </pc:sldMkLst>
-      </pc:sldChg>
-      <pc:sldChg chg="add">
-        <pc:chgData name="Scruel Tao" userId="5ea5c98d59b44d4b" providerId="LiveId" clId="{674EA098-B68C-4352-821F-870A45EF42D6}" dt="2023-05-04T18:25:10.103" v="154"/>
-        <pc:sldMkLst>
-          <pc:docMk/>
-          <pc:sldMk cId="3625446739" sldId="366"/>
-        </pc:sldMkLst>
-      </pc:sldChg>
-      <pc:sldChg chg="add del">
-        <pc:chgData name="Scruel Tao" userId="5ea5c98d59b44d4b" providerId="LiveId" clId="{674EA098-B68C-4352-821F-870A45EF42D6}" dt="2023-05-05T02:29:52.875" v="151" actId="47"/>
-        <pc:sldMkLst>
-          <pc:docMk/>
-          <pc:sldMk cId="3161108256" sldId="396"/>
-        </pc:sldMkLst>
-      </pc:sldChg>
-      <pc:sldMasterChg chg="modSldLayout">
-        <pc:chgData name="Scruel Tao" userId="5ea5c98d59b44d4b" providerId="LiveId" clId="{674EA098-B68C-4352-821F-870A45EF42D6}" dt="2023-05-16T04:01:14.303" v="159" actId="478"/>
-        <pc:sldMasterMkLst>
-          <pc:docMk/>
-          <pc:sldMasterMk cId="1766057859" sldId="2147483648"/>
-        </pc:sldMasterMkLst>
-        <pc:sldLayoutChg chg="addSp delSp modSp mod">
-          <pc:chgData name="Scruel Tao" userId="5ea5c98d59b44d4b" providerId="LiveId" clId="{674EA098-B68C-4352-821F-870A45EF42D6}" dt="2023-05-03T01:09:59.326" v="146" actId="2711"/>
-          <pc:sldLayoutMkLst>
-            <pc:docMk/>
-            <pc:sldMasterMk cId="1766057859" sldId="2147483648"/>
-            <pc:sldLayoutMk cId="2116765151" sldId="2147483650"/>
-          </pc:sldLayoutMkLst>
-          <pc:spChg chg="mod">
-            <ac:chgData name="Scruel Tao" userId="5ea5c98d59b44d4b" providerId="LiveId" clId="{674EA098-B68C-4352-821F-870A45EF42D6}" dt="2023-05-03T01:09:59.326" v="146" actId="2711"/>
-            <ac:spMkLst>
-              <pc:docMk/>
-              <pc:sldMasterMk cId="1766057859" sldId="2147483648"/>
-              <pc:sldLayoutMk cId="2116765151" sldId="2147483650"/>
-              <ac:spMk id="3" creationId="{9C7469E7-ED7E-A1F2-48AF-DF31AAC06407}"/>
-            </ac:spMkLst>
-          </pc:spChg>
-          <pc:spChg chg="del">
-            <ac:chgData name="Scruel Tao" userId="5ea5c98d59b44d4b" providerId="LiveId" clId="{674EA098-B68C-4352-821F-870A45EF42D6}" dt="2023-05-03T00:12:10.160" v="142" actId="478"/>
-            <ac:spMkLst>
-              <pc:docMk/>
-              <pc:sldMasterMk cId="1766057859" sldId="2147483648"/>
-              <pc:sldLayoutMk cId="2116765151" sldId="2147483650"/>
-              <ac:spMk id="7" creationId="{CC508A81-C1C7-B1D4-63BC-4C397A9B30DA}"/>
-            </ac:spMkLst>
-          </pc:spChg>
-          <pc:spChg chg="add mod">
-            <ac:chgData name="Scruel Tao" userId="5ea5c98d59b44d4b" providerId="LiveId" clId="{674EA098-B68C-4352-821F-870A45EF42D6}" dt="2023-05-03T00:12:10.394" v="143"/>
-            <ac:spMkLst>
-              <pc:docMk/>
-              <pc:sldMasterMk cId="1766057859" sldId="2147483648"/>
-              <pc:sldLayoutMk cId="2116765151" sldId="2147483650"/>
-              <ac:spMk id="8" creationId="{06E3AB9C-1F00-B976-3D14-01C5C7691E86}"/>
-            </ac:spMkLst>
-          </pc:spChg>
-        </pc:sldLayoutChg>
-        <pc:sldLayoutChg chg="addSp delSp modSp mod">
-          <pc:chgData name="Scruel Tao" userId="5ea5c98d59b44d4b" providerId="LiveId" clId="{674EA098-B68C-4352-821F-870A45EF42D6}" dt="2023-05-03T01:10:04.512" v="147" actId="2711"/>
-          <pc:sldLayoutMkLst>
-            <pc:docMk/>
-            <pc:sldMasterMk cId="1766057859" sldId="2147483648"/>
-            <pc:sldLayoutMk cId="2296489930" sldId="2147483652"/>
-          </pc:sldLayoutMkLst>
-          <pc:spChg chg="mod">
-            <ac:chgData name="Scruel Tao" userId="5ea5c98d59b44d4b" providerId="LiveId" clId="{674EA098-B68C-4352-821F-870A45EF42D6}" dt="2023-05-03T01:10:04.512" v="147" actId="2711"/>
-            <ac:spMkLst>
-              <pc:docMk/>
-              <pc:sldMasterMk cId="1766057859" sldId="2147483648"/>
-              <pc:sldLayoutMk cId="2296489930" sldId="2147483652"/>
-              <ac:spMk id="3" creationId="{FA361A1F-DD24-D4DC-FDF8-14089EDC7CAD}"/>
-            </ac:spMkLst>
-          </pc:spChg>
-          <pc:spChg chg="mod">
-            <ac:chgData name="Scruel Tao" userId="5ea5c98d59b44d4b" providerId="LiveId" clId="{674EA098-B68C-4352-821F-870A45EF42D6}" dt="2023-05-03T01:10:04.512" v="147" actId="2711"/>
-            <ac:spMkLst>
-              <pc:docMk/>
-              <pc:sldMasterMk cId="1766057859" sldId="2147483648"/>
-              <pc:sldLayoutMk cId="2296489930" sldId="2147483652"/>
-              <ac:spMk id="4" creationId="{F7656781-5A02-AEE4-2F0C-71BC7C17E38F}"/>
-            </ac:spMkLst>
-          </pc:spChg>
-          <pc:spChg chg="del">
-            <ac:chgData name="Scruel Tao" userId="5ea5c98d59b44d4b" providerId="LiveId" clId="{674EA098-B68C-4352-821F-870A45EF42D6}" dt="2023-05-03T00:12:12.584" v="144" actId="478"/>
-            <ac:spMkLst>
-              <pc:docMk/>
-              <pc:sldMasterMk cId="1766057859" sldId="2147483648"/>
-              <pc:sldLayoutMk cId="2296489930" sldId="2147483652"/>
-              <ac:spMk id="8" creationId="{C5A5C420-1B53-618C-C968-A8FEF109459A}"/>
-            </ac:spMkLst>
-          </pc:spChg>
-          <pc:spChg chg="add mod">
-            <ac:chgData name="Scruel Tao" userId="5ea5c98d59b44d4b" providerId="LiveId" clId="{674EA098-B68C-4352-821F-870A45EF42D6}" dt="2023-05-03T00:12:12.802" v="145"/>
-            <ac:spMkLst>
-              <pc:docMk/>
-              <pc:sldMasterMk cId="1766057859" sldId="2147483648"/>
-              <pc:sldLayoutMk cId="2296489930" sldId="2147483652"/>
-              <ac:spMk id="9" creationId="{6BB89245-A1EF-A5A1-D83A-FCD5055546A3}"/>
-            </ac:spMkLst>
-          </pc:spChg>
-        </pc:sldLayoutChg>
-        <pc:sldLayoutChg chg="delSp modSp mod">
-          <pc:chgData name="Scruel Tao" userId="5ea5c98d59b44d4b" providerId="LiveId" clId="{674EA098-B68C-4352-821F-870A45EF42D6}" dt="2023-05-16T04:01:14.303" v="159" actId="478"/>
-          <pc:sldLayoutMkLst>
-            <pc:docMk/>
-            <pc:sldMasterMk cId="1766057859" sldId="2147483648"/>
-            <pc:sldLayoutMk cId="1337634028" sldId="2147483660"/>
-          </pc:sldLayoutMkLst>
-          <pc:spChg chg="del mod">
-            <ac:chgData name="Scruel Tao" userId="5ea5c98d59b44d4b" providerId="LiveId" clId="{674EA098-B68C-4352-821F-870A45EF42D6}" dt="2023-05-16T04:01:14.303" v="159" actId="478"/>
-            <ac:spMkLst>
-              <pc:docMk/>
-              <pc:sldMasterMk cId="1766057859" sldId="2147483648"/>
-              <pc:sldLayoutMk cId="1337634028" sldId="2147483660"/>
-              <ac:spMk id="19472" creationId="{BD0BF484-93B1-9A87-952A-7D5E9B29C38D}"/>
-            </ac:spMkLst>
-          </pc:spChg>
-        </pc:sldLayoutChg>
-      </pc:sldMasterChg>
     </pc:docChg>
   </pc:docChgLst>
   <pc:docChgLst>
@@ -1992,14 +1322,14 @@
           <pc:chgData name="Scruel Tao" userId="5ea5c98d59b44d4b" providerId="LiveId" clId="{2BA6F94F-59B6-4AA6-9DB6-4A8227DBE37E}" dt="2023-04-03T03:34:53.033" v="335" actId="1076"/>
           <pc:sldLayoutMkLst>
             <pc:docMk/>
-            <pc:sldMasterMk cId="1766057859" sldId="2147483648"/>
+            <pc:sldMasterMk cId="3100448702" sldId="2147483661"/>
             <pc:sldLayoutMk cId="1337634028" sldId="2147483660"/>
           </pc:sldLayoutMkLst>
           <pc:spChg chg="del mod">
             <ac:chgData name="Scruel Tao" userId="5ea5c98d59b44d4b" providerId="LiveId" clId="{2BA6F94F-59B6-4AA6-9DB6-4A8227DBE37E}" dt="2023-04-03T03:27:47.594" v="278" actId="478"/>
             <ac:spMkLst>
               <pc:docMk/>
-              <pc:sldMasterMk cId="1766057859" sldId="2147483648"/>
+              <pc:sldMasterMk cId="3100448702" sldId="2147483661"/>
               <pc:sldLayoutMk cId="1337634028" sldId="2147483660"/>
               <ac:spMk id="19468" creationId="{418CE5A5-515B-CEAB-D160-CBAFEBF4837F}"/>
             </ac:spMkLst>
@@ -2008,7 +1338,7 @@
             <ac:chgData name="Scruel Tao" userId="5ea5c98d59b44d4b" providerId="LiveId" clId="{2BA6F94F-59B6-4AA6-9DB6-4A8227DBE37E}" dt="2023-04-03T03:26:11.336" v="269" actId="21"/>
             <ac:picMkLst>
               <pc:docMk/>
-              <pc:sldMasterMk cId="1766057859" sldId="2147483648"/>
+              <pc:sldMasterMk cId="3100448702" sldId="2147483661"/>
               <pc:sldLayoutMk cId="1337634028" sldId="2147483660"/>
               <ac:picMk id="19481" creationId="{02568321-E4E6-1B3D-8017-A3451A7203B9}"/>
             </ac:picMkLst>
@@ -2017,11 +1347,681 @@
             <ac:chgData name="Scruel Tao" userId="5ea5c98d59b44d4b" providerId="LiveId" clId="{2BA6F94F-59B6-4AA6-9DB6-4A8227DBE37E}" dt="2023-04-03T03:34:53.033" v="335" actId="1076"/>
             <ac:picMkLst>
               <pc:docMk/>
-              <pc:sldMasterMk cId="1766057859" sldId="2147483648"/>
+              <pc:sldMasterMk cId="3100448702" sldId="2147483661"/>
               <pc:sldLayoutMk cId="1337634028" sldId="2147483660"/>
               <ac:picMk id="19482" creationId="{8F2B9C9A-7CA4-5723-784E-DBADCF09186B}"/>
             </ac:picMkLst>
           </pc:picChg>
+        </pc:sldLayoutChg>
+      </pc:sldMasterChg>
+    </pc:docChg>
+  </pc:docChgLst>
+  <pc:docChgLst>
+    <pc:chgData name="Scruel Tao" userId="5ea5c98d59b44d4b" providerId="LiveId" clId="{674EA098-B68C-4352-821F-870A45EF42D6}"/>
+    <pc:docChg chg="undo custSel addSld delSld modSld modMainMaster">
+      <pc:chgData name="Scruel Tao" userId="5ea5c98d59b44d4b" providerId="LiveId" clId="{674EA098-B68C-4352-821F-870A45EF42D6}" dt="2023-05-16T04:01:14.303" v="159" actId="478"/>
+      <pc:docMkLst>
+        <pc:docMk/>
+      </pc:docMkLst>
+      <pc:sldChg chg="addSp modSp mod">
+        <pc:chgData name="Scruel Tao" userId="5ea5c98d59b44d4b" providerId="LiveId" clId="{674EA098-B68C-4352-821F-870A45EF42D6}" dt="2023-04-26T02:59:16.815" v="101"/>
+        <pc:sldMkLst>
+          <pc:docMk/>
+          <pc:sldMk cId="1112998187" sldId="257"/>
+        </pc:sldMkLst>
+        <pc:spChg chg="mod">
+          <ac:chgData name="Scruel Tao" userId="5ea5c98d59b44d4b" providerId="LiveId" clId="{674EA098-B68C-4352-821F-870A45EF42D6}" dt="2023-04-26T02:55:51.895" v="6" actId="20577"/>
+          <ac:spMkLst>
+            <pc:docMk/>
+            <pc:sldMk cId="1112998187" sldId="257"/>
+            <ac:spMk id="2" creationId="{1422DFF6-0952-1023-64E3-97184D36BE3F}"/>
+          </ac:spMkLst>
+        </pc:spChg>
+        <pc:spChg chg="mod">
+          <ac:chgData name="Scruel Tao" userId="5ea5c98d59b44d4b" providerId="LiveId" clId="{674EA098-B68C-4352-821F-870A45EF42D6}" dt="2023-04-26T02:59:02.076" v="98" actId="27636"/>
+          <ac:spMkLst>
+            <pc:docMk/>
+            <pc:sldMk cId="1112998187" sldId="257"/>
+            <ac:spMk id="3" creationId="{AC7759D9-0BB4-08ED-8476-24F7D903D6DE}"/>
+          </ac:spMkLst>
+        </pc:spChg>
+        <pc:spChg chg="add mod">
+          <ac:chgData name="Scruel Tao" userId="5ea5c98d59b44d4b" providerId="LiveId" clId="{674EA098-B68C-4352-821F-870A45EF42D6}" dt="2023-04-26T02:59:16.815" v="101"/>
+          <ac:spMkLst>
+            <pc:docMk/>
+            <pc:sldMk cId="1112998187" sldId="257"/>
+            <ac:spMk id="4" creationId="{A12471F3-FD01-5940-8D87-FFE6575BD7BE}"/>
+          </ac:spMkLst>
+        </pc:spChg>
+      </pc:sldChg>
+      <pc:sldChg chg="addSp delSp modSp mod">
+        <pc:chgData name="Scruel Tao" userId="5ea5c98d59b44d4b" providerId="LiveId" clId="{674EA098-B68C-4352-821F-870A45EF42D6}" dt="2023-05-16T04:01:03.944" v="157" actId="478"/>
+        <pc:sldMkLst>
+          <pc:docMk/>
+          <pc:sldMk cId="0" sldId="260"/>
+        </pc:sldMkLst>
+        <pc:spChg chg="del mod">
+          <ac:chgData name="Scruel Tao" userId="5ea5c98d59b44d4b" providerId="LiveId" clId="{674EA098-B68C-4352-821F-870A45EF42D6}" dt="2023-05-16T04:01:03.944" v="157" actId="478"/>
+          <ac:spMkLst>
+            <pc:docMk/>
+            <pc:sldMk cId="0" sldId="260"/>
+            <ac:spMk id="2" creationId="{51B8E4C0-E15B-4BD0-7B5B-A44A3D5B0C34}"/>
+          </ac:spMkLst>
+        </pc:spChg>
+        <pc:spChg chg="del">
+          <ac:chgData name="Scruel Tao" userId="5ea5c98d59b44d4b" providerId="LiveId" clId="{674EA098-B68C-4352-821F-870A45EF42D6}" dt="2023-05-03T00:12:04.289" v="140" actId="478"/>
+          <ac:spMkLst>
+            <pc:docMk/>
+            <pc:sldMk cId="0" sldId="260"/>
+            <ac:spMk id="3" creationId="{C8068F35-EF78-6218-F528-48E9ED924DF4}"/>
+          </ac:spMkLst>
+        </pc:spChg>
+        <pc:spChg chg="add mod">
+          <ac:chgData name="Scruel Tao" userId="5ea5c98d59b44d4b" providerId="LiveId" clId="{674EA098-B68C-4352-821F-870A45EF42D6}" dt="2023-05-03T00:12:04.512" v="141"/>
+          <ac:spMkLst>
+            <pc:docMk/>
+            <pc:sldMk cId="0" sldId="260"/>
+            <ac:spMk id="4" creationId="{97BC8378-E0E5-3093-EA92-C480D9146529}"/>
+          </ac:spMkLst>
+        </pc:spChg>
+        <pc:spChg chg="mod">
+          <ac:chgData name="Scruel Tao" userId="5ea5c98d59b44d4b" providerId="LiveId" clId="{674EA098-B68C-4352-821F-870A45EF42D6}" dt="2023-04-29T18:30:00.146" v="136"/>
+          <ac:spMkLst>
+            <pc:docMk/>
+            <pc:sldMk cId="0" sldId="260"/>
+            <ac:spMk id="1227783" creationId="{F7B3941E-B689-22D6-F18C-358E4BAEDF5F}"/>
+          </ac:spMkLst>
+        </pc:spChg>
+      </pc:sldChg>
+      <pc:sldChg chg="add del">
+        <pc:chgData name="Scruel Tao" userId="5ea5c98d59b44d4b" providerId="LiveId" clId="{674EA098-B68C-4352-821F-870A45EF42D6}" dt="2023-05-01T18:26:01.775" v="139" actId="47"/>
+        <pc:sldMkLst>
+          <pc:docMk/>
+          <pc:sldMk cId="2706538019" sldId="277"/>
+        </pc:sldMkLst>
+      </pc:sldChg>
+      <pc:sldChg chg="modSp mod modAnim">
+        <pc:chgData name="Scruel Tao" userId="5ea5c98d59b44d4b" providerId="LiveId" clId="{674EA098-B68C-4352-821F-870A45EF42D6}" dt="2023-04-29T18:27:20.288" v="128" actId="113"/>
+        <pc:sldMkLst>
+          <pc:docMk/>
+          <pc:sldMk cId="3519437269" sldId="279"/>
+        </pc:sldMkLst>
+        <pc:spChg chg="mod">
+          <ac:chgData name="Scruel Tao" userId="5ea5c98d59b44d4b" providerId="LiveId" clId="{674EA098-B68C-4352-821F-870A45EF42D6}" dt="2023-04-26T02:59:05.855" v="99"/>
+          <ac:spMkLst>
+            <pc:docMk/>
+            <pc:sldMk cId="3519437269" sldId="279"/>
+            <ac:spMk id="2" creationId="{BAD162F0-2175-84E9-2387-55F669162449}"/>
+          </ac:spMkLst>
+        </pc:spChg>
+        <pc:spChg chg="mod">
+          <ac:chgData name="Scruel Tao" userId="5ea5c98d59b44d4b" providerId="LiveId" clId="{674EA098-B68C-4352-821F-870A45EF42D6}" dt="2023-04-29T18:27:20.288" v="128" actId="113"/>
+          <ac:spMkLst>
+            <pc:docMk/>
+            <pc:sldMk cId="3519437269" sldId="279"/>
+            <ac:spMk id="7" creationId="{12C899D8-51C5-D9B7-A323-E6EFE4AB5C33}"/>
+          </ac:spMkLst>
+        </pc:spChg>
+      </pc:sldChg>
+      <pc:sldChg chg="add del">
+        <pc:chgData name="Scruel Tao" userId="5ea5c98d59b44d4b" providerId="LiveId" clId="{674EA098-B68C-4352-821F-870A45EF42D6}" dt="2023-04-29T14:09:26.479" v="126"/>
+        <pc:sldMkLst>
+          <pc:docMk/>
+          <pc:sldMk cId="3745708182" sldId="280"/>
+        </pc:sldMkLst>
+      </pc:sldChg>
+      <pc:sldChg chg="modSp del mod">
+        <pc:chgData name="Scruel Tao" userId="5ea5c98d59b44d4b" providerId="LiveId" clId="{674EA098-B68C-4352-821F-870A45EF42D6}" dt="2023-04-26T02:59:23.331" v="103" actId="47"/>
+        <pc:sldMkLst>
+          <pc:docMk/>
+          <pc:sldMk cId="364430658" sldId="282"/>
+        </pc:sldMkLst>
+        <pc:spChg chg="mod">
+          <ac:chgData name="Scruel Tao" userId="5ea5c98d59b44d4b" providerId="LiveId" clId="{674EA098-B68C-4352-821F-870A45EF42D6}" dt="2023-04-26T02:59:09.256" v="100"/>
+          <ac:spMkLst>
+            <pc:docMk/>
+            <pc:sldMk cId="364430658" sldId="282"/>
+            <ac:spMk id="2" creationId="{1CBF67D3-549D-0623-7687-618F66C7933B}"/>
+          </ac:spMkLst>
+        </pc:spChg>
+      </pc:sldChg>
+      <pc:sldChg chg="modSp add mod">
+        <pc:chgData name="Scruel Tao" userId="5ea5c98d59b44d4b" providerId="LiveId" clId="{674EA098-B68C-4352-821F-870A45EF42D6}" dt="2023-04-26T02:59:28.315" v="104"/>
+        <pc:sldMkLst>
+          <pc:docMk/>
+          <pc:sldMk cId="1832821127" sldId="283"/>
+        </pc:sldMkLst>
+        <pc:spChg chg="mod">
+          <ac:chgData name="Scruel Tao" userId="5ea5c98d59b44d4b" providerId="LiveId" clId="{674EA098-B68C-4352-821F-870A45EF42D6}" dt="2023-04-26T02:59:28.315" v="104"/>
+          <ac:spMkLst>
+            <pc:docMk/>
+            <pc:sldMk cId="1832821127" sldId="283"/>
+            <ac:spMk id="2" creationId="{1CBF67D3-549D-0623-7687-618F66C7933B}"/>
+          </ac:spMkLst>
+        </pc:spChg>
+      </pc:sldChg>
+      <pc:sldChg chg="add del">
+        <pc:chgData name="Scruel Tao" userId="5ea5c98d59b44d4b" providerId="LiveId" clId="{674EA098-B68C-4352-821F-870A45EF42D6}" dt="2023-04-29T14:09:28.312" v="127" actId="47"/>
+        <pc:sldMkLst>
+          <pc:docMk/>
+          <pc:sldMk cId="3894464876" sldId="284"/>
+        </pc:sldMkLst>
+      </pc:sldChg>
+      <pc:sldChg chg="modSp add mod">
+        <pc:chgData name="Scruel Tao" userId="5ea5c98d59b44d4b" providerId="LiveId" clId="{674EA098-B68C-4352-821F-870A45EF42D6}" dt="2023-04-29T18:27:21.696" v="129" actId="113"/>
+        <pc:sldMkLst>
+          <pc:docMk/>
+          <pc:sldMk cId="1666548335" sldId="285"/>
+        </pc:sldMkLst>
+        <pc:spChg chg="mod">
+          <ac:chgData name="Scruel Tao" userId="5ea5c98d59b44d4b" providerId="LiveId" clId="{674EA098-B68C-4352-821F-870A45EF42D6}" dt="2023-04-26T08:28:45.285" v="115" actId="2711"/>
+          <ac:spMkLst>
+            <pc:docMk/>
+            <pc:sldMk cId="1666548335" sldId="285"/>
+            <ac:spMk id="2" creationId="{BAD162F0-2175-84E9-2387-55F669162449}"/>
+          </ac:spMkLst>
+        </pc:spChg>
+        <pc:spChg chg="mod">
+          <ac:chgData name="Scruel Tao" userId="5ea5c98d59b44d4b" providerId="LiveId" clId="{674EA098-B68C-4352-821F-870A45EF42D6}" dt="2023-04-29T18:27:21.696" v="129" actId="113"/>
+          <ac:spMkLst>
+            <pc:docMk/>
+            <pc:sldMk cId="1666548335" sldId="285"/>
+            <ac:spMk id="7" creationId="{12C899D8-51C5-D9B7-A323-E6EFE4AB5C33}"/>
+          </ac:spMkLst>
+        </pc:spChg>
+      </pc:sldChg>
+      <pc:sldChg chg="modSp add mod">
+        <pc:chgData name="Scruel Tao" userId="5ea5c98d59b44d4b" providerId="LiveId" clId="{674EA098-B68C-4352-821F-870A45EF42D6}" dt="2023-04-29T18:27:22.727" v="130" actId="113"/>
+        <pc:sldMkLst>
+          <pc:docMk/>
+          <pc:sldMk cId="3879444363" sldId="286"/>
+        </pc:sldMkLst>
+        <pc:spChg chg="mod">
+          <ac:chgData name="Scruel Tao" userId="5ea5c98d59b44d4b" providerId="LiveId" clId="{674EA098-B68C-4352-821F-870A45EF42D6}" dt="2023-04-26T08:28:48.828" v="116"/>
+          <ac:spMkLst>
+            <pc:docMk/>
+            <pc:sldMk cId="3879444363" sldId="286"/>
+            <ac:spMk id="2" creationId="{BAD162F0-2175-84E9-2387-55F669162449}"/>
+          </ac:spMkLst>
+        </pc:spChg>
+        <pc:spChg chg="mod">
+          <ac:chgData name="Scruel Tao" userId="5ea5c98d59b44d4b" providerId="LiveId" clId="{674EA098-B68C-4352-821F-870A45EF42D6}" dt="2023-04-29T18:27:22.727" v="130" actId="113"/>
+          <ac:spMkLst>
+            <pc:docMk/>
+            <pc:sldMk cId="3879444363" sldId="286"/>
+            <ac:spMk id="7" creationId="{12C899D8-51C5-D9B7-A323-E6EFE4AB5C33}"/>
+          </ac:spMkLst>
+        </pc:spChg>
+      </pc:sldChg>
+      <pc:sldChg chg="modSp add mod">
+        <pc:chgData name="Scruel Tao" userId="5ea5c98d59b44d4b" providerId="LiveId" clId="{674EA098-B68C-4352-821F-870A45EF42D6}" dt="2023-04-29T18:27:23.851" v="131" actId="113"/>
+        <pc:sldMkLst>
+          <pc:docMk/>
+          <pc:sldMk cId="2930058127" sldId="287"/>
+        </pc:sldMkLst>
+        <pc:spChg chg="mod">
+          <ac:chgData name="Scruel Tao" userId="5ea5c98d59b44d4b" providerId="LiveId" clId="{674EA098-B68C-4352-821F-870A45EF42D6}" dt="2023-04-26T08:28:52.669" v="117"/>
+          <ac:spMkLst>
+            <pc:docMk/>
+            <pc:sldMk cId="2930058127" sldId="287"/>
+            <ac:spMk id="2" creationId="{BAD162F0-2175-84E9-2387-55F669162449}"/>
+          </ac:spMkLst>
+        </pc:spChg>
+        <pc:spChg chg="mod">
+          <ac:chgData name="Scruel Tao" userId="5ea5c98d59b44d4b" providerId="LiveId" clId="{674EA098-B68C-4352-821F-870A45EF42D6}" dt="2023-04-29T18:27:23.851" v="131" actId="113"/>
+          <ac:spMkLst>
+            <pc:docMk/>
+            <pc:sldMk cId="2930058127" sldId="287"/>
+            <ac:spMk id="7" creationId="{12C899D8-51C5-D9B7-A323-E6EFE4AB5C33}"/>
+          </ac:spMkLst>
+        </pc:spChg>
+      </pc:sldChg>
+      <pc:sldChg chg="modSp add mod">
+        <pc:chgData name="Scruel Tao" userId="5ea5c98d59b44d4b" providerId="LiveId" clId="{674EA098-B68C-4352-821F-870A45EF42D6}" dt="2023-04-29T18:27:24.956" v="132" actId="113"/>
+        <pc:sldMkLst>
+          <pc:docMk/>
+          <pc:sldMk cId="725367377" sldId="288"/>
+        </pc:sldMkLst>
+        <pc:spChg chg="mod">
+          <ac:chgData name="Scruel Tao" userId="5ea5c98d59b44d4b" providerId="LiveId" clId="{674EA098-B68C-4352-821F-870A45EF42D6}" dt="2023-04-26T08:28:58.991" v="121" actId="27636"/>
+          <ac:spMkLst>
+            <pc:docMk/>
+            <pc:sldMk cId="725367377" sldId="288"/>
+            <ac:spMk id="2" creationId="{BAD162F0-2175-84E9-2387-55F669162449}"/>
+          </ac:spMkLst>
+        </pc:spChg>
+        <pc:spChg chg="mod">
+          <ac:chgData name="Scruel Tao" userId="5ea5c98d59b44d4b" providerId="LiveId" clId="{674EA098-B68C-4352-821F-870A45EF42D6}" dt="2023-04-29T18:27:24.956" v="132" actId="113"/>
+          <ac:spMkLst>
+            <pc:docMk/>
+            <pc:sldMk cId="725367377" sldId="288"/>
+            <ac:spMk id="7" creationId="{12C899D8-51C5-D9B7-A323-E6EFE4AB5C33}"/>
+          </ac:spMkLst>
+        </pc:spChg>
+      </pc:sldChg>
+      <pc:sldChg chg="modSp add mod">
+        <pc:chgData name="Scruel Tao" userId="5ea5c98d59b44d4b" providerId="LiveId" clId="{674EA098-B68C-4352-821F-870A45EF42D6}" dt="2023-04-29T18:27:26.078" v="133" actId="113"/>
+        <pc:sldMkLst>
+          <pc:docMk/>
+          <pc:sldMk cId="1811576869" sldId="289"/>
+        </pc:sldMkLst>
+        <pc:spChg chg="mod">
+          <ac:chgData name="Scruel Tao" userId="5ea5c98d59b44d4b" providerId="LiveId" clId="{674EA098-B68C-4352-821F-870A45EF42D6}" dt="2023-04-26T08:29:02.779" v="122"/>
+          <ac:spMkLst>
+            <pc:docMk/>
+            <pc:sldMk cId="1811576869" sldId="289"/>
+            <ac:spMk id="2" creationId="{BAD162F0-2175-84E9-2387-55F669162449}"/>
+          </ac:spMkLst>
+        </pc:spChg>
+        <pc:spChg chg="mod">
+          <ac:chgData name="Scruel Tao" userId="5ea5c98d59b44d4b" providerId="LiveId" clId="{674EA098-B68C-4352-821F-870A45EF42D6}" dt="2023-04-29T18:27:26.078" v="133" actId="113"/>
+          <ac:spMkLst>
+            <pc:docMk/>
+            <pc:sldMk cId="1811576869" sldId="289"/>
+            <ac:spMk id="7" creationId="{12C899D8-51C5-D9B7-A323-E6EFE4AB5C33}"/>
+          </ac:spMkLst>
+        </pc:spChg>
+      </pc:sldChg>
+      <pc:sldChg chg="modSp add mod">
+        <pc:chgData name="Scruel Tao" userId="5ea5c98d59b44d4b" providerId="LiveId" clId="{674EA098-B68C-4352-821F-870A45EF42D6}" dt="2023-04-29T18:27:27.256" v="134" actId="113"/>
+        <pc:sldMkLst>
+          <pc:docMk/>
+          <pc:sldMk cId="2758806696" sldId="290"/>
+        </pc:sldMkLst>
+        <pc:spChg chg="mod">
+          <ac:chgData name="Scruel Tao" userId="5ea5c98d59b44d4b" providerId="LiveId" clId="{674EA098-B68C-4352-821F-870A45EF42D6}" dt="2023-04-26T08:29:05.963" v="123"/>
+          <ac:spMkLst>
+            <pc:docMk/>
+            <pc:sldMk cId="2758806696" sldId="290"/>
+            <ac:spMk id="2" creationId="{BAD162F0-2175-84E9-2387-55F669162449}"/>
+          </ac:spMkLst>
+        </pc:spChg>
+        <pc:spChg chg="mod">
+          <ac:chgData name="Scruel Tao" userId="5ea5c98d59b44d4b" providerId="LiveId" clId="{674EA098-B68C-4352-821F-870A45EF42D6}" dt="2023-04-29T18:27:27.256" v="134" actId="113"/>
+          <ac:spMkLst>
+            <pc:docMk/>
+            <pc:sldMk cId="2758806696" sldId="290"/>
+            <ac:spMk id="7" creationId="{12C899D8-51C5-D9B7-A323-E6EFE4AB5C33}"/>
+          </ac:spMkLst>
+        </pc:spChg>
+      </pc:sldChg>
+      <pc:sldChg chg="modSp add mod">
+        <pc:chgData name="Scruel Tao" userId="5ea5c98d59b44d4b" providerId="LiveId" clId="{674EA098-B68C-4352-821F-870A45EF42D6}" dt="2023-04-29T18:27:28.288" v="135" actId="113"/>
+        <pc:sldMkLst>
+          <pc:docMk/>
+          <pc:sldMk cId="2765371029" sldId="291"/>
+        </pc:sldMkLst>
+        <pc:spChg chg="mod">
+          <ac:chgData name="Scruel Tao" userId="5ea5c98d59b44d4b" providerId="LiveId" clId="{674EA098-B68C-4352-821F-870A45EF42D6}" dt="2023-04-26T08:29:11.844" v="124"/>
+          <ac:spMkLst>
+            <pc:docMk/>
+            <pc:sldMk cId="2765371029" sldId="291"/>
+            <ac:spMk id="2" creationId="{BAD162F0-2175-84E9-2387-55F669162449}"/>
+          </ac:spMkLst>
+        </pc:spChg>
+        <pc:spChg chg="mod">
+          <ac:chgData name="Scruel Tao" userId="5ea5c98d59b44d4b" providerId="LiveId" clId="{674EA098-B68C-4352-821F-870A45EF42D6}" dt="2023-04-29T18:27:28.288" v="135" actId="113"/>
+          <ac:spMkLst>
+            <pc:docMk/>
+            <pc:sldMk cId="2765371029" sldId="291"/>
+            <ac:spMk id="7" creationId="{12C899D8-51C5-D9B7-A323-E6EFE4AB5C33}"/>
+          </ac:spMkLst>
+        </pc:spChg>
+      </pc:sldChg>
+      <pc:sldChg chg="add del">
+        <pc:chgData name="Scruel Tao" userId="5ea5c98d59b44d4b" providerId="LiveId" clId="{674EA098-B68C-4352-821F-870A45EF42D6}" dt="2023-04-26T08:29:15.283" v="125" actId="47"/>
+        <pc:sldMkLst>
+          <pc:docMk/>
+          <pc:sldMk cId="1445525584" sldId="292"/>
+        </pc:sldMkLst>
+      </pc:sldChg>
+      <pc:sldChg chg="add del">
+        <pc:chgData name="Scruel Tao" userId="5ea5c98d59b44d4b" providerId="LiveId" clId="{674EA098-B68C-4352-821F-870A45EF42D6}" dt="2023-05-04T01:22:57.262" v="149" actId="47"/>
+        <pc:sldMkLst>
+          <pc:docMk/>
+          <pc:sldMk cId="1599418885" sldId="292"/>
+        </pc:sldMkLst>
+      </pc:sldChg>
+      <pc:sldChg chg="add del">
+        <pc:chgData name="Scruel Tao" userId="5ea5c98d59b44d4b" providerId="LiveId" clId="{674EA098-B68C-4352-821F-870A45EF42D6}" dt="2023-05-04T18:20:05.507" v="153" actId="47"/>
+        <pc:sldMkLst>
+          <pc:docMk/>
+          <pc:sldMk cId="131976697" sldId="363"/>
+        </pc:sldMkLst>
+      </pc:sldChg>
+      <pc:sldChg chg="add del">
+        <pc:chgData name="Scruel Tao" userId="5ea5c98d59b44d4b" providerId="LiveId" clId="{674EA098-B68C-4352-821F-870A45EF42D6}" dt="2023-05-04T18:25:11.161" v="155" actId="47"/>
+        <pc:sldMkLst>
+          <pc:docMk/>
+          <pc:sldMk cId="858978597" sldId="365"/>
+        </pc:sldMkLst>
+      </pc:sldChg>
+      <pc:sldChg chg="add">
+        <pc:chgData name="Scruel Tao" userId="5ea5c98d59b44d4b" providerId="LiveId" clId="{674EA098-B68C-4352-821F-870A45EF42D6}" dt="2023-05-04T18:25:10.103" v="154"/>
+        <pc:sldMkLst>
+          <pc:docMk/>
+          <pc:sldMk cId="3625446739" sldId="366"/>
+        </pc:sldMkLst>
+      </pc:sldChg>
+      <pc:sldChg chg="add del">
+        <pc:chgData name="Scruel Tao" userId="5ea5c98d59b44d4b" providerId="LiveId" clId="{674EA098-B68C-4352-821F-870A45EF42D6}" dt="2023-05-05T02:29:52.875" v="151" actId="47"/>
+        <pc:sldMkLst>
+          <pc:docMk/>
+          <pc:sldMk cId="3161108256" sldId="396"/>
+        </pc:sldMkLst>
+      </pc:sldChg>
+      <pc:sldMasterChg chg="modSldLayout">
+        <pc:chgData name="Scruel Tao" userId="5ea5c98d59b44d4b" providerId="LiveId" clId="{674EA098-B68C-4352-821F-870A45EF42D6}" dt="2023-05-16T04:01:14.303" v="159" actId="478"/>
+        <pc:sldMasterMkLst>
+          <pc:docMk/>
+          <pc:sldMasterMk cId="1766057859" sldId="2147483648"/>
+        </pc:sldMasterMkLst>
+        <pc:sldLayoutChg chg="addSp delSp modSp mod">
+          <pc:chgData name="Scruel Tao" userId="5ea5c98d59b44d4b" providerId="LiveId" clId="{674EA098-B68C-4352-821F-870A45EF42D6}" dt="2023-05-03T01:09:59.326" v="146" actId="2711"/>
+          <pc:sldLayoutMkLst>
+            <pc:docMk/>
+            <pc:sldMasterMk cId="1766057859" sldId="2147483648"/>
+            <pc:sldLayoutMk cId="2116765151" sldId="2147483650"/>
+          </pc:sldLayoutMkLst>
+          <pc:spChg chg="mod">
+            <ac:chgData name="Scruel Tao" userId="5ea5c98d59b44d4b" providerId="LiveId" clId="{674EA098-B68C-4352-821F-870A45EF42D6}" dt="2023-05-03T01:09:59.326" v="146" actId="2711"/>
+            <ac:spMkLst>
+              <pc:docMk/>
+              <pc:sldMasterMk cId="1766057859" sldId="2147483648"/>
+              <pc:sldLayoutMk cId="2116765151" sldId="2147483650"/>
+              <ac:spMk id="3" creationId="{9C7469E7-ED7E-A1F2-48AF-DF31AAC06407}"/>
+            </ac:spMkLst>
+          </pc:spChg>
+          <pc:spChg chg="del">
+            <ac:chgData name="Scruel Tao" userId="5ea5c98d59b44d4b" providerId="LiveId" clId="{674EA098-B68C-4352-821F-870A45EF42D6}" dt="2023-05-03T00:12:10.160" v="142" actId="478"/>
+            <ac:spMkLst>
+              <pc:docMk/>
+              <pc:sldMasterMk cId="1766057859" sldId="2147483648"/>
+              <pc:sldLayoutMk cId="2116765151" sldId="2147483650"/>
+              <ac:spMk id="7" creationId="{CC508A81-C1C7-B1D4-63BC-4C397A9B30DA}"/>
+            </ac:spMkLst>
+          </pc:spChg>
+          <pc:spChg chg="add mod">
+            <ac:chgData name="Scruel Tao" userId="5ea5c98d59b44d4b" providerId="LiveId" clId="{674EA098-B68C-4352-821F-870A45EF42D6}" dt="2023-05-03T00:12:10.394" v="143"/>
+            <ac:spMkLst>
+              <pc:docMk/>
+              <pc:sldMasterMk cId="1766057859" sldId="2147483648"/>
+              <pc:sldLayoutMk cId="2116765151" sldId="2147483650"/>
+              <ac:spMk id="8" creationId="{06E3AB9C-1F00-B976-3D14-01C5C7691E86}"/>
+            </ac:spMkLst>
+          </pc:spChg>
+        </pc:sldLayoutChg>
+        <pc:sldLayoutChg chg="addSp delSp modSp mod">
+          <pc:chgData name="Scruel Tao" userId="5ea5c98d59b44d4b" providerId="LiveId" clId="{674EA098-B68C-4352-821F-870A45EF42D6}" dt="2023-05-03T01:10:04.512" v="147" actId="2711"/>
+          <pc:sldLayoutMkLst>
+            <pc:docMk/>
+            <pc:sldMasterMk cId="1766057859" sldId="2147483648"/>
+            <pc:sldLayoutMk cId="2296489930" sldId="2147483652"/>
+          </pc:sldLayoutMkLst>
+          <pc:spChg chg="mod">
+            <ac:chgData name="Scruel Tao" userId="5ea5c98d59b44d4b" providerId="LiveId" clId="{674EA098-B68C-4352-821F-870A45EF42D6}" dt="2023-05-03T01:10:04.512" v="147" actId="2711"/>
+            <ac:spMkLst>
+              <pc:docMk/>
+              <pc:sldMasterMk cId="1766057859" sldId="2147483648"/>
+              <pc:sldLayoutMk cId="2296489930" sldId="2147483652"/>
+              <ac:spMk id="3" creationId="{FA361A1F-DD24-D4DC-FDF8-14089EDC7CAD}"/>
+            </ac:spMkLst>
+          </pc:spChg>
+          <pc:spChg chg="mod">
+            <ac:chgData name="Scruel Tao" userId="5ea5c98d59b44d4b" providerId="LiveId" clId="{674EA098-B68C-4352-821F-870A45EF42D6}" dt="2023-05-03T01:10:04.512" v="147" actId="2711"/>
+            <ac:spMkLst>
+              <pc:docMk/>
+              <pc:sldMasterMk cId="1766057859" sldId="2147483648"/>
+              <pc:sldLayoutMk cId="2296489930" sldId="2147483652"/>
+              <ac:spMk id="4" creationId="{F7656781-5A02-AEE4-2F0C-71BC7C17E38F}"/>
+            </ac:spMkLst>
+          </pc:spChg>
+          <pc:spChg chg="del">
+            <ac:chgData name="Scruel Tao" userId="5ea5c98d59b44d4b" providerId="LiveId" clId="{674EA098-B68C-4352-821F-870A45EF42D6}" dt="2023-05-03T00:12:12.584" v="144" actId="478"/>
+            <ac:spMkLst>
+              <pc:docMk/>
+              <pc:sldMasterMk cId="1766057859" sldId="2147483648"/>
+              <pc:sldLayoutMk cId="2296489930" sldId="2147483652"/>
+              <ac:spMk id="8" creationId="{C5A5C420-1B53-618C-C968-A8FEF109459A}"/>
+            </ac:spMkLst>
+          </pc:spChg>
+          <pc:spChg chg="add mod">
+            <ac:chgData name="Scruel Tao" userId="5ea5c98d59b44d4b" providerId="LiveId" clId="{674EA098-B68C-4352-821F-870A45EF42D6}" dt="2023-05-03T00:12:12.802" v="145"/>
+            <ac:spMkLst>
+              <pc:docMk/>
+              <pc:sldMasterMk cId="1766057859" sldId="2147483648"/>
+              <pc:sldLayoutMk cId="2296489930" sldId="2147483652"/>
+              <ac:spMk id="9" creationId="{6BB89245-A1EF-A5A1-D83A-FCD5055546A3}"/>
+            </ac:spMkLst>
+          </pc:spChg>
+        </pc:sldLayoutChg>
+        <pc:sldLayoutChg chg="delSp modSp mod">
+          <pc:chgData name="Scruel Tao" userId="5ea5c98d59b44d4b" providerId="LiveId" clId="{674EA098-B68C-4352-821F-870A45EF42D6}" dt="2023-05-16T04:01:14.303" v="159" actId="478"/>
+          <pc:sldLayoutMkLst>
+            <pc:docMk/>
+            <pc:sldMasterMk cId="3100448702" sldId="2147483661"/>
+            <pc:sldLayoutMk cId="1337634028" sldId="2147483660"/>
+          </pc:sldLayoutMkLst>
+          <pc:spChg chg="del mod">
+            <ac:chgData name="Scruel Tao" userId="5ea5c98d59b44d4b" providerId="LiveId" clId="{674EA098-B68C-4352-821F-870A45EF42D6}" dt="2023-05-16T04:01:14.303" v="159" actId="478"/>
+            <ac:spMkLst>
+              <pc:docMk/>
+              <pc:sldMasterMk cId="3100448702" sldId="2147483661"/>
+              <pc:sldLayoutMk cId="1337634028" sldId="2147483660"/>
+              <ac:spMk id="19472" creationId="{BD0BF484-93B1-9A87-952A-7D5E9B29C38D}"/>
+            </ac:spMkLst>
+          </pc:spChg>
+        </pc:sldLayoutChg>
+      </pc:sldMasterChg>
+    </pc:docChg>
+  </pc:docChgLst>
+  <pc:docChgLst>
+    <pc:chgData name="Scruel Tao" userId="5ea5c98d59b44d4b" providerId="LiveId" clId="{59D86E35-10FA-4374-BB25-1DB89747E90C}"/>
+    <pc:docChg chg="undo custSel modSld">
+      <pc:chgData name="Scruel Tao" userId="5ea5c98d59b44d4b" providerId="LiveId" clId="{59D86E35-10FA-4374-BB25-1DB89747E90C}" dt="2023-08-15T14:52:29.987" v="7" actId="13926"/>
+      <pc:docMkLst>
+        <pc:docMk/>
+      </pc:docMkLst>
+      <pc:sldChg chg="modSp mod">
+        <pc:chgData name="Scruel Tao" userId="5ea5c98d59b44d4b" providerId="LiveId" clId="{59D86E35-10FA-4374-BB25-1DB89747E90C}" dt="2023-08-15T14:52:29.987" v="7" actId="13926"/>
+        <pc:sldMkLst>
+          <pc:docMk/>
+          <pc:sldMk cId="1112998187" sldId="257"/>
+        </pc:sldMkLst>
+        <pc:spChg chg="mod">
+          <ac:chgData name="Scruel Tao" userId="5ea5c98d59b44d4b" providerId="LiveId" clId="{59D86E35-10FA-4374-BB25-1DB89747E90C}" dt="2023-08-15T14:52:29.987" v="7" actId="13926"/>
+          <ac:spMkLst>
+            <pc:docMk/>
+            <pc:sldMk cId="1112998187" sldId="257"/>
+            <ac:spMk id="3" creationId="{AC7759D9-0BB4-08ED-8476-24F7D903D6DE}"/>
+          </ac:spMkLst>
+        </pc:spChg>
+      </pc:sldChg>
+    </pc:docChg>
+  </pc:docChgLst>
+  <pc:docChgLst>
+    <pc:chgData name="Scruel Tao" userId="5ea5c98d59b44d4b" providerId="LiveId" clId="{A52ED264-C864-416B-BFF4-46855FE833A0}"/>
+    <pc:docChg chg="undo redo custSel addSld delSld modSld modMainMaster">
+      <pc:chgData name="Scruel Tao" userId="5ea5c98d59b44d4b" providerId="LiveId" clId="{A52ED264-C864-416B-BFF4-46855FE833A0}" dt="2023-04-25T06:04:49.595" v="147" actId="47"/>
+      <pc:docMkLst>
+        <pc:docMk/>
+      </pc:docMkLst>
+      <pc:sldChg chg="modSp mod">
+        <pc:chgData name="Scruel Tao" userId="5ea5c98d59b44d4b" providerId="LiveId" clId="{A52ED264-C864-416B-BFF4-46855FE833A0}" dt="2023-04-25T06:04:25.067" v="132" actId="20577"/>
+        <pc:sldMkLst>
+          <pc:docMk/>
+          <pc:sldMk cId="1112998187" sldId="257"/>
+        </pc:sldMkLst>
+        <pc:spChg chg="mod">
+          <ac:chgData name="Scruel Tao" userId="5ea5c98d59b44d4b" providerId="LiveId" clId="{A52ED264-C864-416B-BFF4-46855FE833A0}" dt="2023-04-25T05:55:34.925" v="7" actId="20577"/>
+          <ac:spMkLst>
+            <pc:docMk/>
+            <pc:sldMk cId="1112998187" sldId="257"/>
+            <ac:spMk id="2" creationId="{1422DFF6-0952-1023-64E3-97184D36BE3F}"/>
+          </ac:spMkLst>
+        </pc:spChg>
+        <pc:spChg chg="mod">
+          <ac:chgData name="Scruel Tao" userId="5ea5c98d59b44d4b" providerId="LiveId" clId="{A52ED264-C864-416B-BFF4-46855FE833A0}" dt="2023-04-25T06:04:25.067" v="132" actId="20577"/>
+          <ac:spMkLst>
+            <pc:docMk/>
+            <pc:sldMk cId="1112998187" sldId="257"/>
+            <ac:spMk id="3" creationId="{AC7759D9-0BB4-08ED-8476-24F7D903D6DE}"/>
+          </ac:spMkLst>
+        </pc:spChg>
+      </pc:sldChg>
+      <pc:sldChg chg="del">
+        <pc:chgData name="Scruel Tao" userId="5ea5c98d59b44d4b" providerId="LiveId" clId="{A52ED264-C864-416B-BFF4-46855FE833A0}" dt="2023-04-25T06:04:27.581" v="133" actId="47"/>
+        <pc:sldMkLst>
+          <pc:docMk/>
+          <pc:sldMk cId="3636494425" sldId="258"/>
+        </pc:sldMkLst>
+      </pc:sldChg>
+      <pc:sldChg chg="modSp mod">
+        <pc:chgData name="Scruel Tao" userId="5ea5c98d59b44d4b" providerId="LiveId" clId="{A52ED264-C864-416B-BFF4-46855FE833A0}" dt="2023-04-25T06:04:37.445" v="134"/>
+        <pc:sldMkLst>
+          <pc:docMk/>
+          <pc:sldMk cId="1199684676" sldId="259"/>
+        </pc:sldMkLst>
+        <pc:spChg chg="mod">
+          <ac:chgData name="Scruel Tao" userId="5ea5c98d59b44d4b" providerId="LiveId" clId="{A52ED264-C864-416B-BFF4-46855FE833A0}" dt="2023-04-25T06:04:37.445" v="134"/>
+          <ac:spMkLst>
+            <pc:docMk/>
+            <pc:sldMk cId="1199684676" sldId="259"/>
+            <ac:spMk id="2" creationId="{ABA783DF-49A6-7EF1-661E-C574E2C2F386}"/>
+          </ac:spMkLst>
+        </pc:spChg>
+      </pc:sldChg>
+      <pc:sldChg chg="modSp">
+        <pc:chgData name="Scruel Tao" userId="5ea5c98d59b44d4b" providerId="LiveId" clId="{A52ED264-C864-416B-BFF4-46855FE833A0}" dt="2023-04-25T05:55:16.475" v="3" actId="113"/>
+        <pc:sldMkLst>
+          <pc:docMk/>
+          <pc:sldMk cId="0" sldId="260"/>
+        </pc:sldMkLst>
+        <pc:spChg chg="mod">
+          <ac:chgData name="Scruel Tao" userId="5ea5c98d59b44d4b" providerId="LiveId" clId="{A52ED264-C864-416B-BFF4-46855FE833A0}" dt="2023-04-25T05:55:16.475" v="3" actId="113"/>
+          <ac:spMkLst>
+            <pc:docMk/>
+            <pc:sldMk cId="0" sldId="260"/>
+            <ac:spMk id="1227786" creationId="{C3F4DD20-8FA3-3CB0-19B6-FE0240B92A34}"/>
+          </ac:spMkLst>
+        </pc:spChg>
+      </pc:sldChg>
+      <pc:sldChg chg="del">
+        <pc:chgData name="Scruel Tao" userId="5ea5c98d59b44d4b" providerId="LiveId" clId="{A52ED264-C864-416B-BFF4-46855FE833A0}" dt="2023-04-25T06:04:41.889" v="135" actId="47"/>
+        <pc:sldMkLst>
+          <pc:docMk/>
+          <pc:sldMk cId="3351160539" sldId="261"/>
+        </pc:sldMkLst>
+      </pc:sldChg>
+      <pc:sldChg chg="del">
+        <pc:chgData name="Scruel Tao" userId="5ea5c98d59b44d4b" providerId="LiveId" clId="{A52ED264-C864-416B-BFF4-46855FE833A0}" dt="2023-04-25T06:04:42.937" v="138" actId="47"/>
+        <pc:sldMkLst>
+          <pc:docMk/>
+          <pc:sldMk cId="1122177192" sldId="262"/>
+        </pc:sldMkLst>
+      </pc:sldChg>
+      <pc:sldChg chg="del">
+        <pc:chgData name="Scruel Tao" userId="5ea5c98d59b44d4b" providerId="LiveId" clId="{A52ED264-C864-416B-BFF4-46855FE833A0}" dt="2023-04-25T06:04:43.130" v="139" actId="47"/>
+        <pc:sldMkLst>
+          <pc:docMk/>
+          <pc:sldMk cId="3745137309" sldId="263"/>
+        </pc:sldMkLst>
+      </pc:sldChg>
+      <pc:sldChg chg="del">
+        <pc:chgData name="Scruel Tao" userId="5ea5c98d59b44d4b" providerId="LiveId" clId="{A52ED264-C864-416B-BFF4-46855FE833A0}" dt="2023-04-25T06:04:42.768" v="137" actId="47"/>
+        <pc:sldMkLst>
+          <pc:docMk/>
+          <pc:sldMk cId="3725727672" sldId="264"/>
+        </pc:sldMkLst>
+      </pc:sldChg>
+      <pc:sldChg chg="del">
+        <pc:chgData name="Scruel Tao" userId="5ea5c98d59b44d4b" providerId="LiveId" clId="{A52ED264-C864-416B-BFF4-46855FE833A0}" dt="2023-04-25T06:04:43.938" v="140" actId="47"/>
+        <pc:sldMkLst>
+          <pc:docMk/>
+          <pc:sldMk cId="3416507657" sldId="265"/>
+        </pc:sldMkLst>
+      </pc:sldChg>
+      <pc:sldChg chg="del">
+        <pc:chgData name="Scruel Tao" userId="5ea5c98d59b44d4b" providerId="LiveId" clId="{A52ED264-C864-416B-BFF4-46855FE833A0}" dt="2023-04-25T06:04:42.150" v="136" actId="47"/>
+        <pc:sldMkLst>
+          <pc:docMk/>
+          <pc:sldMk cId="192831406" sldId="270"/>
+        </pc:sldMkLst>
+      </pc:sldChg>
+      <pc:sldChg chg="del">
+        <pc:chgData name="Scruel Tao" userId="5ea5c98d59b44d4b" providerId="LiveId" clId="{A52ED264-C864-416B-BFF4-46855FE833A0}" dt="2023-04-25T06:04:44.362" v="141" actId="47"/>
+        <pc:sldMkLst>
+          <pc:docMk/>
+          <pc:sldMk cId="555885545" sldId="271"/>
+        </pc:sldMkLst>
+      </pc:sldChg>
+      <pc:sldChg chg="del">
+        <pc:chgData name="Scruel Tao" userId="5ea5c98d59b44d4b" providerId="LiveId" clId="{A52ED264-C864-416B-BFF4-46855FE833A0}" dt="2023-04-25T06:04:45.421" v="143" actId="47"/>
+        <pc:sldMkLst>
+          <pc:docMk/>
+          <pc:sldMk cId="1518949093" sldId="272"/>
+        </pc:sldMkLst>
+      </pc:sldChg>
+      <pc:sldChg chg="del">
+        <pc:chgData name="Scruel Tao" userId="5ea5c98d59b44d4b" providerId="LiveId" clId="{A52ED264-C864-416B-BFF4-46855FE833A0}" dt="2023-04-25T06:04:45.923" v="144" actId="47"/>
+        <pc:sldMkLst>
+          <pc:docMk/>
+          <pc:sldMk cId="1301849154" sldId="273"/>
+        </pc:sldMkLst>
+      </pc:sldChg>
+      <pc:sldChg chg="add del">
+        <pc:chgData name="Scruel Tao" userId="5ea5c98d59b44d4b" providerId="LiveId" clId="{A52ED264-C864-416B-BFF4-46855FE833A0}" dt="2023-04-25T06:04:49.595" v="147" actId="47"/>
+        <pc:sldMkLst>
+          <pc:docMk/>
+          <pc:sldMk cId="2878673110" sldId="274"/>
+        </pc:sldMkLst>
+      </pc:sldChg>
+      <pc:sldChg chg="del">
+        <pc:chgData name="Scruel Tao" userId="5ea5c98d59b44d4b" providerId="LiveId" clId="{A52ED264-C864-416B-BFF4-46855FE833A0}" dt="2023-04-25T06:04:44.775" v="142" actId="47"/>
+        <pc:sldMkLst>
+          <pc:docMk/>
+          <pc:sldMk cId="1525970791" sldId="275"/>
+        </pc:sldMkLst>
+      </pc:sldChg>
+      <pc:sldMasterChg chg="modSldLayout">
+        <pc:chgData name="Scruel Tao" userId="5ea5c98d59b44d4b" providerId="LiveId" clId="{A52ED264-C864-416B-BFF4-46855FE833A0}" dt="2023-04-25T06:02:10.750" v="86" actId="14100"/>
+        <pc:sldMasterMkLst>
+          <pc:docMk/>
+          <pc:sldMasterMk cId="1766057859" sldId="2147483648"/>
+        </pc:sldMasterMkLst>
+        <pc:sldLayoutChg chg="modSp mod">
+          <pc:chgData name="Scruel Tao" userId="5ea5c98d59b44d4b" providerId="LiveId" clId="{A52ED264-C864-416B-BFF4-46855FE833A0}" dt="2023-04-25T06:02:04.393" v="84" actId="14100"/>
+          <pc:sldLayoutMkLst>
+            <pc:docMk/>
+            <pc:sldMasterMk cId="1766057859" sldId="2147483648"/>
+            <pc:sldLayoutMk cId="2116765151" sldId="2147483650"/>
+          </pc:sldLayoutMkLst>
+          <pc:spChg chg="mod">
+            <ac:chgData name="Scruel Tao" userId="5ea5c98d59b44d4b" providerId="LiveId" clId="{A52ED264-C864-416B-BFF4-46855FE833A0}" dt="2023-04-25T06:02:04.393" v="84" actId="14100"/>
+            <ac:spMkLst>
+              <pc:docMk/>
+              <pc:sldMasterMk cId="1766057859" sldId="2147483648"/>
+              <pc:sldLayoutMk cId="2116765151" sldId="2147483650"/>
+              <ac:spMk id="7" creationId="{CC508A81-C1C7-B1D4-63BC-4C397A9B30DA}"/>
+            </ac:spMkLst>
+          </pc:spChg>
+        </pc:sldLayoutChg>
+        <pc:sldLayoutChg chg="modSp mod">
+          <pc:chgData name="Scruel Tao" userId="5ea5c98d59b44d4b" providerId="LiveId" clId="{A52ED264-C864-416B-BFF4-46855FE833A0}" dt="2023-04-25T06:02:10.750" v="86" actId="14100"/>
+          <pc:sldLayoutMkLst>
+            <pc:docMk/>
+            <pc:sldMasterMk cId="1766057859" sldId="2147483648"/>
+            <pc:sldLayoutMk cId="2296489930" sldId="2147483652"/>
+          </pc:sldLayoutMkLst>
+          <pc:spChg chg="mod">
+            <ac:chgData name="Scruel Tao" userId="5ea5c98d59b44d4b" providerId="LiveId" clId="{A52ED264-C864-416B-BFF4-46855FE833A0}" dt="2023-04-25T06:02:10.750" v="86" actId="14100"/>
+            <ac:spMkLst>
+              <pc:docMk/>
+              <pc:sldMasterMk cId="1766057859" sldId="2147483648"/>
+              <pc:sldLayoutMk cId="2296489930" sldId="2147483652"/>
+              <ac:spMk id="8" creationId="{C5A5C420-1B53-618C-C968-A8FEF109459A}"/>
+            </ac:spMkLst>
+          </pc:spChg>
         </pc:sldLayoutChg>
       </pc:sldMasterChg>
     </pc:docChg>
@@ -3017,14 +3017,14 @@
           <pc:chgData name="Scruel Tao" userId="5ea5c98d59b44d4b" providerId="LiveId" clId="{42F73B06-DA81-4C67-8473-07E158E9C79B}" dt="2023-04-25T02:47:33.665" v="42" actId="21"/>
           <pc:sldLayoutMkLst>
             <pc:docMk/>
-            <pc:sldMasterMk cId="1766057859" sldId="2147483648"/>
+            <pc:sldMasterMk cId="3100448702" sldId="2147483661"/>
             <pc:sldLayoutMk cId="1337634028" sldId="2147483660"/>
           </pc:sldLayoutMkLst>
           <pc:picChg chg="del">
             <ac:chgData name="Scruel Tao" userId="5ea5c98d59b44d4b" providerId="LiveId" clId="{42F73B06-DA81-4C67-8473-07E158E9C79B}" dt="2023-04-25T02:47:33.665" v="42" actId="21"/>
             <ac:picMkLst>
               <pc:docMk/>
-              <pc:sldMasterMk cId="1766057859" sldId="2147483648"/>
+              <pc:sldMasterMk cId="3100448702" sldId="2147483661"/>
               <pc:sldLayoutMk cId="1337634028" sldId="2147483660"/>
               <ac:picMk id="19482" creationId="{8F2B9C9A-7CA4-5723-784E-DBADCF09186B}"/>
             </ac:picMkLst>
@@ -3130,7 +3130,7 @@
           <a:p>
             <a:fld id="{AC7E1972-C479-4420-A687-8FB83BA90DEB}" type="datetimeFigureOut">
               <a:rPr lang="zh-CN" altLang="en-US" smtClean="0"/>
-              <a:t>2025/6/5 Thu</a:t>
+              <a:t>2025/6/6 Fri</a:t>
             </a:fld>
             <a:endParaRPr lang="zh-CN" altLang="en-US"/>
           </a:p>
@@ -3307,7 +3307,7 @@
           <a:p>
             <a:fld id="{89B7AB8D-BCC0-43C6-B24C-055A25DB558F}" type="datetimeFigureOut">
               <a:rPr lang="zh-CN" altLang="en-US" smtClean="0"/>
-              <a:t>2025/6/5 Thu</a:t>
+              <a:t>2025/6/6 Fri</a:t>
             </a:fld>
             <a:endParaRPr lang="zh-CN" altLang="en-US"/>
           </a:p>
@@ -9381,7 +9381,7 @@
           <a:p>
             <a:fld id="{F721228B-0167-4061-A906-8575043315EE}" type="datetimeFigureOut">
               <a:rPr lang="zh-CN" altLang="en-US" smtClean="0"/>
-              <a:t>2025/6/5 Thu</a:t>
+              <a:t>2025/6/6 Fri</a:t>
             </a:fld>
             <a:endParaRPr lang="zh-CN" altLang="en-US"/>
           </a:p>
@@ -9444,13 +9444,25 @@
     </p:spTree>
     <p:extLst>
       <p:ext uri="{BB962C8B-B14F-4D97-AF65-F5344CB8AC3E}">
-        <p14:creationId xmlns:p14="http://schemas.microsoft.com/office/powerpoint/2010/main" val="2187492797"/>
+        <p14:creationId xmlns:p14="http://schemas.microsoft.com/office/powerpoint/2010/main" val="248542655"/>
       </p:ext>
     </p:extLst>
   </p:cSld>
   <p:clrMapOvr>
     <a:masterClrMapping/>
   </p:clrMapOvr>
+  <mc:AlternateContent xmlns:mc="http://schemas.openxmlformats.org/markup-compatibility/2006" xmlns:p14="http://schemas.microsoft.com/office/powerpoint/2010/main">
+    <mc:Choice Requires="p14">
+      <p:transition spd="med" p14:dur="700">
+        <p:fade/>
+      </p:transition>
+    </mc:Choice>
+    <mc:Fallback xmlns="">
+      <p:transition spd="med">
+        <p:fade/>
+      </p:transition>
+    </mc:Fallback>
+  </mc:AlternateContent>
 </p:sldLayout>
 </file>
 
@@ -9579,7 +9591,7 @@
           <a:p>
             <a:fld id="{F721228B-0167-4061-A906-8575043315EE}" type="datetimeFigureOut">
               <a:rPr lang="zh-CN" altLang="en-US" smtClean="0"/>
-              <a:t>2025/6/5 Thu</a:t>
+              <a:t>2025/6/6 Fri</a:t>
             </a:fld>
             <a:endParaRPr lang="zh-CN" altLang="en-US"/>
           </a:p>
@@ -9642,13 +9654,25 @@
     </p:spTree>
     <p:extLst>
       <p:ext uri="{BB962C8B-B14F-4D97-AF65-F5344CB8AC3E}">
-        <p14:creationId xmlns:p14="http://schemas.microsoft.com/office/powerpoint/2010/main" val="3533658407"/>
+        <p14:creationId xmlns:p14="http://schemas.microsoft.com/office/powerpoint/2010/main" val="168876965"/>
       </p:ext>
     </p:extLst>
   </p:cSld>
   <p:clrMapOvr>
     <a:masterClrMapping/>
   </p:clrMapOvr>
+  <mc:AlternateContent xmlns:mc="http://schemas.openxmlformats.org/markup-compatibility/2006" xmlns:p14="http://schemas.microsoft.com/office/powerpoint/2010/main">
+    <mc:Choice Requires="p14">
+      <p:transition spd="med" p14:dur="700">
+        <p:fade/>
+      </p:transition>
+    </mc:Choice>
+    <mc:Fallback xmlns="">
+      <p:transition spd="med">
+        <p:fade/>
+      </p:transition>
+    </mc:Fallback>
+  </mc:AlternateContent>
 </p:sldLayout>
 </file>
 
@@ -9787,7 +9811,7 @@
           <a:p>
             <a:fld id="{F721228B-0167-4061-A906-8575043315EE}" type="datetimeFigureOut">
               <a:rPr lang="zh-CN" altLang="en-US" smtClean="0"/>
-              <a:t>2025/6/5 Thu</a:t>
+              <a:t>2025/6/6 Fri</a:t>
             </a:fld>
             <a:endParaRPr lang="zh-CN" altLang="en-US"/>
           </a:p>
@@ -9850,18 +9874,30 @@
     </p:spTree>
     <p:extLst>
       <p:ext uri="{BB962C8B-B14F-4D97-AF65-F5344CB8AC3E}">
-        <p14:creationId xmlns:p14="http://schemas.microsoft.com/office/powerpoint/2010/main" val="1976972956"/>
+        <p14:creationId xmlns:p14="http://schemas.microsoft.com/office/powerpoint/2010/main" val="3976996541"/>
       </p:ext>
     </p:extLst>
   </p:cSld>
   <p:clrMapOvr>
     <a:masterClrMapping/>
   </p:clrMapOvr>
+  <mc:AlternateContent xmlns:mc="http://schemas.openxmlformats.org/markup-compatibility/2006" xmlns:p14="http://schemas.microsoft.com/office/powerpoint/2010/main">
+    <mc:Choice Requires="p14">
+      <p:transition spd="med" p14:dur="700">
+        <p:fade/>
+      </p:transition>
+    </mc:Choice>
+    <mc:Fallback xmlns="">
+      <p:transition spd="med">
+        <p:fade/>
+      </p:transition>
+    </mc:Fallback>
+  </mc:AlternateContent>
 </p:sldLayout>
 </file>
 
 <file path=ppt/slideLayouts/slideLayout12.xml><?xml version="1.0" encoding="utf-8"?>
-<p:sldLayout xmlns:a="http://schemas.openxmlformats.org/drawingml/2006/main" xmlns:r="http://schemas.openxmlformats.org/officeDocument/2006/relationships" xmlns:p="http://schemas.openxmlformats.org/presentationml/2006/main" showMasterSp="0" userDrawn="1">
+<p:sldLayout xmlns:a="http://schemas.openxmlformats.org/drawingml/2006/main" xmlns:r="http://schemas.openxmlformats.org/officeDocument/2006/relationships" xmlns:p="http://schemas.openxmlformats.org/presentationml/2006/main" preserve="1" userDrawn="1">
   <p:cSld name="1_标题幻灯片">
     <p:spTree>
       <p:nvGrpSpPr>
@@ -10070,14 +10106,257 @@
     </p:spTree>
     <p:extLst>
       <p:ext uri="{BB962C8B-B14F-4D97-AF65-F5344CB8AC3E}">
-        <p14:creationId xmlns:p14="http://schemas.microsoft.com/office/powerpoint/2010/main" val="1337634028"/>
+        <p14:creationId xmlns:p14="http://schemas.microsoft.com/office/powerpoint/2010/main" val="2309076026"/>
       </p:ext>
     </p:extLst>
   </p:cSld>
   <p:clrMapOvr>
     <a:masterClrMapping/>
   </p:clrMapOvr>
-  <p:transition spd="med"/>
+  <mc:AlternateContent xmlns:mc="http://schemas.openxmlformats.org/markup-compatibility/2006" xmlns:p14="http://schemas.microsoft.com/office/powerpoint/2010/main">
+    <mc:Choice Requires="p14">
+      <p:transition spd="med" p14:dur="700">
+        <p:fade/>
+      </p:transition>
+    </mc:Choice>
+    <mc:Fallback xmlns="">
+      <p:transition spd="med">
+        <p:fade/>
+      </p:transition>
+    </mc:Fallback>
+  </mc:AlternateContent>
+</p:sldLayout>
+</file>
+
+<file path=ppt/slideLayouts/slideLayout13.xml><?xml version="1.0" encoding="utf-8"?>
+<p:sldLayout xmlns:a="http://schemas.openxmlformats.org/drawingml/2006/main" xmlns:r="http://schemas.openxmlformats.org/officeDocument/2006/relationships" xmlns:p="http://schemas.openxmlformats.org/presentationml/2006/main" preserve="1" userDrawn="1">
+  <p:cSld name="2_标题幻灯片">
+    <p:spTree>
+      <p:nvGrpSpPr>
+        <p:cNvPr id="1" name=""/>
+        <p:cNvGrpSpPr/>
+        <p:nvPr/>
+      </p:nvGrpSpPr>
+      <p:grpSpPr>
+        <a:xfrm>
+          <a:off x="0" y="0"/>
+          <a:ext cx="0" cy="0"/>
+          <a:chOff x="0" y="0"/>
+          <a:chExt cx="0" cy="0"/>
+        </a:xfrm>
+      </p:grpSpPr>
+      <p:sp>
+        <p:nvSpPr>
+          <p:cNvPr id="19483" name="Rectangle 27">
+            <a:extLst>
+              <a:ext uri="{FF2B5EF4-FFF2-40B4-BE49-F238E27FC236}">
+                <a16:creationId xmlns:a16="http://schemas.microsoft.com/office/drawing/2014/main" id="{FFE563FA-4880-391C-43FD-EF34392B9FBB}"/>
+              </a:ext>
+            </a:extLst>
+          </p:cNvPr>
+          <p:cNvSpPr>
+            <a:spLocks noChangeArrowheads="1"/>
+          </p:cNvSpPr>
+          <p:nvPr userDrawn="1"/>
+        </p:nvSpPr>
+        <p:spPr bwMode="auto">
+          <a:xfrm>
+            <a:off x="2641600" y="4191000"/>
+            <a:ext cx="7416800" cy="2209800"/>
+          </a:xfrm>
+          <a:prstGeom prst="rect">
+            <a:avLst/>
+          </a:prstGeom>
+          <a:noFill/>
+          <a:ln>
+            <a:noFill/>
+          </a:ln>
+          <a:effectLst/>
+          <a:extLst>
+            <a:ext uri="{909E8E84-426E-40DD-AFC4-6F175D3DCCD1}">
+              <a14:hiddenFill xmlns:a14="http://schemas.microsoft.com/office/drawing/2010/main">
+                <a:solidFill>
+                  <a:schemeClr val="accent1"/>
+                </a:solidFill>
+              </a14:hiddenFill>
+            </a:ext>
+            <a:ext uri="{91240B29-F687-4F45-9708-019B960494DF}">
+              <a14:hiddenLine xmlns:a14="http://schemas.microsoft.com/office/drawing/2010/main" w="9525">
+                <a:solidFill>
+                  <a:schemeClr val="tx1"/>
+                </a:solidFill>
+                <a:miter lim="800000"/>
+                <a:headEnd/>
+                <a:tailEnd/>
+              </a14:hiddenLine>
+            </a:ext>
+            <a:ext uri="{AF507438-7753-43E0-B8FC-AC1667EBCBE1}">
+              <a14:hiddenEffects xmlns:a14="http://schemas.microsoft.com/office/drawing/2010/main">
+                <a:effectLst>
+                  <a:outerShdw dist="35921" dir="2700000" algn="ctr" rotWithShape="0">
+                    <a:schemeClr val="bg2"/>
+                  </a:outerShdw>
+                </a:effectLst>
+              </a14:hiddenEffects>
+            </a:ext>
+          </a:extLst>
+        </p:spPr>
+        <p:txBody>
+          <a:bodyPr/>
+          <a:lstStyle>
+            <a:lvl1pPr marL="287338" indent="-287338" eaLnBrk="0" hangingPunct="0">
+              <a:spcBef>
+                <a:spcPct val="0"/>
+              </a:spcBef>
+              <a:defRPr kumimoji="1" sz="2400">
+                <a:solidFill>
+                  <a:schemeClr val="tx1"/>
+                </a:solidFill>
+                <a:latin typeface="Times New Roman" panose="02020603050405020304" pitchFamily="18" charset="0"/>
+              </a:defRPr>
+            </a:lvl1pPr>
+            <a:lvl2pPr marL="744538" indent="-287338" eaLnBrk="0" hangingPunct="0">
+              <a:spcBef>
+                <a:spcPct val="0"/>
+              </a:spcBef>
+              <a:defRPr kumimoji="1" sz="2400">
+                <a:solidFill>
+                  <a:schemeClr val="tx1"/>
+                </a:solidFill>
+                <a:latin typeface="Times New Roman" panose="02020603050405020304" pitchFamily="18" charset="0"/>
+              </a:defRPr>
+            </a:lvl2pPr>
+            <a:lvl3pPr eaLnBrk="0" hangingPunct="0">
+              <a:spcBef>
+                <a:spcPct val="0"/>
+              </a:spcBef>
+              <a:defRPr kumimoji="1" sz="2400">
+                <a:solidFill>
+                  <a:schemeClr val="tx1"/>
+                </a:solidFill>
+                <a:latin typeface="Times New Roman" panose="02020603050405020304" pitchFamily="18" charset="0"/>
+              </a:defRPr>
+            </a:lvl3pPr>
+            <a:lvl4pPr eaLnBrk="0" hangingPunct="0">
+              <a:spcBef>
+                <a:spcPct val="0"/>
+              </a:spcBef>
+              <a:defRPr kumimoji="1" sz="2400">
+                <a:solidFill>
+                  <a:schemeClr val="tx1"/>
+                </a:solidFill>
+                <a:latin typeface="Times New Roman" panose="02020603050405020304" pitchFamily="18" charset="0"/>
+              </a:defRPr>
+            </a:lvl4pPr>
+            <a:lvl5pPr eaLnBrk="0" hangingPunct="0">
+              <a:spcBef>
+                <a:spcPct val="0"/>
+              </a:spcBef>
+              <a:defRPr kumimoji="1" sz="2400">
+                <a:solidFill>
+                  <a:schemeClr val="tx1"/>
+                </a:solidFill>
+                <a:latin typeface="Times New Roman" panose="02020603050405020304" pitchFamily="18" charset="0"/>
+              </a:defRPr>
+            </a:lvl5pPr>
+            <a:lvl6pPr eaLnBrk="0" fontAlgn="base" hangingPunct="0">
+              <a:spcBef>
+                <a:spcPct val="0"/>
+              </a:spcBef>
+              <a:spcAft>
+                <a:spcPct val="0"/>
+              </a:spcAft>
+              <a:defRPr kumimoji="1" sz="2400">
+                <a:solidFill>
+                  <a:schemeClr val="tx1"/>
+                </a:solidFill>
+                <a:latin typeface="Times New Roman" panose="02020603050405020304" pitchFamily="18" charset="0"/>
+              </a:defRPr>
+            </a:lvl6pPr>
+            <a:lvl7pPr eaLnBrk="0" fontAlgn="base" hangingPunct="0">
+              <a:spcBef>
+                <a:spcPct val="0"/>
+              </a:spcBef>
+              <a:spcAft>
+                <a:spcPct val="0"/>
+              </a:spcAft>
+              <a:defRPr kumimoji="1" sz="2400">
+                <a:solidFill>
+                  <a:schemeClr val="tx1"/>
+                </a:solidFill>
+                <a:latin typeface="Times New Roman" panose="02020603050405020304" pitchFamily="18" charset="0"/>
+              </a:defRPr>
+            </a:lvl7pPr>
+            <a:lvl8pPr eaLnBrk="0" fontAlgn="base" hangingPunct="0">
+              <a:spcBef>
+                <a:spcPct val="0"/>
+              </a:spcBef>
+              <a:spcAft>
+                <a:spcPct val="0"/>
+              </a:spcAft>
+              <a:defRPr kumimoji="1" sz="2400">
+                <a:solidFill>
+                  <a:schemeClr val="tx1"/>
+                </a:solidFill>
+                <a:latin typeface="Times New Roman" panose="02020603050405020304" pitchFamily="18" charset="0"/>
+              </a:defRPr>
+            </a:lvl8pPr>
+            <a:lvl9pPr eaLnBrk="0" fontAlgn="base" hangingPunct="0">
+              <a:spcBef>
+                <a:spcPct val="0"/>
+              </a:spcBef>
+              <a:spcAft>
+                <a:spcPct val="0"/>
+              </a:spcAft>
+              <a:defRPr kumimoji="1" sz="2400">
+                <a:solidFill>
+                  <a:schemeClr val="tx1"/>
+                </a:solidFill>
+                <a:latin typeface="Times New Roman" panose="02020603050405020304" pitchFamily="18" charset="0"/>
+              </a:defRPr>
+            </a:lvl9pPr>
+          </a:lstStyle>
+          <a:p>
+            <a:pPr eaLnBrk="1" hangingPunct="1">
+              <a:lnSpc>
+                <a:spcPct val="102000"/>
+              </a:lnSpc>
+              <a:spcBef>
+                <a:spcPct val="20000"/>
+              </a:spcBef>
+              <a:buClr>
+                <a:srgbClr val="808080"/>
+              </a:buClr>
+              <a:buSzPct val="60000"/>
+            </a:pPr>
+            <a:endParaRPr kumimoji="0" lang="en-GB" altLang="zh-CN" sz="1600">
+              <a:latin typeface="Verdana" panose="020B0604030504040204" pitchFamily="34" charset="0"/>
+            </a:endParaRPr>
+          </a:p>
+        </p:txBody>
+      </p:sp>
+    </p:spTree>
+    <p:extLst>
+      <p:ext uri="{BB962C8B-B14F-4D97-AF65-F5344CB8AC3E}">
+        <p14:creationId xmlns:p14="http://schemas.microsoft.com/office/powerpoint/2010/main" val="1014008470"/>
+      </p:ext>
+    </p:extLst>
+  </p:cSld>
+  <p:clrMapOvr>
+    <a:masterClrMapping/>
+  </p:clrMapOvr>
+  <mc:AlternateContent xmlns:mc="http://schemas.openxmlformats.org/markup-compatibility/2006" xmlns:p14="http://schemas.microsoft.com/office/powerpoint/2010/main">
+    <mc:Choice Requires="p14">
+      <p:transition spd="med" p14:dur="700">
+        <p:fade/>
+      </p:transition>
+    </mc:Choice>
+    <mc:Fallback xmlns="">
+      <p:transition spd="med">
+        <p:fade/>
+      </p:transition>
+    </mc:Fallback>
+  </mc:AlternateContent>
 </p:sldLayout>
 </file>
 
@@ -10261,7 +10540,7 @@
           <a:p>
             <a:fld id="{F721228B-0167-4061-A906-8575043315EE}" type="datetimeFigureOut">
               <a:rPr lang="zh-CN" altLang="en-US" smtClean="0"/>
-              <a:t>2025/6/5 Thu</a:t>
+              <a:t>2025/6/6 Fri</a:t>
             </a:fld>
             <a:endParaRPr lang="zh-CN" altLang="en-US"/>
           </a:p>
@@ -10326,7 +10605,7 @@
           <p:cNvPr id="8" name="矩形 7">
             <a:extLst>
               <a:ext uri="{FF2B5EF4-FFF2-40B4-BE49-F238E27FC236}">
-                <a16:creationId xmlns:a16="http://schemas.microsoft.com/office/drawing/2014/main" id="{06E3AB9C-1F00-B976-3D14-01C5C7691E86}"/>
+                <a16:creationId xmlns:a16="http://schemas.microsoft.com/office/drawing/2014/main" id="{F52872EC-81BB-5622-062D-1B604B1CF283}"/>
               </a:ext>
             </a:extLst>
           </p:cNvPr>
@@ -10373,13 +10652,25 @@
     </p:spTree>
     <p:extLst>
       <p:ext uri="{BB962C8B-B14F-4D97-AF65-F5344CB8AC3E}">
-        <p14:creationId xmlns:p14="http://schemas.microsoft.com/office/powerpoint/2010/main" val="2116765151"/>
+        <p14:creationId xmlns:p14="http://schemas.microsoft.com/office/powerpoint/2010/main" val="2437033542"/>
       </p:ext>
     </p:extLst>
   </p:cSld>
   <p:clrMapOvr>
     <a:masterClrMapping/>
   </p:clrMapOvr>
+  <mc:AlternateContent xmlns:mc="http://schemas.openxmlformats.org/markup-compatibility/2006" xmlns:p14="http://schemas.microsoft.com/office/powerpoint/2010/main">
+    <mc:Choice Requires="p14">
+      <p:transition spd="med" p14:dur="700">
+        <p:fade/>
+      </p:transition>
+    </mc:Choice>
+    <mc:Fallback xmlns="">
+      <p:transition spd="med">
+        <p:fade/>
+      </p:transition>
+    </mc:Fallback>
+  </mc:AlternateContent>
 </p:sldLayout>
 </file>
 
@@ -10585,7 +10876,7 @@
           <a:p>
             <a:fld id="{F721228B-0167-4061-A906-8575043315EE}" type="datetimeFigureOut">
               <a:rPr lang="zh-CN" altLang="en-US" smtClean="0"/>
-              <a:t>2025/6/5 Thu</a:t>
+              <a:t>2025/6/6 Fri</a:t>
             </a:fld>
             <a:endParaRPr lang="zh-CN" altLang="en-US"/>
           </a:p>
@@ -10648,13 +10939,25 @@
     </p:spTree>
     <p:extLst>
       <p:ext uri="{BB962C8B-B14F-4D97-AF65-F5344CB8AC3E}">
-        <p14:creationId xmlns:p14="http://schemas.microsoft.com/office/powerpoint/2010/main" val="3876442843"/>
+        <p14:creationId xmlns:p14="http://schemas.microsoft.com/office/powerpoint/2010/main" val="851743257"/>
       </p:ext>
     </p:extLst>
   </p:cSld>
   <p:clrMapOvr>
     <a:masterClrMapping/>
   </p:clrMapOvr>
+  <mc:AlternateContent xmlns:mc="http://schemas.openxmlformats.org/markup-compatibility/2006" xmlns:p14="http://schemas.microsoft.com/office/powerpoint/2010/main">
+    <mc:Choice Requires="p14">
+      <p:transition spd="med" p14:dur="700">
+        <p:fade/>
+      </p:transition>
+    </mc:Choice>
+    <mc:Fallback xmlns="">
+      <p:transition spd="med">
+        <p:fade/>
+      </p:transition>
+    </mc:Fallback>
+  </mc:AlternateContent>
 </p:sldLayout>
 </file>
 
@@ -10931,7 +11234,7 @@
           <a:p>
             <a:fld id="{F721228B-0167-4061-A906-8575043315EE}" type="datetimeFigureOut">
               <a:rPr lang="zh-CN" altLang="en-US" smtClean="0"/>
-              <a:t>2025/6/5 Thu</a:t>
+              <a:t>2025/6/6 Fri</a:t>
             </a:fld>
             <a:endParaRPr lang="zh-CN" altLang="en-US"/>
           </a:p>
@@ -10996,7 +11299,7 @@
           <p:cNvPr id="9" name="矩形 8">
             <a:extLst>
               <a:ext uri="{FF2B5EF4-FFF2-40B4-BE49-F238E27FC236}">
-                <a16:creationId xmlns:a16="http://schemas.microsoft.com/office/drawing/2014/main" id="{6BB89245-A1EF-A5A1-D83A-FCD5055546A3}"/>
+                <a16:creationId xmlns:a16="http://schemas.microsoft.com/office/drawing/2014/main" id="{82EB41EB-0D08-7526-0E4D-92DD20C296DF}"/>
               </a:ext>
             </a:extLst>
           </p:cNvPr>
@@ -11043,13 +11346,25 @@
     </p:spTree>
     <p:extLst>
       <p:ext uri="{BB962C8B-B14F-4D97-AF65-F5344CB8AC3E}">
-        <p14:creationId xmlns:p14="http://schemas.microsoft.com/office/powerpoint/2010/main" val="2296489930"/>
+        <p14:creationId xmlns:p14="http://schemas.microsoft.com/office/powerpoint/2010/main" val="1435006301"/>
       </p:ext>
     </p:extLst>
   </p:cSld>
   <p:clrMapOvr>
     <a:masterClrMapping/>
   </p:clrMapOvr>
+  <mc:AlternateContent xmlns:mc="http://schemas.openxmlformats.org/markup-compatibility/2006" xmlns:p14="http://schemas.microsoft.com/office/powerpoint/2010/main">
+    <mc:Choice Requires="p14">
+      <p:transition spd="med" p14:dur="700">
+        <p:fade/>
+      </p:transition>
+    </mc:Choice>
+    <mc:Fallback xmlns="">
+      <p:transition spd="med">
+        <p:fade/>
+      </p:transition>
+    </mc:Fallback>
+  </mc:AlternateContent>
 </p:sldLayout>
 </file>
 
@@ -11392,7 +11707,7 @@
           <a:p>
             <a:fld id="{F721228B-0167-4061-A906-8575043315EE}" type="datetimeFigureOut">
               <a:rPr lang="zh-CN" altLang="en-US" smtClean="0"/>
-              <a:t>2025/6/5 Thu</a:t>
+              <a:t>2025/6/6 Fri</a:t>
             </a:fld>
             <a:endParaRPr lang="zh-CN" altLang="en-US"/>
           </a:p>
@@ -11455,13 +11770,25 @@
     </p:spTree>
     <p:extLst>
       <p:ext uri="{BB962C8B-B14F-4D97-AF65-F5344CB8AC3E}">
-        <p14:creationId xmlns:p14="http://schemas.microsoft.com/office/powerpoint/2010/main" val="1903742116"/>
+        <p14:creationId xmlns:p14="http://schemas.microsoft.com/office/powerpoint/2010/main" val="850762414"/>
       </p:ext>
     </p:extLst>
   </p:cSld>
   <p:clrMapOvr>
     <a:masterClrMapping/>
   </p:clrMapOvr>
+  <mc:AlternateContent xmlns:mc="http://schemas.openxmlformats.org/markup-compatibility/2006" xmlns:p14="http://schemas.microsoft.com/office/powerpoint/2010/main">
+    <mc:Choice Requires="p14">
+      <p:transition spd="med" p14:dur="700">
+        <p:fade/>
+      </p:transition>
+    </mc:Choice>
+    <mc:Fallback xmlns="">
+      <p:transition spd="med">
+        <p:fade/>
+      </p:transition>
+    </mc:Fallback>
+  </mc:AlternateContent>
 </p:sldLayout>
 </file>
 
@@ -11533,7 +11860,7 @@
           <a:p>
             <a:fld id="{F721228B-0167-4061-A906-8575043315EE}" type="datetimeFigureOut">
               <a:rPr lang="zh-CN" altLang="en-US" smtClean="0"/>
-              <a:t>2025/6/5 Thu</a:t>
+              <a:t>2025/6/6 Fri</a:t>
             </a:fld>
             <a:endParaRPr lang="zh-CN" altLang="en-US"/>
           </a:p>
@@ -11596,13 +11923,25 @@
     </p:spTree>
     <p:extLst>
       <p:ext uri="{BB962C8B-B14F-4D97-AF65-F5344CB8AC3E}">
-        <p14:creationId xmlns:p14="http://schemas.microsoft.com/office/powerpoint/2010/main" val="2266343131"/>
+        <p14:creationId xmlns:p14="http://schemas.microsoft.com/office/powerpoint/2010/main" val="1657080958"/>
       </p:ext>
     </p:extLst>
   </p:cSld>
   <p:clrMapOvr>
     <a:masterClrMapping/>
   </p:clrMapOvr>
+  <mc:AlternateContent xmlns:mc="http://schemas.openxmlformats.org/markup-compatibility/2006" xmlns:p14="http://schemas.microsoft.com/office/powerpoint/2010/main">
+    <mc:Choice Requires="p14">
+      <p:transition spd="med" p14:dur="700">
+        <p:fade/>
+      </p:transition>
+    </mc:Choice>
+    <mc:Fallback xmlns="">
+      <p:transition spd="med">
+        <p:fade/>
+      </p:transition>
+    </mc:Fallback>
+  </mc:AlternateContent>
 </p:sldLayout>
 </file>
 
@@ -11646,7 +11985,7 @@
           <a:p>
             <a:fld id="{F721228B-0167-4061-A906-8575043315EE}" type="datetimeFigureOut">
               <a:rPr lang="zh-CN" altLang="en-US" smtClean="0"/>
-              <a:t>2025/6/5 Thu</a:t>
+              <a:t>2025/6/6 Fri</a:t>
             </a:fld>
             <a:endParaRPr lang="zh-CN" altLang="en-US"/>
           </a:p>
@@ -11709,13 +12048,25 @@
     </p:spTree>
     <p:extLst>
       <p:ext uri="{BB962C8B-B14F-4D97-AF65-F5344CB8AC3E}">
-        <p14:creationId xmlns:p14="http://schemas.microsoft.com/office/powerpoint/2010/main" val="3125871839"/>
+        <p14:creationId xmlns:p14="http://schemas.microsoft.com/office/powerpoint/2010/main" val="2442807053"/>
       </p:ext>
     </p:extLst>
   </p:cSld>
   <p:clrMapOvr>
     <a:masterClrMapping/>
   </p:clrMapOvr>
+  <mc:AlternateContent xmlns:mc="http://schemas.openxmlformats.org/markup-compatibility/2006" xmlns:p14="http://schemas.microsoft.com/office/powerpoint/2010/main">
+    <mc:Choice Requires="p14">
+      <p:transition spd="med" p14:dur="700">
+        <p:fade/>
+      </p:transition>
+    </mc:Choice>
+    <mc:Fallback xmlns="">
+      <p:transition spd="med">
+        <p:fade/>
+      </p:transition>
+    </mc:Fallback>
+  </mc:AlternateContent>
 </p:sldLayout>
 </file>
 
@@ -11957,7 +12308,7 @@
           <a:p>
             <a:fld id="{F721228B-0167-4061-A906-8575043315EE}" type="datetimeFigureOut">
               <a:rPr lang="zh-CN" altLang="en-US" smtClean="0"/>
-              <a:t>2025/6/5 Thu</a:t>
+              <a:t>2025/6/6 Fri</a:t>
             </a:fld>
             <a:endParaRPr lang="zh-CN" altLang="en-US"/>
           </a:p>
@@ -12020,13 +12371,25 @@
     </p:spTree>
     <p:extLst>
       <p:ext uri="{BB962C8B-B14F-4D97-AF65-F5344CB8AC3E}">
-        <p14:creationId xmlns:p14="http://schemas.microsoft.com/office/powerpoint/2010/main" val="4269120921"/>
+        <p14:creationId xmlns:p14="http://schemas.microsoft.com/office/powerpoint/2010/main" val="128759803"/>
       </p:ext>
     </p:extLst>
   </p:cSld>
   <p:clrMapOvr>
     <a:masterClrMapping/>
   </p:clrMapOvr>
+  <mc:AlternateContent xmlns:mc="http://schemas.openxmlformats.org/markup-compatibility/2006" xmlns:p14="http://schemas.microsoft.com/office/powerpoint/2010/main">
+    <mc:Choice Requires="p14">
+      <p:transition spd="med" p14:dur="700">
+        <p:fade/>
+      </p:transition>
+    </mc:Choice>
+    <mc:Fallback xmlns="">
+      <p:transition spd="med">
+        <p:fade/>
+      </p:transition>
+    </mc:Fallback>
+  </mc:AlternateContent>
 </p:sldLayout>
 </file>
 
@@ -12245,7 +12608,7 @@
           <a:p>
             <a:fld id="{F721228B-0167-4061-A906-8575043315EE}" type="datetimeFigureOut">
               <a:rPr lang="zh-CN" altLang="en-US" smtClean="0"/>
-              <a:t>2025/6/5 Thu</a:t>
+              <a:t>2025/6/6 Fri</a:t>
             </a:fld>
             <a:endParaRPr lang="zh-CN" altLang="en-US"/>
           </a:p>
@@ -12308,23 +12671,46 @@
     </p:spTree>
     <p:extLst>
       <p:ext uri="{BB962C8B-B14F-4D97-AF65-F5344CB8AC3E}">
-        <p14:creationId xmlns:p14="http://schemas.microsoft.com/office/powerpoint/2010/main" val="3839517779"/>
+        <p14:creationId xmlns:p14="http://schemas.microsoft.com/office/powerpoint/2010/main" val="1723766700"/>
       </p:ext>
     </p:extLst>
   </p:cSld>
   <p:clrMapOvr>
     <a:masterClrMapping/>
   </p:clrMapOvr>
+  <mc:AlternateContent xmlns:mc="http://schemas.openxmlformats.org/markup-compatibility/2006" xmlns:p14="http://schemas.microsoft.com/office/powerpoint/2010/main">
+    <mc:Choice Requires="p14">
+      <p:transition spd="med" p14:dur="700">
+        <p:fade/>
+      </p:transition>
+    </mc:Choice>
+    <mc:Fallback xmlns="">
+      <p:transition spd="med">
+        <p:fade/>
+      </p:transition>
+    </mc:Fallback>
+  </mc:AlternateContent>
 </p:sldLayout>
 </file>
 
 <file path=ppt/slideMasters/slideMaster1.xml><?xml version="1.0" encoding="utf-8"?>
-<p:sldMaster xmlns:a="http://schemas.openxmlformats.org/drawingml/2006/main" xmlns:r="http://schemas.openxmlformats.org/officeDocument/2006/relationships" xmlns:p="http://schemas.openxmlformats.org/presentationml/2006/main">
+<p:sldMaster xmlns:a="http://schemas.openxmlformats.org/drawingml/2006/main" xmlns:r="http://schemas.openxmlformats.org/officeDocument/2006/relationships" xmlns:p="http://schemas.openxmlformats.org/presentationml/2006/main" preserve="1">
   <p:cSld>
     <p:bg>
-      <p:bgRef idx="1001">
-        <a:schemeClr val="bg1"/>
-      </p:bgRef>
+      <p:bgPr>
+        <a:gradFill>
+          <a:gsLst>
+            <a:gs pos="0">
+              <a:schemeClr val="bg1"/>
+            </a:gs>
+            <a:gs pos="100000">
+              <a:srgbClr val="F0F8FF"/>
+            </a:gs>
+          </a:gsLst>
+          <a:lin ang="5400000" scaled="1"/>
+        </a:gradFill>
+        <a:effectLst/>
+      </p:bgPr>
     </p:bg>
     <p:spTree>
       <p:nvGrpSpPr>
@@ -12411,35 +12797,35 @@
           <a:p>
             <a:pPr lvl="0"/>
             <a:r>
-              <a:rPr lang="zh-CN" altLang="en-US" dirty="0"/>
+              <a:rPr lang="zh-CN" altLang="en-US"/>
               <a:t>单击此处编辑母版文本样式</a:t>
             </a:r>
           </a:p>
           <a:p>
             <a:pPr lvl="1"/>
             <a:r>
-              <a:rPr lang="zh-CN" altLang="en-US" dirty="0"/>
+              <a:rPr lang="zh-CN" altLang="en-US"/>
               <a:t>二级</a:t>
             </a:r>
           </a:p>
           <a:p>
             <a:pPr lvl="2"/>
             <a:r>
-              <a:rPr lang="zh-CN" altLang="en-US" dirty="0"/>
+              <a:rPr lang="zh-CN" altLang="en-US"/>
               <a:t>三级</a:t>
             </a:r>
           </a:p>
           <a:p>
             <a:pPr lvl="3"/>
             <a:r>
-              <a:rPr lang="zh-CN" altLang="en-US" dirty="0"/>
+              <a:rPr lang="zh-CN" altLang="en-US"/>
               <a:t>四级</a:t>
             </a:r>
           </a:p>
           <a:p>
             <a:pPr lvl="4"/>
             <a:r>
-              <a:rPr lang="zh-CN" altLang="en-US" dirty="0"/>
+              <a:rPr lang="zh-CN" altLang="en-US"/>
               <a:t>五级</a:t>
             </a:r>
           </a:p>
@@ -12486,7 +12872,7 @@
           <a:p>
             <a:fld id="{F721228B-0167-4061-A906-8575043315EE}" type="datetimeFigureOut">
               <a:rPr lang="zh-CN" altLang="en-US" smtClean="0"/>
-              <a:t>2025/6/5 Thu</a:t>
+              <a:t>2025/6/6 Fri</a:t>
             </a:fld>
             <a:endParaRPr lang="zh-CN" altLang="en-US"/>
           </a:p>
@@ -12582,28 +12968,71 @@
           </a:p>
         </p:txBody>
       </p:sp>
+      <p:pic>
+        <p:nvPicPr>
+          <p:cNvPr id="7" name="图片 6">
+            <a:extLst>
+              <a:ext uri="{FF2B5EF4-FFF2-40B4-BE49-F238E27FC236}">
+                <a16:creationId xmlns:a16="http://schemas.microsoft.com/office/drawing/2014/main" id="{68A54585-7C5F-477D-7B3E-CE77E2F12069}"/>
+              </a:ext>
+            </a:extLst>
+          </p:cNvPr>
+          <p:cNvPicPr/>
+          <p:nvPr userDrawn="1"/>
+        </p:nvPicPr>
+        <p:blipFill>
+          <a:blip r:embed="rId15"/>
+          <a:stretch/>
+        </p:blipFill>
+        <p:spPr>
+          <a:xfrm>
+            <a:off x="11234160" y="5770605"/>
+            <a:ext cx="699060" cy="815726"/>
+          </a:xfrm>
+          <a:prstGeom prst="rect">
+            <a:avLst/>
+          </a:prstGeom>
+          <a:noFill/>
+          <a:ln w="0">
+            <a:noFill/>
+          </a:ln>
+        </p:spPr>
+      </p:pic>
     </p:spTree>
     <p:extLst>
       <p:ext uri="{BB962C8B-B14F-4D97-AF65-F5344CB8AC3E}">
-        <p14:creationId xmlns:p14="http://schemas.microsoft.com/office/powerpoint/2010/main" val="1766057859"/>
+        <p14:creationId xmlns:p14="http://schemas.microsoft.com/office/powerpoint/2010/main" val="117058022"/>
       </p:ext>
     </p:extLst>
   </p:cSld>
   <p:clrMap bg1="lt1" tx1="dk1" bg2="lt2" tx2="dk2" accent1="accent1" accent2="accent2" accent3="accent3" accent4="accent4" accent5="accent5" accent6="accent6" hlink="hlink" folHlink="folHlink"/>
   <p:sldLayoutIdLst>
-    <p:sldLayoutId id="2147483649" r:id="rId1"/>
-    <p:sldLayoutId id="2147483650" r:id="rId2"/>
-    <p:sldLayoutId id="2147483651" r:id="rId3"/>
-    <p:sldLayoutId id="2147483652" r:id="rId4"/>
-    <p:sldLayoutId id="2147483653" r:id="rId5"/>
-    <p:sldLayoutId id="2147483654" r:id="rId6"/>
-    <p:sldLayoutId id="2147483655" r:id="rId7"/>
-    <p:sldLayoutId id="2147483656" r:id="rId8"/>
-    <p:sldLayoutId id="2147483657" r:id="rId9"/>
-    <p:sldLayoutId id="2147483658" r:id="rId10"/>
-    <p:sldLayoutId id="2147483659" r:id="rId11"/>
-    <p:sldLayoutId id="2147483660" r:id="rId12"/>
+    <p:sldLayoutId id="2147483676" r:id="rId1"/>
+    <p:sldLayoutId id="2147483677" r:id="rId2"/>
+    <p:sldLayoutId id="2147483678" r:id="rId3"/>
+    <p:sldLayoutId id="2147483679" r:id="rId4"/>
+    <p:sldLayoutId id="2147483680" r:id="rId5"/>
+    <p:sldLayoutId id="2147483681" r:id="rId6"/>
+    <p:sldLayoutId id="2147483682" r:id="rId7"/>
+    <p:sldLayoutId id="2147483683" r:id="rId8"/>
+    <p:sldLayoutId id="2147483684" r:id="rId9"/>
+    <p:sldLayoutId id="2147483685" r:id="rId10"/>
+    <p:sldLayoutId id="2147483686" r:id="rId11"/>
+    <p:sldLayoutId id="2147483687" r:id="rId12"/>
+    <p:sldLayoutId id="2147483688" r:id="rId13"/>
   </p:sldLayoutIdLst>
+  <mc:AlternateContent xmlns:mc="http://schemas.openxmlformats.org/markup-compatibility/2006" xmlns:p14="http://schemas.microsoft.com/office/powerpoint/2010/main">
+    <mc:Choice Requires="p14">
+      <p:transition spd="med" p14:dur="700">
+        <p:fade/>
+      </p:transition>
+    </mc:Choice>
+    <mc:Fallback xmlns="">
+      <p:transition spd="med">
+        <p:fade/>
+      </p:transition>
+    </mc:Fallback>
+  </mc:AlternateContent>
   <p:txStyles>
     <p:titleStyle>
       <a:lvl1pPr algn="l" defTabSz="914400" rtl="0" eaLnBrk="1" latinLnBrk="0" hangingPunct="1">
@@ -12890,14 +13319,6 @@
 <file path=ppt/slides/slide1.xml><?xml version="1.0" encoding="utf-8"?>
 <p:sld xmlns:a="http://schemas.openxmlformats.org/drawingml/2006/main" xmlns:r="http://schemas.openxmlformats.org/officeDocument/2006/relationships" xmlns:p="http://schemas.openxmlformats.org/presentationml/2006/main">
   <p:cSld>
-    <p:bg>
-      <p:bgPr>
-        <a:solidFill>
-          <a:srgbClr val="FFFAD4"/>
-        </a:solidFill>
-        <a:effectLst/>
-      </p:bgPr>
-    </p:bg>
     <p:spTree>
       <p:nvGrpSpPr>
         <p:cNvPr id="1" name=""/>
@@ -12930,20 +13351,20 @@
         </p:nvSpPr>
         <p:spPr>
           <a:xfrm>
-            <a:off x="-16934" y="3201698"/>
-            <a:ext cx="12208933" cy="1600200"/>
+            <a:off x="0" y="3644225"/>
+            <a:ext cx="12209463" cy="1600200"/>
           </a:xfrm>
-          <a:solidFill>
-            <a:srgbClr val="F6E979"/>
-          </a:solidFill>
+          <a:noFill/>
         </p:spPr>
         <p:txBody>
-          <a:bodyPr/>
+          <a:bodyPr>
+            <a:normAutofit/>
+          </a:bodyPr>
           <a:lstStyle/>
           <a:p>
             <a:pPr algn="ctr"/>
             <a:r>
-              <a:rPr lang="en-US" altLang="zh-CN">
+              <a:rPr lang="en-US" altLang="zh-CN" sz="4800" dirty="0">
                 <a:solidFill>
                   <a:schemeClr val="tx1">
                     <a:lumMod val="95000"/>
@@ -12963,7 +13384,7 @@
               <a:t>Python </a:t>
             </a:r>
             <a:r>
-              <a:rPr lang="zh-CN" altLang="en-US">
+              <a:rPr lang="zh-CN" altLang="en-US" sz="4800" dirty="0">
                 <a:solidFill>
                   <a:schemeClr val="tx1">
                     <a:lumMod val="95000"/>
@@ -12980,10 +13401,10 @@
                 <a:latin typeface="华文琥珀" panose="02010800040101010101" pitchFamily="2" charset="-122"/>
                 <a:ea typeface="华文琥珀" panose="02010800040101010101" pitchFamily="2" charset="-122"/>
               </a:rPr>
-              <a:t>编程</a:t>
-            </a:r>
-            <a:r>
-              <a:rPr lang="zh-CN" altLang="en-US" dirty="0">
+              <a:t>编程：从入门到实践</a:t>
+            </a:r>
+            <a:br>
+              <a:rPr lang="en-US" altLang="zh-CN" sz="4800" dirty="0">
                 <a:solidFill>
                   <a:schemeClr val="tx1">
                     <a:lumMod val="95000"/>
@@ -13000,10 +13421,9 @@
                 <a:latin typeface="华文琥珀" panose="02010800040101010101" pitchFamily="2" charset="-122"/>
                 <a:ea typeface="华文琥珀" panose="02010800040101010101" pitchFamily="2" charset="-122"/>
               </a:rPr>
-              <a:t>：从入门到实践</a:t>
-            </a:r>
-            <a:br>
-              <a:rPr lang="en-US" altLang="zh-CN" dirty="0">
+            </a:br>
+            <a:r>
+              <a:rPr lang="zh-CN" altLang="en-US" sz="4800" dirty="0">
                 <a:solidFill>
                   <a:schemeClr val="tx1">
                     <a:lumMod val="95000"/>
@@ -13020,28 +13440,9 @@
                 <a:latin typeface="华文琥珀" panose="02010800040101010101" pitchFamily="2" charset="-122"/>
                 <a:ea typeface="华文琥珀" panose="02010800040101010101" pitchFamily="2" charset="-122"/>
               </a:rPr>
-            </a:br>
-            <a:r>
-              <a:rPr lang="zh-CN" altLang="en-US" dirty="0">
-                <a:solidFill>
-                  <a:schemeClr val="tx1">
-                    <a:lumMod val="95000"/>
-                    <a:lumOff val="5000"/>
-                  </a:schemeClr>
-                </a:solidFill>
-                <a:effectLst>
-                  <a:outerShdw blurRad="38100" dist="38100" dir="2700000" algn="tl">
-                    <a:srgbClr val="000000">
-                      <a:alpha val="43137"/>
-                    </a:srgbClr>
-                  </a:outerShdw>
-                </a:effectLst>
-                <a:latin typeface="华文琥珀" panose="02010800040101010101" pitchFamily="2" charset="-122"/>
-                <a:ea typeface="华文琥珀" panose="02010800040101010101" pitchFamily="2" charset="-122"/>
-              </a:rPr>
               <a:t>（第三版）</a:t>
             </a:r>
-            <a:endParaRPr lang="en-US" altLang="zh-CN" dirty="0">
+            <a:endParaRPr lang="en-US" altLang="zh-CN" sz="4800" dirty="0">
               <a:solidFill>
                 <a:schemeClr val="tx1">
                   <a:lumMod val="95000"/>
@@ -13077,8 +13478,8 @@
         </p:nvSpPr>
         <p:spPr bwMode="auto">
           <a:xfrm>
-            <a:off x="4559361" y="5491971"/>
-            <a:ext cx="3073277" cy="369332"/>
+            <a:off x="4304483" y="5491971"/>
+            <a:ext cx="3583033" cy="461665"/>
           </a:xfrm>
           <a:prstGeom prst="rect">
             <a:avLst/>
@@ -13128,8 +13529,8 @@
               <a:buNone/>
             </a:pPr>
             <a:r>
-              <a:rPr lang="en-US" altLang="zh-CN" b="1" dirty="0">
-                <a:latin typeface="Verdana" panose="020B0604030504040204" pitchFamily="34" charset="0"/>
+              <a:rPr lang="en-US" altLang="zh-CN" sz="2400" b="1" dirty="0">
+                <a:latin typeface="Consolas" panose="020B0609020204030204" pitchFamily="49" charset="0"/>
                 <a:ea typeface="Verdana" panose="020B0604030504040204" pitchFamily="34" charset="0"/>
               </a:rPr>
               <a:t>Teacher Name / Email</a:t>
@@ -13165,7 +13566,7 @@
         </p:blipFill>
         <p:spPr>
           <a:xfrm>
-            <a:off x="4488200" y="581078"/>
+            <a:off x="4495458" y="804806"/>
             <a:ext cx="3186567" cy="2591873"/>
           </a:xfrm>
           <a:prstGeom prst="rect">
@@ -13178,7 +13579,7 @@
           <p:cNvPr id="4" name="矩形 3">
             <a:extLst>
               <a:ext uri="{FF2B5EF4-FFF2-40B4-BE49-F238E27FC236}">
-                <a16:creationId xmlns:a16="http://schemas.microsoft.com/office/drawing/2014/main" id="{97BC8378-E0E5-3093-EA92-C480D9146529}"/>
+                <a16:creationId xmlns:a16="http://schemas.microsoft.com/office/drawing/2014/main" id="{75A0379E-3606-9AF4-7B2C-57E5B4C73ED1}"/>
               </a:ext>
             </a:extLst>
           </p:cNvPr>
@@ -13227,7 +13628,18 @@
   <p:clrMapOvr>
     <a:masterClrMapping/>
   </p:clrMapOvr>
-  <p:transition spd="med"/>
+  <mc:AlternateContent xmlns:mc="http://schemas.openxmlformats.org/markup-compatibility/2006" xmlns:p14="http://schemas.microsoft.com/office/powerpoint/2010/main">
+    <mc:Choice Requires="p14">
+      <p:transition spd="med" p14:dur="700">
+        <p:fade/>
+      </p:transition>
+    </mc:Choice>
+    <mc:Fallback xmlns="">
+      <p:transition spd="med">
+        <p:fade/>
+      </p:transition>
+    </mc:Fallback>
+  </mc:AlternateContent>
   <p:timing>
     <p:tnLst>
       <p:par>
@@ -21829,6 +22241,34 @@
       </p:grpSpPr>
       <p:sp>
         <p:nvSpPr>
+          <p:cNvPr id="5" name="标题 4">
+            <a:extLst>
+              <a:ext uri="{FF2B5EF4-FFF2-40B4-BE49-F238E27FC236}">
+                <a16:creationId xmlns:a16="http://schemas.microsoft.com/office/drawing/2014/main" id="{14B5F31E-85DD-B8D9-9ED7-E32A03C57260}"/>
+              </a:ext>
+            </a:extLst>
+          </p:cNvPr>
+          <p:cNvSpPr>
+            <a:spLocks noGrp="1"/>
+          </p:cNvSpPr>
+          <p:nvPr>
+            <p:ph type="title"/>
+          </p:nvPr>
+        </p:nvSpPr>
+        <p:spPr/>
+        <p:txBody>
+          <a:bodyPr/>
+          <a:lstStyle/>
+          <a:p>
+            <a:r>
+              <a:rPr lang="zh-CN" altLang="en-US" dirty="0"/>
+              <a:t>关于本讲义</a:t>
+            </a:r>
+          </a:p>
+        </p:txBody>
+      </p:sp>
+      <p:sp>
+        <p:nvSpPr>
           <p:cNvPr id="3" name="内容占位符 2">
             <a:extLst>
               <a:ext uri="{FF2B5EF4-FFF2-40B4-BE49-F238E27FC236}">
@@ -21980,34 +22420,6 @@
           </a:p>
         </p:txBody>
       </p:sp>
-      <p:sp>
-        <p:nvSpPr>
-          <p:cNvPr id="5" name="标题 4">
-            <a:extLst>
-              <a:ext uri="{FF2B5EF4-FFF2-40B4-BE49-F238E27FC236}">
-                <a16:creationId xmlns:a16="http://schemas.microsoft.com/office/drawing/2014/main" id="{14B5F31E-85DD-B8D9-9ED7-E32A03C57260}"/>
-              </a:ext>
-            </a:extLst>
-          </p:cNvPr>
-          <p:cNvSpPr>
-            <a:spLocks noGrp="1"/>
-          </p:cNvSpPr>
-          <p:nvPr>
-            <p:ph type="title"/>
-          </p:nvPr>
-        </p:nvSpPr>
-        <p:spPr/>
-        <p:txBody>
-          <a:bodyPr/>
-          <a:lstStyle/>
-          <a:p>
-            <a:r>
-              <a:rPr lang="zh-CN" altLang="en-US" dirty="0"/>
-              <a:t>关于本讲义</a:t>
-            </a:r>
-          </a:p>
-        </p:txBody>
-      </p:sp>
     </p:spTree>
     <p:extLst>
       <p:ext uri="{BB962C8B-B14F-4D97-AF65-F5344CB8AC3E}">
@@ -22018,6 +22430,18 @@
   <p:clrMapOvr>
     <a:masterClrMapping/>
   </p:clrMapOvr>
+  <mc:AlternateContent xmlns:mc="http://schemas.openxmlformats.org/markup-compatibility/2006" xmlns:p14="http://schemas.microsoft.com/office/powerpoint/2010/main">
+    <mc:Choice Requires="p14">
+      <p:transition spd="med" p14:dur="700">
+        <p:fade/>
+      </p:transition>
+    </mc:Choice>
+    <mc:Fallback xmlns="">
+      <p:transition spd="med">
+        <p:fade/>
+      </p:transition>
+    </mc:Fallback>
+  </mc:AlternateContent>
 </p:sld>
 </file>
 
@@ -33458,6 +33882,18 @@
   <p:clrMapOvr>
     <a:masterClrMapping/>
   </p:clrMapOvr>
+  <mc:AlternateContent xmlns:mc="http://schemas.openxmlformats.org/markup-compatibility/2006" xmlns:p14="http://schemas.microsoft.com/office/powerpoint/2010/main">
+    <mc:Choice Requires="p14">
+      <p:transition spd="med" p14:dur="700">
+        <p:fade/>
+      </p:transition>
+    </mc:Choice>
+    <mc:Fallback xmlns="">
+      <p:transition spd="med">
+        <p:fade/>
+      </p:transition>
+    </mc:Fallback>
+  </mc:AlternateContent>
 </p:sld>
 </file>
 
@@ -41062,6 +41498,34 @@
       </p:grpSpPr>
       <p:sp>
         <p:nvSpPr>
+          <p:cNvPr id="5" name="标题 4">
+            <a:extLst>
+              <a:ext uri="{FF2B5EF4-FFF2-40B4-BE49-F238E27FC236}">
+                <a16:creationId xmlns:a16="http://schemas.microsoft.com/office/drawing/2014/main" id="{E13F5F3D-6BD4-4AAC-4328-4ABDCA95946D}"/>
+              </a:ext>
+            </a:extLst>
+          </p:cNvPr>
+          <p:cNvSpPr>
+            <a:spLocks noGrp="1"/>
+          </p:cNvSpPr>
+          <p:nvPr>
+            <p:ph type="title"/>
+          </p:nvPr>
+        </p:nvSpPr>
+        <p:spPr/>
+        <p:txBody>
+          <a:bodyPr/>
+          <a:lstStyle/>
+          <a:p>
+            <a:r>
+              <a:rPr lang="zh-CN" altLang="en-US" dirty="0"/>
+              <a:t>关于第二部分</a:t>
+            </a:r>
+          </a:p>
+        </p:txBody>
+      </p:sp>
+      <p:sp>
+        <p:nvSpPr>
           <p:cNvPr id="3" name="内容占位符 2">
             <a:extLst>
               <a:ext uri="{FF2B5EF4-FFF2-40B4-BE49-F238E27FC236}">
@@ -41243,34 +41707,6 @@
           </a:p>
         </p:txBody>
       </p:sp>
-      <p:sp>
-        <p:nvSpPr>
-          <p:cNvPr id="5" name="标题 4">
-            <a:extLst>
-              <a:ext uri="{FF2B5EF4-FFF2-40B4-BE49-F238E27FC236}">
-                <a16:creationId xmlns:a16="http://schemas.microsoft.com/office/drawing/2014/main" id="{E13F5F3D-6BD4-4AAC-4328-4ABDCA95946D}"/>
-              </a:ext>
-            </a:extLst>
-          </p:cNvPr>
-          <p:cNvSpPr>
-            <a:spLocks noGrp="1"/>
-          </p:cNvSpPr>
-          <p:nvPr>
-            <p:ph type="title"/>
-          </p:nvPr>
-        </p:nvSpPr>
-        <p:spPr/>
-        <p:txBody>
-          <a:bodyPr/>
-          <a:lstStyle/>
-          <a:p>
-            <a:r>
-              <a:rPr lang="zh-CN" altLang="en-US" dirty="0"/>
-              <a:t>关于第二部分</a:t>
-            </a:r>
-          </a:p>
-        </p:txBody>
-      </p:sp>
     </p:spTree>
     <p:extLst>
       <p:ext uri="{BB962C8B-B14F-4D97-AF65-F5344CB8AC3E}">
@@ -41281,6 +41717,18 @@
   <p:clrMapOvr>
     <a:masterClrMapping/>
   </p:clrMapOvr>
+  <mc:AlternateContent xmlns:mc="http://schemas.openxmlformats.org/markup-compatibility/2006" xmlns:p14="http://schemas.microsoft.com/office/powerpoint/2010/main">
+    <mc:Choice Requires="p14">
+      <p:transition spd="med" p14:dur="700">
+        <p:fade/>
+      </p:transition>
+    </mc:Choice>
+    <mc:Fallback xmlns="">
+      <p:transition spd="med">
+        <p:fade/>
+      </p:transition>
+    </mc:Fallback>
+  </mc:AlternateContent>
 </p:sld>
 </file>
 
@@ -42696,6 +43144,18 @@
   <p:clrMapOvr>
     <a:masterClrMapping/>
   </p:clrMapOvr>
+  <mc:AlternateContent xmlns:mc="http://schemas.openxmlformats.org/markup-compatibility/2006" xmlns:p14="http://schemas.microsoft.com/office/powerpoint/2010/main">
+    <mc:Choice Requires="p14">
+      <p:transition spd="med" p14:dur="700">
+        <p:fade/>
+      </p:transition>
+    </mc:Choice>
+    <mc:Fallback xmlns="">
+      <p:transition spd="med">
+        <p:fade/>
+      </p:transition>
+    </mc:Fallback>
+  </mc:AlternateContent>
 </p:sld>
 </file>
 
@@ -42805,6 +43265,18 @@
   <p:clrMapOvr>
     <a:masterClrMapping/>
   </p:clrMapOvr>
+  <mc:AlternateContent xmlns:mc="http://schemas.openxmlformats.org/markup-compatibility/2006" xmlns:p14="http://schemas.microsoft.com/office/powerpoint/2010/main">
+    <mc:Choice Requires="p14">
+      <p:transition spd="med" p14:dur="700">
+        <p:fade/>
+      </p:transition>
+    </mc:Choice>
+    <mc:Fallback xmlns="">
+      <p:transition spd="med">
+        <p:fade/>
+      </p:transition>
+    </mc:Fallback>
+  </mc:AlternateContent>
 </p:sld>
 </file>
 
@@ -42833,6 +43305,38 @@
       </p:grpSpPr>
       <p:sp>
         <p:nvSpPr>
+          <p:cNvPr id="5" name="标题 4">
+            <a:extLst>
+              <a:ext uri="{FF2B5EF4-FFF2-40B4-BE49-F238E27FC236}">
+                <a16:creationId xmlns:a16="http://schemas.microsoft.com/office/drawing/2014/main" id="{D78EDEA1-A9DB-F854-22C8-BFC504AF384E}"/>
+              </a:ext>
+            </a:extLst>
+          </p:cNvPr>
+          <p:cNvSpPr>
+            <a:spLocks noGrp="1"/>
+          </p:cNvSpPr>
+          <p:nvPr>
+            <p:ph type="title"/>
+          </p:nvPr>
+        </p:nvSpPr>
+        <p:spPr/>
+        <p:txBody>
+          <a:bodyPr/>
+          <a:lstStyle/>
+          <a:p>
+            <a:r>
+              <a:rPr lang="en-US" altLang="zh-CN" dirty="0"/>
+              <a:t>12.1 </a:t>
+            </a:r>
+            <a:r>
+              <a:rPr lang="zh-CN" altLang="en-US" dirty="0"/>
+              <a:t>规划项目 </a:t>
+            </a:r>
+          </a:p>
+        </p:txBody>
+      </p:sp>
+      <p:sp>
+        <p:nvSpPr>
           <p:cNvPr id="3" name="内容占位符 2">
             <a:extLst>
               <a:ext uri="{FF2B5EF4-FFF2-40B4-BE49-F238E27FC236}">
@@ -43018,38 +43522,6 @@
           </a:p>
         </p:txBody>
       </p:sp>
-      <p:sp>
-        <p:nvSpPr>
-          <p:cNvPr id="5" name="标题 4">
-            <a:extLst>
-              <a:ext uri="{FF2B5EF4-FFF2-40B4-BE49-F238E27FC236}">
-                <a16:creationId xmlns:a16="http://schemas.microsoft.com/office/drawing/2014/main" id="{D78EDEA1-A9DB-F854-22C8-BFC504AF384E}"/>
-              </a:ext>
-            </a:extLst>
-          </p:cNvPr>
-          <p:cNvSpPr>
-            <a:spLocks noGrp="1"/>
-          </p:cNvSpPr>
-          <p:nvPr>
-            <p:ph type="title"/>
-          </p:nvPr>
-        </p:nvSpPr>
-        <p:spPr/>
-        <p:txBody>
-          <a:bodyPr/>
-          <a:lstStyle/>
-          <a:p>
-            <a:r>
-              <a:rPr lang="en-US" altLang="zh-CN" dirty="0"/>
-              <a:t>12.1 </a:t>
-            </a:r>
-            <a:r>
-              <a:rPr lang="zh-CN" altLang="en-US" dirty="0"/>
-              <a:t>规划项目 </a:t>
-            </a:r>
-          </a:p>
-        </p:txBody>
-      </p:sp>
     </p:spTree>
     <p:extLst>
       <p:ext uri="{BB962C8B-B14F-4D97-AF65-F5344CB8AC3E}">
@@ -43060,6 +43532,18 @@
   <p:clrMapOvr>
     <a:masterClrMapping/>
   </p:clrMapOvr>
+  <mc:AlternateContent xmlns:mc="http://schemas.openxmlformats.org/markup-compatibility/2006" xmlns:p14="http://schemas.microsoft.com/office/powerpoint/2010/main">
+    <mc:Choice Requires="p14">
+      <p:transition spd="med" p14:dur="700">
+        <p:fade/>
+      </p:transition>
+    </mc:Choice>
+    <mc:Fallback xmlns="">
+      <p:transition spd="med">
+        <p:fade/>
+      </p:transition>
+    </mc:Fallback>
+  </mc:AlternateContent>
 </p:sld>
 </file>
 
@@ -43999,7 +44483,7 @@
 </file>
 
 <file path=ppt/theme/theme1.xml><?xml version="1.0" encoding="utf-8"?>
-<a:theme xmlns:a="http://schemas.openxmlformats.org/drawingml/2006/main" name="Office 主题​​">
+<a:theme xmlns:a="http://schemas.openxmlformats.org/drawingml/2006/main" name="3_Office 主题​​">
   <a:themeElements>
     <a:clrScheme name="Office">
       <a:dk1>
